--- a/Lotto추첨기 최종.pptx
+++ b/Lotto추첨기 최종.pptx
@@ -2,33 +2,31 @@
 <file path=ppt/presentation.xml><?xml version="1.0" encoding="utf-8"?>
 <p:presentation xmlns:r="http://schemas.openxmlformats.org/officeDocument/2006/relationships" xmlns:c="http://schemas.openxmlformats.org/drawingml/2006/chart" xmlns:a="http://schemas.openxmlformats.org/drawingml/2006/main" xmlns:dgm="http://schemas.openxmlformats.org/drawingml/2006/diagram" xmlns:dsp="http://schemas.microsoft.com/office/drawing/2008/diagram" xmlns:p="http://schemas.openxmlformats.org/presentationml/2006/main">
   <p:sldMasterIdLst>
-    <p:sldMasterId id="2147484145" r:id="rId1"/>
-    <p:sldMasterId id="2147484146" r:id="rId2"/>
+    <p:sldMasterId id="2147484144" r:id="rId1"/>
+    <p:sldMasterId id="2147484145" r:id="rId2"/>
   </p:sldMasterIdLst>
   <p:notesMasterIdLst>
     <p:notesMasterId r:id="rId3"/>
   </p:notesMasterIdLst>
   <p:sldIdLst>
-    <p:sldId id="257" r:id="rId4"/>
-    <p:sldId id="288" r:id="rId5"/>
-    <p:sldId id="259" r:id="rId6"/>
-    <p:sldId id="293" r:id="rId7"/>
-    <p:sldId id="283" r:id="rId8"/>
-    <p:sldId id="302" r:id="rId9"/>
-    <p:sldId id="303" r:id="rId10"/>
-    <p:sldId id="304" r:id="rId11"/>
-    <p:sldId id="286" r:id="rId12"/>
-    <p:sldId id="294" r:id="rId13"/>
-    <p:sldId id="289" r:id="rId14"/>
-    <p:sldId id="291" r:id="rId15"/>
-    <p:sldId id="292" r:id="rId16"/>
-    <p:sldId id="298" r:id="rId17"/>
-    <p:sldId id="296" r:id="rId18"/>
-    <p:sldId id="299" r:id="rId19"/>
-    <p:sldId id="295" r:id="rId20"/>
-    <p:sldId id="300" r:id="rId21"/>
-    <p:sldId id="282" r:id="rId22"/>
-    <p:sldId id="301" r:id="rId23"/>
+    <p:sldId id="256" r:id="rId4"/>
+    <p:sldId id="257" r:id="rId5"/>
+    <p:sldId id="258" r:id="rId6"/>
+    <p:sldId id="259" r:id="rId7"/>
+    <p:sldId id="260" r:id="rId8"/>
+    <p:sldId id="261" r:id="rId9"/>
+    <p:sldId id="262" r:id="rId10"/>
+    <p:sldId id="263" r:id="rId11"/>
+    <p:sldId id="264" r:id="rId12"/>
+    <p:sldId id="265" r:id="rId13"/>
+    <p:sldId id="266" r:id="rId14"/>
+    <p:sldId id="267" r:id="rId15"/>
+    <p:sldId id="268" r:id="rId16"/>
+    <p:sldId id="269" r:id="rId17"/>
+    <p:sldId id="270" r:id="rId18"/>
+    <p:sldId id="271" r:id="rId19"/>
+    <p:sldId id="272" r:id="rId20"/>
+    <p:sldId id="273" r:id="rId21"/>
   </p:sldIdLst>
   <p:sldSz cx="12192000" cy="6858000"/>
   <p:notesSz cx="6858000" cy="9144000"/>
@@ -231,7 +229,7 @@
               <a:pPr lvl="0">
                 <a:defRPr/>
               </a:pPr>
-              <a:t>2023-11-17</a:t>
+              <a:t>2024-10-24</a:t>
             </a:fld>
             <a:endParaRPr lang="ko-KR" altLang="en-US"/>
           </a:p>
@@ -544,9 +542,6 @@
       </p:grpSpPr>
     </p:spTree>
   </p:cSld>
-  <p:clrMapOvr>
-    <a:masterClrMapping/>
-  </p:clrMapOvr>
 </p:notes>
 </file>
 
@@ -569,9 +564,6 @@
       </p:grpSpPr>
     </p:spTree>
   </p:cSld>
-  <p:clrMapOvr>
-    <a:masterClrMapping/>
-  </p:clrMapOvr>
 </p:notes>
 </file>
 
@@ -594,9 +586,6 @@
       </p:grpSpPr>
     </p:spTree>
   </p:cSld>
-  <p:clrMapOvr>
-    <a:masterClrMapping/>
-  </p:clrMapOvr>
 </p:notes>
 </file>
 
@@ -619,9 +608,6 @@
       </p:grpSpPr>
     </p:spTree>
   </p:cSld>
-  <p:clrMapOvr>
-    <a:masterClrMapping/>
-  </p:clrMapOvr>
 </p:notes>
 </file>
 
@@ -644,9 +630,6 @@
       </p:grpSpPr>
     </p:spTree>
   </p:cSld>
-  <p:clrMapOvr>
-    <a:masterClrMapping/>
-  </p:clrMapOvr>
 </p:notes>
 </file>
 
@@ -669,9 +652,6 @@
       </p:grpSpPr>
     </p:spTree>
   </p:cSld>
-  <p:clrMapOvr>
-    <a:masterClrMapping/>
-  </p:clrMapOvr>
 </p:notes>
 </file>
 
@@ -694,9 +674,6 @@
       </p:grpSpPr>
     </p:spTree>
   </p:cSld>
-  <p:clrMapOvr>
-    <a:masterClrMapping/>
-  </p:clrMapOvr>
 </p:notes>
 </file>
 
@@ -719,9 +696,6 @@
       </p:grpSpPr>
     </p:spTree>
   </p:cSld>
-  <p:clrMapOvr>
-    <a:masterClrMapping/>
-  </p:clrMapOvr>
 </p:notes>
 </file>
 
@@ -744,9 +718,6 @@
       </p:grpSpPr>
     </p:spTree>
   </p:cSld>
-  <p:clrMapOvr>
-    <a:masterClrMapping/>
-  </p:clrMapOvr>
 </p:notes>
 </file>
 
@@ -767,469 +738,8 @@
           <a:chExt cx="0" cy="0"/>
         </a:xfrm>
       </p:grpSpPr>
-      <p:sp>
-        <p:nvSpPr>
-          <p:cNvPr id="2" name="슬라이드 이미지 개체 틀 1"/>
-          <p:cNvSpPr>
-            <a:spLocks noGrp="1" noRot="1" noChangeAspect="1" noTextEdit="1"/>
-          </p:cNvSpPr>
-          <p:nvPr>
-            <p:ph type="sldImg" idx="0"/>
-          </p:nvPr>
-        </p:nvSpPr>
-        <p:spPr/>
-      </p:sp>
-      <p:sp>
-        <p:nvSpPr>
-          <p:cNvPr id="3" name="슬라이드 노트 개체 틀 2"/>
-          <p:cNvSpPr>
-            <a:spLocks noGrp="1"/>
-          </p:cNvSpPr>
-          <p:nvPr>
-            <p:ph type="body" idx="1"/>
-          </p:nvPr>
-        </p:nvSpPr>
-        <p:spPr/>
-        <p:txBody>
-          <a:bodyPr/>
-          <a:lstStyle/>
-          <a:p>
-            <a:pPr lvl="0">
-              <a:defRPr/>
-            </a:pPr>
-            <a:r>
-              <a:rPr lang="ko-KR" altLang="en-US" sz="1200"/>
-              <a:t>첫 슬라이드 화면에서 눈치 빠르신분들은 이미 알아차리셨겠지만</a:t>
-            </a:r>
-            <a:endParaRPr lang="ko-KR" altLang="en-US" sz="1200"/>
-          </a:p>
-          <a:p>
-            <a:pPr lvl="0">
-              <a:defRPr/>
-            </a:pPr>
-            <a:r>
-              <a:rPr lang="ko-KR" altLang="en-US" sz="1200"/>
-              <a:t>저희 팀의 주제는 </a:t>
-            </a:r>
-            <a:r>
-              <a:rPr lang="en-US" altLang="ko-KR" sz="1200"/>
-              <a:t>Hoflix</a:t>
-            </a:r>
-            <a:r>
-              <a:rPr lang="ko-KR" altLang="en-US" sz="1200"/>
-              <a:t>입니다</a:t>
-            </a:r>
-            <a:r>
-              <a:rPr lang="en-US" altLang="ko-KR" sz="1200"/>
-              <a:t>.</a:t>
-            </a:r>
-            <a:r>
-              <a:rPr lang="ko-KR" altLang="en-US" sz="1200"/>
-              <a:t> </a:t>
-            </a:r>
-            <a:r>
-              <a:rPr lang="en-US" altLang="ko-KR" sz="1200"/>
-              <a:t>OPEN API</a:t>
-            </a:r>
-            <a:r>
-              <a:rPr lang="ko-KR" altLang="en-US" sz="1200"/>
-              <a:t>에서 영화</a:t>
-            </a:r>
-            <a:r>
-              <a:rPr lang="en-US" altLang="ko-KR" sz="1200"/>
-              <a:t>,</a:t>
-            </a:r>
-            <a:r>
-              <a:rPr lang="ko-KR" altLang="en-US" sz="1200"/>
-              <a:t> 드라마 등 컨텐츠의 데이터를 가져와</a:t>
-            </a:r>
-            <a:r>
-              <a:rPr lang="en-US" altLang="ko-KR" sz="1200"/>
-              <a:t>,</a:t>
-            </a:r>
-            <a:r>
-              <a:rPr lang="ko-KR" altLang="en-US" sz="1200"/>
-              <a:t> 인기 </a:t>
-            </a:r>
-            <a:r>
-              <a:rPr lang="en-US" altLang="ko-KR" sz="1200"/>
-              <a:t>OTT</a:t>
-            </a:r>
-            <a:r>
-              <a:rPr lang="ko-KR" altLang="en-US" sz="1200"/>
-              <a:t>기업인 </a:t>
-            </a:r>
-            <a:r>
-              <a:rPr lang="en-US" altLang="ko-KR" sz="1200"/>
-              <a:t>Netflix</a:t>
-            </a:r>
-            <a:r>
-              <a:rPr lang="ko-KR" altLang="en-US" sz="1200"/>
-              <a:t>의 디자인을 차용하여</a:t>
-            </a:r>
-            <a:endParaRPr lang="ko-KR" altLang="en-US" sz="1200"/>
-          </a:p>
-          <a:p>
-            <a:pPr lvl="0">
-              <a:defRPr/>
-            </a:pPr>
-            <a:r>
-              <a:rPr lang="ko-KR" altLang="en-US" sz="1200"/>
-              <a:t>앱을 개발하였습니다</a:t>
-            </a:r>
-            <a:r>
-              <a:rPr lang="en-US" altLang="ko-KR" sz="1200"/>
-              <a:t>.</a:t>
-            </a:r>
-            <a:r>
-              <a:rPr lang="ko-KR" altLang="en-US" sz="1200"/>
-              <a:t> </a:t>
-            </a:r>
-            <a:r>
-              <a:rPr lang="en-US" altLang="ko-KR" sz="1200"/>
-              <a:t>Hoseo</a:t>
-            </a:r>
-            <a:r>
-              <a:rPr lang="ko-KR" altLang="en-US" sz="1200"/>
-              <a:t>와 </a:t>
-            </a:r>
-            <a:r>
-              <a:rPr lang="en-US" altLang="ko-KR" sz="1200"/>
-              <a:t>Netflix</a:t>
-            </a:r>
-            <a:r>
-              <a:rPr lang="ko-KR" altLang="en-US" sz="1200"/>
-              <a:t>를 더하여 </a:t>
-            </a:r>
-            <a:r>
-              <a:rPr lang="en-US" altLang="ko-KR" sz="1200"/>
-              <a:t>Hoflix</a:t>
-            </a:r>
-            <a:r>
-              <a:rPr lang="ko-KR" altLang="en-US" sz="1200"/>
-              <a:t>라고 네이밍을 하였습니다</a:t>
-            </a:r>
-            <a:r>
-              <a:rPr lang="en-US" altLang="ko-KR" sz="1200"/>
-              <a:t>.</a:t>
-            </a:r>
-            <a:endParaRPr lang="en-US" altLang="ko-KR" sz="1200"/>
-          </a:p>
-        </p:txBody>
-      </p:sp>
-      <p:sp>
-        <p:nvSpPr>
-          <p:cNvPr id="4" name="슬라이드 번호 개체 틀 3"/>
-          <p:cNvSpPr>
-            <a:spLocks noGrp="1"/>
-          </p:cNvSpPr>
-          <p:nvPr>
-            <p:ph type="sldNum" sz="quarter" idx="10"/>
-          </p:nvPr>
-        </p:nvSpPr>
-        <p:spPr/>
-        <p:txBody>
-          <a:bodyPr/>
-          <a:lstStyle/>
-          <a:p>
-            <a:pPr lvl="0">
-              <a:defRPr/>
-            </a:pPr>
-            <a:fld id="{10A3D0E9-D65A-4A05-9E47-735712E87921}" type="slidenum">
-              <a:rPr lang="en-US" altLang="en-US">
-                <a:solidFill>
-                  <a:prstClr val="black"/>
-                </a:solidFill>
-              </a:rPr>
-              <a:pPr lvl="0">
-                <a:defRPr/>
-              </a:pPr>
-              <a:t>18</a:t>
-            </a:fld>
-            <a:endParaRPr lang="en-US" altLang="en-US">
-              <a:solidFill>
-                <a:prstClr val="black"/>
-              </a:solidFill>
-            </a:endParaRPr>
-          </a:p>
-        </p:txBody>
-      </p:sp>
     </p:spTree>
   </p:cSld>
-  <p:clrMapOvr>
-    <a:masterClrMapping/>
-  </p:clrMapOvr>
-</p:notes>
-</file>
-
-<file path=ppt/notesSlides/notesSlide19.xml><?xml version="1.0" encoding="utf-8"?>
-<p:notes xmlns:r="http://schemas.openxmlformats.org/officeDocument/2006/relationships" xmlns:c="http://schemas.openxmlformats.org/drawingml/2006/chart" xmlns:a="http://schemas.openxmlformats.org/drawingml/2006/main" xmlns:dgm="http://schemas.openxmlformats.org/drawingml/2006/diagram" xmlns:dsp="http://schemas.microsoft.com/office/drawing/2008/diagram" xmlns:p="http://schemas.openxmlformats.org/presentationml/2006/main">
-  <p:cSld>
-    <p:spTree>
-      <p:nvGrpSpPr>
-        <p:cNvPr id="1" name=""/>
-        <p:cNvGrpSpPr/>
-        <p:nvPr/>
-      </p:nvGrpSpPr>
-      <p:grpSpPr>
-        <a:xfrm>
-          <a:off x="0" y="0"/>
-          <a:ext cx="0" cy="0"/>
-          <a:chOff x="0" y="0"/>
-          <a:chExt cx="0" cy="0"/>
-        </a:xfrm>
-      </p:grpSpPr>
-      <p:sp>
-        <p:nvSpPr>
-          <p:cNvPr id="2" name="슬라이드 이미지 개체 틀 1"/>
-          <p:cNvSpPr>
-            <a:spLocks noGrp="1" noRot="1" noChangeAspect="1" noTextEdit="1"/>
-          </p:cNvSpPr>
-          <p:nvPr>
-            <p:ph type="sldImg" idx="0"/>
-          </p:nvPr>
-        </p:nvSpPr>
-        <p:spPr>
-          <a:xfrm>
-            <a:off x="685800" y="1143000"/>
-            <a:ext cx="5486400" cy="3086100"/>
-          </a:xfrm>
-          <a:prstGeom prst="rect">
-            <a:avLst/>
-          </a:prstGeom>
-          <a:noFill/>
-          <a:ln w="12700" cap="flat" cmpd="sng">
-            <a:solidFill>
-              <a:srgbClr val="000000">
-                <a:alpha val="100000"/>
-              </a:srgbClr>
-            </a:solidFill>
-            <a:prstDash val="solid"/>
-          </a:ln>
-        </p:spPr>
-        <p:txBody>
-          <a:bodyPr vert="horz" wrap="square" lIns="0" tIns="0" rIns="0" bIns="0" anchor="t">
-            <a:noAutofit/>
-          </a:bodyPr>
-          <a:lstStyle/>
-          <a:p>
-            <a:pPr marL="0" indent="0">
-              <a:defRPr/>
-            </a:pPr>
-            <a:endParaRPr/>
-          </a:p>
-        </p:txBody>
-      </p:sp>
-      <p:sp>
-        <p:nvSpPr>
-          <p:cNvPr id="3" name="슬라이드 노트 개체 틀 2"/>
-          <p:cNvSpPr txBox="1">
-            <a:spLocks noGrp="1"/>
-          </p:cNvSpPr>
-          <p:nvPr>
-            <p:ph type="body" idx="1"/>
-          </p:nvPr>
-        </p:nvSpPr>
-        <p:spPr>
-          <a:xfrm>
-            <a:off x="685800" y="4400550"/>
-            <a:ext cx="5487035" cy="3601085"/>
-          </a:xfrm>
-          <a:prstGeom prst="rect">
-            <a:avLst/>
-          </a:prstGeom>
-        </p:spPr>
-        <p:txBody>
-          <a:bodyPr vert="horz" wrap="square" lIns="91440" tIns="45720" rIns="91440" bIns="45720" anchor="t">
-            <a:noAutofit/>
-          </a:bodyPr>
-          <a:lstStyle/>
-          <a:p>
-            <a:pPr marL="0" indent="0" latinLnBrk="0">
-              <a:buFontTx/>
-              <a:buNone/>
-              <a:defRPr/>
-            </a:pPr>
-            <a:r>
-              <a:rPr lang="ko-KR" altLang="en-US" sz="1200"/>
-              <a:t>첫 슬라이드 화면에서 눈치 빠르신분들은 이미 알아차리셨겠지만</a:t>
-            </a:r>
-            <a:endParaRPr lang="ko-KR" altLang="en-US" sz="1200"/>
-          </a:p>
-          <a:p>
-            <a:pPr marL="0" indent="0" latinLnBrk="0">
-              <a:buFontTx/>
-              <a:buNone/>
-              <a:defRPr/>
-            </a:pPr>
-            <a:r>
-              <a:rPr lang="ko-KR" altLang="en-US" sz="1200"/>
-              <a:t>저희 팀의 주제는 </a:t>
-            </a:r>
-            <a:r>
-              <a:rPr lang="en-US" altLang="ko-KR" sz="1200"/>
-              <a:t>Hoflix</a:t>
-            </a:r>
-            <a:r>
-              <a:rPr lang="ko-KR" altLang="en-US" sz="1200"/>
-              <a:t>입니다</a:t>
-            </a:r>
-            <a:r>
-              <a:rPr lang="en-US" altLang="ko-KR" sz="1200"/>
-              <a:t>.</a:t>
-            </a:r>
-            <a:r>
-              <a:rPr lang="ko-KR" altLang="en-US" sz="1200"/>
-              <a:t> </a:t>
-            </a:r>
-            <a:r>
-              <a:rPr lang="en-US" altLang="ko-KR" sz="1200"/>
-              <a:t>OPEN API</a:t>
-            </a:r>
-            <a:r>
-              <a:rPr lang="ko-KR" altLang="en-US" sz="1200"/>
-              <a:t>에서 영화</a:t>
-            </a:r>
-            <a:r>
-              <a:rPr lang="en-US" altLang="ko-KR" sz="1200"/>
-              <a:t>,</a:t>
-            </a:r>
-            <a:r>
-              <a:rPr lang="ko-KR" altLang="en-US" sz="1200"/>
-              <a:t> 드라마 등 컨텐츠의 데이터를 가져와</a:t>
-            </a:r>
-            <a:r>
-              <a:rPr lang="en-US" altLang="ko-KR" sz="1200"/>
-              <a:t>,</a:t>
-            </a:r>
-            <a:r>
-              <a:rPr lang="ko-KR" altLang="en-US" sz="1200"/>
-              <a:t> 인기 </a:t>
-            </a:r>
-            <a:r>
-              <a:rPr lang="en-US" altLang="ko-KR" sz="1200"/>
-              <a:t>OTT</a:t>
-            </a:r>
-            <a:r>
-              <a:rPr lang="ko-KR" altLang="en-US" sz="1200"/>
-              <a:t>기업인 </a:t>
-            </a:r>
-            <a:r>
-              <a:rPr lang="en-US" altLang="ko-KR" sz="1200"/>
-              <a:t>Netflix</a:t>
-            </a:r>
-            <a:r>
-              <a:rPr lang="ko-KR" altLang="en-US" sz="1200"/>
-              <a:t>의 디자인을 차용하여</a:t>
-            </a:r>
-            <a:endParaRPr lang="ko-KR" altLang="en-US" sz="1200"/>
-          </a:p>
-          <a:p>
-            <a:pPr marL="0" indent="0" latinLnBrk="0">
-              <a:buFontTx/>
-              <a:buNone/>
-              <a:defRPr/>
-            </a:pPr>
-            <a:r>
-              <a:rPr lang="ko-KR" altLang="en-US" sz="1200"/>
-              <a:t>앱을 개발하였습니다</a:t>
-            </a:r>
-            <a:r>
-              <a:rPr lang="en-US" altLang="ko-KR" sz="1200"/>
-              <a:t>.</a:t>
-            </a:r>
-            <a:r>
-              <a:rPr lang="ko-KR" altLang="en-US" sz="1200"/>
-              <a:t> </a:t>
-            </a:r>
-            <a:r>
-              <a:rPr lang="en-US" altLang="ko-KR" sz="1200"/>
-              <a:t>Hoseo</a:t>
-            </a:r>
-            <a:r>
-              <a:rPr lang="ko-KR" altLang="en-US" sz="1200"/>
-              <a:t>와 </a:t>
-            </a:r>
-            <a:r>
-              <a:rPr lang="en-US" altLang="ko-KR" sz="1200"/>
-              <a:t>Netflix</a:t>
-            </a:r>
-            <a:r>
-              <a:rPr lang="ko-KR" altLang="en-US" sz="1200"/>
-              <a:t>를 더하여 </a:t>
-            </a:r>
-            <a:r>
-              <a:rPr lang="en-US" altLang="ko-KR" sz="1200"/>
-              <a:t>Hoflix</a:t>
-            </a:r>
-            <a:r>
-              <a:rPr lang="ko-KR" altLang="en-US" sz="1200"/>
-              <a:t>라고 네이밍을 하였습니다</a:t>
-            </a:r>
-            <a:r>
-              <a:rPr lang="en-US" altLang="ko-KR" sz="1200"/>
-              <a:t>.</a:t>
-            </a:r>
-            <a:endParaRPr lang="en-US" altLang="ko-KR" sz="1200"/>
-          </a:p>
-        </p:txBody>
-      </p:sp>
-      <p:sp>
-        <p:nvSpPr>
-          <p:cNvPr id="4" name="슬라이드 번호 개체 틀 3"/>
-          <p:cNvSpPr txBox="1">
-            <a:spLocks noGrp="1"/>
-          </p:cNvSpPr>
-          <p:nvPr>
-            <p:ph type="sldNum" idx="10"/>
-          </p:nvPr>
-        </p:nvSpPr>
-        <p:spPr>
-          <a:xfrm>
-            <a:off x="3884930" y="8685530"/>
-            <a:ext cx="2972435" cy="459105"/>
-          </a:xfrm>
-          <a:prstGeom prst="rect">
-            <a:avLst/>
-          </a:prstGeom>
-        </p:spPr>
-        <p:txBody>
-          <a:bodyPr vert="horz" wrap="square" lIns="91440" tIns="45720" rIns="91440" bIns="45720" anchor="b">
-            <a:noAutofit/>
-          </a:bodyPr>
-          <a:lstStyle/>
-          <a:p>
-            <a:pPr marL="0" indent="0" latinLnBrk="0">
-              <a:buFontTx/>
-              <a:buNone/>
-              <a:defRPr/>
-            </a:pPr>
-            <a:fld id="{B9320F77-B9A0-41C5-862A-B4B631284C64}" type="slidenum">
-              <a:rPr lang="en-US" altLang="en-US">
-                <a:solidFill>
-                  <a:srgbClr val="000000"/>
-                </a:solidFill>
-              </a:rPr>
-              <a:pPr marL="0" indent="0" latinLnBrk="0">
-                <a:buFontTx/>
-                <a:buNone/>
-                <a:defRPr/>
-              </a:pPr>
-              <a:t>19</a:t>
-            </a:fld>
-            <a:endParaRPr lang="en-US" altLang="en-US">
-              <a:solidFill>
-                <a:srgbClr val="000000"/>
-              </a:solidFill>
-            </a:endParaRPr>
-          </a:p>
-        </p:txBody>
-      </p:sp>
-    </p:spTree>
-  </p:cSld>
-  <p:clrMapOvr>
-    <a:masterClrMapping/>
-  </p:clrMapOvr>
 </p:notes>
 </file>
 
@@ -1252,34 +762,6 @@
       </p:grpSpPr>
     </p:spTree>
   </p:cSld>
-  <p:clrMapOvr>
-    <a:masterClrMapping/>
-  </p:clrMapOvr>
-</p:notes>
-</file>
-
-<file path=ppt/notesSlides/notesSlide20.xml><?xml version="1.0" encoding="utf-8"?>
-<p:notes xmlns:r="http://schemas.openxmlformats.org/officeDocument/2006/relationships" xmlns:c="http://schemas.openxmlformats.org/drawingml/2006/chart" xmlns:a="http://schemas.openxmlformats.org/drawingml/2006/main" xmlns:dgm="http://schemas.openxmlformats.org/drawingml/2006/diagram" xmlns:dsp="http://schemas.microsoft.com/office/drawing/2008/diagram" xmlns:p="http://schemas.openxmlformats.org/presentationml/2006/main">
-  <p:cSld>
-    <p:spTree>
-      <p:nvGrpSpPr>
-        <p:cNvPr id="1" name=""/>
-        <p:cNvGrpSpPr/>
-        <p:nvPr/>
-      </p:nvGrpSpPr>
-      <p:grpSpPr>
-        <a:xfrm>
-          <a:off x="0" y="0"/>
-          <a:ext cx="0" cy="0"/>
-          <a:chOff x="0" y="0"/>
-          <a:chExt cx="0" cy="0"/>
-        </a:xfrm>
-      </p:grpSpPr>
-    </p:spTree>
-  </p:cSld>
-  <p:clrMapOvr>
-    <a:masterClrMapping/>
-  </p:clrMapOvr>
 </p:notes>
 </file>
 
@@ -1377,9 +859,6 @@
       </p:sp>
     </p:spTree>
   </p:cSld>
-  <p:clrMapOvr>
-    <a:masterClrMapping/>
-  </p:clrMapOvr>
 </p:notes>
 </file>
 
@@ -1432,121 +911,9 @@
             </a:pPr>
             <a:r>
               <a:rPr lang="ko-KR" altLang="en-US" sz="1200"/>
-              <a:t>첫 슬라이드 화면에서 눈치 빠르신분들은 이미 알아차리셨겠지만</a:t>
+              <a:t/>
             </a:r>
             <a:endParaRPr lang="ko-KR" altLang="en-US" sz="1200"/>
-          </a:p>
-          <a:p>
-            <a:pPr lvl="0">
-              <a:defRPr/>
-            </a:pPr>
-            <a:r>
-              <a:rPr lang="ko-KR" altLang="en-US" sz="1200"/>
-              <a:t>저희 팀의 주제는 </a:t>
-            </a:r>
-            <a:r>
-              <a:rPr lang="en-US" altLang="ko-KR" sz="1200"/>
-              <a:t>Hoflix</a:t>
-            </a:r>
-            <a:r>
-              <a:rPr lang="ko-KR" altLang="en-US" sz="1200"/>
-              <a:t>입니다</a:t>
-            </a:r>
-            <a:r>
-              <a:rPr lang="en-US" altLang="ko-KR" sz="1200"/>
-              <a:t>.</a:t>
-            </a:r>
-            <a:r>
-              <a:rPr lang="ko-KR" altLang="en-US" sz="1200"/>
-              <a:t> </a:t>
-            </a:r>
-            <a:r>
-              <a:rPr lang="en-US" altLang="ko-KR" sz="1200"/>
-              <a:t>OPEN API</a:t>
-            </a:r>
-            <a:r>
-              <a:rPr lang="ko-KR" altLang="en-US" sz="1200"/>
-              <a:t>에서 영화</a:t>
-            </a:r>
-            <a:r>
-              <a:rPr lang="en-US" altLang="ko-KR" sz="1200"/>
-              <a:t>,</a:t>
-            </a:r>
-            <a:r>
-              <a:rPr lang="ko-KR" altLang="en-US" sz="1200"/>
-              <a:t> 드라마 등 컨텐츠의 데이터를 가져와</a:t>
-            </a:r>
-            <a:r>
-              <a:rPr lang="en-US" altLang="ko-KR" sz="1200"/>
-              <a:t>,</a:t>
-            </a:r>
-            <a:r>
-              <a:rPr lang="ko-KR" altLang="en-US" sz="1200"/>
-              <a:t> 인기 </a:t>
-            </a:r>
-            <a:r>
-              <a:rPr lang="en-US" altLang="ko-KR" sz="1200"/>
-              <a:t>OTT</a:t>
-            </a:r>
-            <a:r>
-              <a:rPr lang="ko-KR" altLang="en-US" sz="1200"/>
-              <a:t>기업인 </a:t>
-            </a:r>
-            <a:r>
-              <a:rPr lang="en-US" altLang="ko-KR" sz="1200"/>
-              <a:t>Netflix</a:t>
-            </a:r>
-            <a:r>
-              <a:rPr lang="ko-KR" altLang="en-US" sz="1200"/>
-              <a:t>의 디자인을 차용하여</a:t>
-            </a:r>
-            <a:endParaRPr lang="ko-KR" altLang="en-US" sz="1200"/>
-          </a:p>
-          <a:p>
-            <a:pPr lvl="0">
-              <a:defRPr/>
-            </a:pPr>
-            <a:r>
-              <a:rPr lang="ko-KR" altLang="en-US" sz="1200"/>
-              <a:t>앱을 개발하였습니다</a:t>
-            </a:r>
-            <a:r>
-              <a:rPr lang="en-US" altLang="ko-KR" sz="1200"/>
-              <a:t>.</a:t>
-            </a:r>
-            <a:r>
-              <a:rPr lang="ko-KR" altLang="en-US" sz="1200"/>
-              <a:t> </a:t>
-            </a:r>
-            <a:r>
-              <a:rPr lang="en-US" altLang="ko-KR" sz="1200"/>
-              <a:t>Hoseo</a:t>
-            </a:r>
-            <a:r>
-              <a:rPr lang="ko-KR" altLang="en-US" sz="1200"/>
-              <a:t>와 </a:t>
-            </a:r>
-            <a:r>
-              <a:rPr lang="en-US" altLang="ko-KR" sz="1200"/>
-              <a:t>Netflix</a:t>
-            </a:r>
-            <a:r>
-              <a:rPr lang="ko-KR" altLang="en-US" sz="1200"/>
-              <a:t>를 더하여 </a:t>
-            </a:r>
-            <a:r>
-              <a:rPr lang="en-US" altLang="ko-KR" sz="1200"/>
-              <a:t>Hoflix</a:t>
-            </a:r>
-            <a:r>
-              <a:rPr lang="ko-KR" altLang="en-US" sz="1200"/>
-              <a:t>라고 네이밍을 하였습니다</a:t>
-            </a:r>
-            <a:r>
-              <a:rPr lang="en-US" altLang="ko-KR" sz="1200"/>
-              <a:t>.</a:t>
-            </a:r>
-            <a:endParaRPr lang="en-US" altLang="ko-KR" sz="1200"/>
           </a:p>
         </p:txBody>
       </p:sp>
@@ -1589,9 +956,6 @@
       </p:sp>
     </p:spTree>
   </p:cSld>
-  <p:clrMapOvr>
-    <a:masterClrMapping/>
-  </p:clrMapOvr>
 </p:notes>
 </file>
 
@@ -1644,121 +1008,9 @@
             </a:pPr>
             <a:r>
               <a:rPr lang="ko-KR" altLang="en-US" sz="1200"/>
-              <a:t>첫 슬라이드 화면에서 눈치 빠르신분들은 이미 알아차리셨겠지만</a:t>
+              <a:t/>
             </a:r>
             <a:endParaRPr lang="ko-KR" altLang="en-US" sz="1200"/>
-          </a:p>
-          <a:p>
-            <a:pPr lvl="0">
-              <a:defRPr/>
-            </a:pPr>
-            <a:r>
-              <a:rPr lang="ko-KR" altLang="en-US" sz="1200"/>
-              <a:t>저희 팀의 주제는 </a:t>
-            </a:r>
-            <a:r>
-              <a:rPr lang="en-US" altLang="ko-KR" sz="1200"/>
-              <a:t>Hoflix</a:t>
-            </a:r>
-            <a:r>
-              <a:rPr lang="ko-KR" altLang="en-US" sz="1200"/>
-              <a:t>입니다</a:t>
-            </a:r>
-            <a:r>
-              <a:rPr lang="en-US" altLang="ko-KR" sz="1200"/>
-              <a:t>.</a:t>
-            </a:r>
-            <a:r>
-              <a:rPr lang="ko-KR" altLang="en-US" sz="1200"/>
-              <a:t> </a:t>
-            </a:r>
-            <a:r>
-              <a:rPr lang="en-US" altLang="ko-KR" sz="1200"/>
-              <a:t>OPEN API</a:t>
-            </a:r>
-            <a:r>
-              <a:rPr lang="ko-KR" altLang="en-US" sz="1200"/>
-              <a:t>에서 영화</a:t>
-            </a:r>
-            <a:r>
-              <a:rPr lang="en-US" altLang="ko-KR" sz="1200"/>
-              <a:t>,</a:t>
-            </a:r>
-            <a:r>
-              <a:rPr lang="ko-KR" altLang="en-US" sz="1200"/>
-              <a:t> 드라마 등 컨텐츠의 데이터를 가져와</a:t>
-            </a:r>
-            <a:r>
-              <a:rPr lang="en-US" altLang="ko-KR" sz="1200"/>
-              <a:t>,</a:t>
-            </a:r>
-            <a:r>
-              <a:rPr lang="ko-KR" altLang="en-US" sz="1200"/>
-              <a:t> 인기 </a:t>
-            </a:r>
-            <a:r>
-              <a:rPr lang="en-US" altLang="ko-KR" sz="1200"/>
-              <a:t>OTT</a:t>
-            </a:r>
-            <a:r>
-              <a:rPr lang="ko-KR" altLang="en-US" sz="1200"/>
-              <a:t>기업인 </a:t>
-            </a:r>
-            <a:r>
-              <a:rPr lang="en-US" altLang="ko-KR" sz="1200"/>
-              <a:t>Netflix</a:t>
-            </a:r>
-            <a:r>
-              <a:rPr lang="ko-KR" altLang="en-US" sz="1200"/>
-              <a:t>의 디자인을 차용하여</a:t>
-            </a:r>
-            <a:endParaRPr lang="ko-KR" altLang="en-US" sz="1200"/>
-          </a:p>
-          <a:p>
-            <a:pPr lvl="0">
-              <a:defRPr/>
-            </a:pPr>
-            <a:r>
-              <a:rPr lang="ko-KR" altLang="en-US" sz="1200"/>
-              <a:t>앱을 개발하였습니다</a:t>
-            </a:r>
-            <a:r>
-              <a:rPr lang="en-US" altLang="ko-KR" sz="1200"/>
-              <a:t>.</a:t>
-            </a:r>
-            <a:r>
-              <a:rPr lang="ko-KR" altLang="en-US" sz="1200"/>
-              <a:t> </a:t>
-            </a:r>
-            <a:r>
-              <a:rPr lang="en-US" altLang="ko-KR" sz="1200"/>
-              <a:t>Hoseo</a:t>
-            </a:r>
-            <a:r>
-              <a:rPr lang="ko-KR" altLang="en-US" sz="1200"/>
-              <a:t>와 </a:t>
-            </a:r>
-            <a:r>
-              <a:rPr lang="en-US" altLang="ko-KR" sz="1200"/>
-              <a:t>Netflix</a:t>
-            </a:r>
-            <a:r>
-              <a:rPr lang="ko-KR" altLang="en-US" sz="1200"/>
-              <a:t>를 더하여 </a:t>
-            </a:r>
-            <a:r>
-              <a:rPr lang="en-US" altLang="ko-KR" sz="1200"/>
-              <a:t>Hoflix</a:t>
-            </a:r>
-            <a:r>
-              <a:rPr lang="ko-KR" altLang="en-US" sz="1200"/>
-              <a:t>라고 네이밍을 하였습니다</a:t>
-            </a:r>
-            <a:r>
-              <a:rPr lang="en-US" altLang="ko-KR" sz="1200"/>
-              <a:t>.</a:t>
-            </a:r>
-            <a:endParaRPr lang="en-US" altLang="ko-KR" sz="1200"/>
           </a:p>
         </p:txBody>
       </p:sp>
@@ -1801,9 +1053,6 @@
       </p:sp>
     </p:spTree>
   </p:cSld>
-  <p:clrMapOvr>
-    <a:masterClrMapping/>
-  </p:clrMapOvr>
 </p:notes>
 </file>
 
@@ -1856,121 +1105,9 @@
             </a:pPr>
             <a:r>
               <a:rPr lang="ko-KR" altLang="en-US" sz="1200"/>
-              <a:t>첫 슬라이드 화면에서 눈치 빠르신분들은 이미 알아차리셨겠지만</a:t>
+              <a:t/>
             </a:r>
             <a:endParaRPr lang="ko-KR" altLang="en-US" sz="1200"/>
-          </a:p>
-          <a:p>
-            <a:pPr lvl="0">
-              <a:defRPr/>
-            </a:pPr>
-            <a:r>
-              <a:rPr lang="ko-KR" altLang="en-US" sz="1200"/>
-              <a:t>저희 팀의 주제는 </a:t>
-            </a:r>
-            <a:r>
-              <a:rPr lang="en-US" altLang="ko-KR" sz="1200"/>
-              <a:t>Hoflix</a:t>
-            </a:r>
-            <a:r>
-              <a:rPr lang="ko-KR" altLang="en-US" sz="1200"/>
-              <a:t>입니다</a:t>
-            </a:r>
-            <a:r>
-              <a:rPr lang="en-US" altLang="ko-KR" sz="1200"/>
-              <a:t>.</a:t>
-            </a:r>
-            <a:r>
-              <a:rPr lang="ko-KR" altLang="en-US" sz="1200"/>
-              <a:t> </a:t>
-            </a:r>
-            <a:r>
-              <a:rPr lang="en-US" altLang="ko-KR" sz="1200"/>
-              <a:t>OPEN API</a:t>
-            </a:r>
-            <a:r>
-              <a:rPr lang="ko-KR" altLang="en-US" sz="1200"/>
-              <a:t>에서 영화</a:t>
-            </a:r>
-            <a:r>
-              <a:rPr lang="en-US" altLang="ko-KR" sz="1200"/>
-              <a:t>,</a:t>
-            </a:r>
-            <a:r>
-              <a:rPr lang="ko-KR" altLang="en-US" sz="1200"/>
-              <a:t> 드라마 등 컨텐츠의 데이터를 가져와</a:t>
-            </a:r>
-            <a:r>
-              <a:rPr lang="en-US" altLang="ko-KR" sz="1200"/>
-              <a:t>,</a:t>
-            </a:r>
-            <a:r>
-              <a:rPr lang="ko-KR" altLang="en-US" sz="1200"/>
-              <a:t> 인기 </a:t>
-            </a:r>
-            <a:r>
-              <a:rPr lang="en-US" altLang="ko-KR" sz="1200"/>
-              <a:t>OTT</a:t>
-            </a:r>
-            <a:r>
-              <a:rPr lang="ko-KR" altLang="en-US" sz="1200"/>
-              <a:t>기업인 </a:t>
-            </a:r>
-            <a:r>
-              <a:rPr lang="en-US" altLang="ko-KR" sz="1200"/>
-              <a:t>Netflix</a:t>
-            </a:r>
-            <a:r>
-              <a:rPr lang="ko-KR" altLang="en-US" sz="1200"/>
-              <a:t>의 디자인을 차용하여</a:t>
-            </a:r>
-            <a:endParaRPr lang="ko-KR" altLang="en-US" sz="1200"/>
-          </a:p>
-          <a:p>
-            <a:pPr lvl="0">
-              <a:defRPr/>
-            </a:pPr>
-            <a:r>
-              <a:rPr lang="ko-KR" altLang="en-US" sz="1200"/>
-              <a:t>앱을 개발하였습니다</a:t>
-            </a:r>
-            <a:r>
-              <a:rPr lang="en-US" altLang="ko-KR" sz="1200"/>
-              <a:t>.</a:t>
-            </a:r>
-            <a:r>
-              <a:rPr lang="ko-KR" altLang="en-US" sz="1200"/>
-              <a:t> </a:t>
-            </a:r>
-            <a:r>
-              <a:rPr lang="en-US" altLang="ko-KR" sz="1200"/>
-              <a:t>Hoseo</a:t>
-            </a:r>
-            <a:r>
-              <a:rPr lang="ko-KR" altLang="en-US" sz="1200"/>
-              <a:t>와 </a:t>
-            </a:r>
-            <a:r>
-              <a:rPr lang="en-US" altLang="ko-KR" sz="1200"/>
-              <a:t>Netflix</a:t>
-            </a:r>
-            <a:r>
-              <a:rPr lang="ko-KR" altLang="en-US" sz="1200"/>
-              <a:t>를 더하여 </a:t>
-            </a:r>
-            <a:r>
-              <a:rPr lang="en-US" altLang="ko-KR" sz="1200"/>
-              <a:t>Hoflix</a:t>
-            </a:r>
-            <a:r>
-              <a:rPr lang="ko-KR" altLang="en-US" sz="1200"/>
-              <a:t>라고 네이밍을 하였습니다</a:t>
-            </a:r>
-            <a:r>
-              <a:rPr lang="en-US" altLang="ko-KR" sz="1200"/>
-              <a:t>.</a:t>
-            </a:r>
-            <a:endParaRPr lang="en-US" altLang="ko-KR" sz="1200"/>
           </a:p>
         </p:txBody>
       </p:sp>
@@ -2013,9 +1150,6 @@
       </p:sp>
     </p:spTree>
   </p:cSld>
-  <p:clrMapOvr>
-    <a:masterClrMapping/>
-  </p:clrMapOvr>
 </p:notes>
 </file>
 
@@ -2068,121 +1202,9 @@
             </a:pPr>
             <a:r>
               <a:rPr lang="ko-KR" altLang="en-US" sz="1200"/>
-              <a:t>첫 슬라이드 화면에서 눈치 빠르신분들은 이미 알아차리셨겠지만</a:t>
+              <a:t/>
             </a:r>
             <a:endParaRPr lang="ko-KR" altLang="en-US" sz="1200"/>
-          </a:p>
-          <a:p>
-            <a:pPr lvl="0">
-              <a:defRPr/>
-            </a:pPr>
-            <a:r>
-              <a:rPr lang="ko-KR" altLang="en-US" sz="1200"/>
-              <a:t>저희 팀의 주제는 </a:t>
-            </a:r>
-            <a:r>
-              <a:rPr lang="en-US" altLang="ko-KR" sz="1200"/>
-              <a:t>Hoflix</a:t>
-            </a:r>
-            <a:r>
-              <a:rPr lang="ko-KR" altLang="en-US" sz="1200"/>
-              <a:t>입니다</a:t>
-            </a:r>
-            <a:r>
-              <a:rPr lang="en-US" altLang="ko-KR" sz="1200"/>
-              <a:t>.</a:t>
-            </a:r>
-            <a:r>
-              <a:rPr lang="ko-KR" altLang="en-US" sz="1200"/>
-              <a:t> </a:t>
-            </a:r>
-            <a:r>
-              <a:rPr lang="en-US" altLang="ko-KR" sz="1200"/>
-              <a:t>OPEN API</a:t>
-            </a:r>
-            <a:r>
-              <a:rPr lang="ko-KR" altLang="en-US" sz="1200"/>
-              <a:t>에서 영화</a:t>
-            </a:r>
-            <a:r>
-              <a:rPr lang="en-US" altLang="ko-KR" sz="1200"/>
-              <a:t>,</a:t>
-            </a:r>
-            <a:r>
-              <a:rPr lang="ko-KR" altLang="en-US" sz="1200"/>
-              <a:t> 드라마 등 컨텐츠의 데이터를 가져와</a:t>
-            </a:r>
-            <a:r>
-              <a:rPr lang="en-US" altLang="ko-KR" sz="1200"/>
-              <a:t>,</a:t>
-            </a:r>
-            <a:r>
-              <a:rPr lang="ko-KR" altLang="en-US" sz="1200"/>
-              <a:t> 인기 </a:t>
-            </a:r>
-            <a:r>
-              <a:rPr lang="en-US" altLang="ko-KR" sz="1200"/>
-              <a:t>OTT</a:t>
-            </a:r>
-            <a:r>
-              <a:rPr lang="ko-KR" altLang="en-US" sz="1200"/>
-              <a:t>기업인 </a:t>
-            </a:r>
-            <a:r>
-              <a:rPr lang="en-US" altLang="ko-KR" sz="1200"/>
-              <a:t>Netflix</a:t>
-            </a:r>
-            <a:r>
-              <a:rPr lang="ko-KR" altLang="en-US" sz="1200"/>
-              <a:t>의 디자인을 차용하여</a:t>
-            </a:r>
-            <a:endParaRPr lang="ko-KR" altLang="en-US" sz="1200"/>
-          </a:p>
-          <a:p>
-            <a:pPr lvl="0">
-              <a:defRPr/>
-            </a:pPr>
-            <a:r>
-              <a:rPr lang="ko-KR" altLang="en-US" sz="1200"/>
-              <a:t>앱을 개발하였습니다</a:t>
-            </a:r>
-            <a:r>
-              <a:rPr lang="en-US" altLang="ko-KR" sz="1200"/>
-              <a:t>.</a:t>
-            </a:r>
-            <a:r>
-              <a:rPr lang="ko-KR" altLang="en-US" sz="1200"/>
-              <a:t> </a:t>
-            </a:r>
-            <a:r>
-              <a:rPr lang="en-US" altLang="ko-KR" sz="1200"/>
-              <a:t>Hoseo</a:t>
-            </a:r>
-            <a:r>
-              <a:rPr lang="ko-KR" altLang="en-US" sz="1200"/>
-              <a:t>와 </a:t>
-            </a:r>
-            <a:r>
-              <a:rPr lang="en-US" altLang="ko-KR" sz="1200"/>
-              <a:t>Netflix</a:t>
-            </a:r>
-            <a:r>
-              <a:rPr lang="ko-KR" altLang="en-US" sz="1200"/>
-              <a:t>를 더하여 </a:t>
-            </a:r>
-            <a:r>
-              <a:rPr lang="en-US" altLang="ko-KR" sz="1200"/>
-              <a:t>Hoflix</a:t>
-            </a:r>
-            <a:r>
-              <a:rPr lang="ko-KR" altLang="en-US" sz="1200"/>
-              <a:t>라고 네이밍을 하였습니다</a:t>
-            </a:r>
-            <a:r>
-              <a:rPr lang="en-US" altLang="ko-KR" sz="1200"/>
-              <a:t>.</a:t>
-            </a:r>
-            <a:endParaRPr lang="en-US" altLang="ko-KR" sz="1200"/>
           </a:p>
         </p:txBody>
       </p:sp>
@@ -2225,9 +1247,6 @@
       </p:sp>
     </p:spTree>
   </p:cSld>
-  <p:clrMapOvr>
-    <a:masterClrMapping/>
-  </p:clrMapOvr>
 </p:notes>
 </file>
 
@@ -2280,121 +1299,9 @@
             </a:pPr>
             <a:r>
               <a:rPr lang="ko-KR" altLang="en-US" sz="1200"/>
-              <a:t>첫 슬라이드 화면에서 눈치 빠르신분들은 이미 알아차리셨겠지만</a:t>
+              <a:t/>
             </a:r>
             <a:endParaRPr lang="ko-KR" altLang="en-US" sz="1200"/>
-          </a:p>
-          <a:p>
-            <a:pPr lvl="0">
-              <a:defRPr/>
-            </a:pPr>
-            <a:r>
-              <a:rPr lang="ko-KR" altLang="en-US" sz="1200"/>
-              <a:t>저희 팀의 주제는 </a:t>
-            </a:r>
-            <a:r>
-              <a:rPr lang="en-US" altLang="ko-KR" sz="1200"/>
-              <a:t>Hoflix</a:t>
-            </a:r>
-            <a:r>
-              <a:rPr lang="ko-KR" altLang="en-US" sz="1200"/>
-              <a:t>입니다</a:t>
-            </a:r>
-            <a:r>
-              <a:rPr lang="en-US" altLang="ko-KR" sz="1200"/>
-              <a:t>.</a:t>
-            </a:r>
-            <a:r>
-              <a:rPr lang="ko-KR" altLang="en-US" sz="1200"/>
-              <a:t> </a:t>
-            </a:r>
-            <a:r>
-              <a:rPr lang="en-US" altLang="ko-KR" sz="1200"/>
-              <a:t>OPEN API</a:t>
-            </a:r>
-            <a:r>
-              <a:rPr lang="ko-KR" altLang="en-US" sz="1200"/>
-              <a:t>에서 영화</a:t>
-            </a:r>
-            <a:r>
-              <a:rPr lang="en-US" altLang="ko-KR" sz="1200"/>
-              <a:t>,</a:t>
-            </a:r>
-            <a:r>
-              <a:rPr lang="ko-KR" altLang="en-US" sz="1200"/>
-              <a:t> 드라마 등 컨텐츠의 데이터를 가져와</a:t>
-            </a:r>
-            <a:r>
-              <a:rPr lang="en-US" altLang="ko-KR" sz="1200"/>
-              <a:t>,</a:t>
-            </a:r>
-            <a:r>
-              <a:rPr lang="ko-KR" altLang="en-US" sz="1200"/>
-              <a:t> 인기 </a:t>
-            </a:r>
-            <a:r>
-              <a:rPr lang="en-US" altLang="ko-KR" sz="1200"/>
-              <a:t>OTT</a:t>
-            </a:r>
-            <a:r>
-              <a:rPr lang="ko-KR" altLang="en-US" sz="1200"/>
-              <a:t>기업인 </a:t>
-            </a:r>
-            <a:r>
-              <a:rPr lang="en-US" altLang="ko-KR" sz="1200"/>
-              <a:t>Netflix</a:t>
-            </a:r>
-            <a:r>
-              <a:rPr lang="ko-KR" altLang="en-US" sz="1200"/>
-              <a:t>의 디자인을 차용하여</a:t>
-            </a:r>
-            <a:endParaRPr lang="ko-KR" altLang="en-US" sz="1200"/>
-          </a:p>
-          <a:p>
-            <a:pPr lvl="0">
-              <a:defRPr/>
-            </a:pPr>
-            <a:r>
-              <a:rPr lang="ko-KR" altLang="en-US" sz="1200"/>
-              <a:t>앱을 개발하였습니다</a:t>
-            </a:r>
-            <a:r>
-              <a:rPr lang="en-US" altLang="ko-KR" sz="1200"/>
-              <a:t>.</a:t>
-            </a:r>
-            <a:r>
-              <a:rPr lang="ko-KR" altLang="en-US" sz="1200"/>
-              <a:t> </a:t>
-            </a:r>
-            <a:r>
-              <a:rPr lang="en-US" altLang="ko-KR" sz="1200"/>
-              <a:t>Hoseo</a:t>
-            </a:r>
-            <a:r>
-              <a:rPr lang="ko-KR" altLang="en-US" sz="1200"/>
-              <a:t>와 </a:t>
-            </a:r>
-            <a:r>
-              <a:rPr lang="en-US" altLang="ko-KR" sz="1200"/>
-              <a:t>Netflix</a:t>
-            </a:r>
-            <a:r>
-              <a:rPr lang="ko-KR" altLang="en-US" sz="1200"/>
-              <a:t>를 더하여 </a:t>
-            </a:r>
-            <a:r>
-              <a:rPr lang="en-US" altLang="ko-KR" sz="1200"/>
-              <a:t>Hoflix</a:t>
-            </a:r>
-            <a:r>
-              <a:rPr lang="ko-KR" altLang="en-US" sz="1200"/>
-              <a:t>라고 네이밍을 하였습니다</a:t>
-            </a:r>
-            <a:r>
-              <a:rPr lang="en-US" altLang="ko-KR" sz="1200"/>
-              <a:t>.</a:t>
-            </a:r>
-            <a:endParaRPr lang="en-US" altLang="ko-KR" sz="1200"/>
           </a:p>
         </p:txBody>
       </p:sp>
@@ -2437,9 +1344,6 @@
       </p:sp>
     </p:spTree>
   </p:cSld>
-  <p:clrMapOvr>
-    <a:masterClrMapping/>
-  </p:clrMapOvr>
 </p:notes>
 </file>
 
@@ -2492,121 +1396,9 @@
             </a:pPr>
             <a:r>
               <a:rPr lang="ko-KR" altLang="en-US" sz="1200"/>
-              <a:t>첫 슬라이드 화면에서 눈치 빠르신분들은 이미 알아차리셨겠지만</a:t>
+              <a:t/>
             </a:r>
             <a:endParaRPr lang="ko-KR" altLang="en-US" sz="1200"/>
-          </a:p>
-          <a:p>
-            <a:pPr lvl="0">
-              <a:defRPr/>
-            </a:pPr>
-            <a:r>
-              <a:rPr lang="ko-KR" altLang="en-US" sz="1200"/>
-              <a:t>저희 팀의 주제는 </a:t>
-            </a:r>
-            <a:r>
-              <a:rPr lang="en-US" altLang="ko-KR" sz="1200"/>
-              <a:t>Hoflix</a:t>
-            </a:r>
-            <a:r>
-              <a:rPr lang="ko-KR" altLang="en-US" sz="1200"/>
-              <a:t>입니다</a:t>
-            </a:r>
-            <a:r>
-              <a:rPr lang="en-US" altLang="ko-KR" sz="1200"/>
-              <a:t>.</a:t>
-            </a:r>
-            <a:r>
-              <a:rPr lang="ko-KR" altLang="en-US" sz="1200"/>
-              <a:t> </a:t>
-            </a:r>
-            <a:r>
-              <a:rPr lang="en-US" altLang="ko-KR" sz="1200"/>
-              <a:t>OPEN API</a:t>
-            </a:r>
-            <a:r>
-              <a:rPr lang="ko-KR" altLang="en-US" sz="1200"/>
-              <a:t>에서 영화</a:t>
-            </a:r>
-            <a:r>
-              <a:rPr lang="en-US" altLang="ko-KR" sz="1200"/>
-              <a:t>,</a:t>
-            </a:r>
-            <a:r>
-              <a:rPr lang="ko-KR" altLang="en-US" sz="1200"/>
-              <a:t> 드라마 등 컨텐츠의 데이터를 가져와</a:t>
-            </a:r>
-            <a:r>
-              <a:rPr lang="en-US" altLang="ko-KR" sz="1200"/>
-              <a:t>,</a:t>
-            </a:r>
-            <a:r>
-              <a:rPr lang="ko-KR" altLang="en-US" sz="1200"/>
-              <a:t> 인기 </a:t>
-            </a:r>
-            <a:r>
-              <a:rPr lang="en-US" altLang="ko-KR" sz="1200"/>
-              <a:t>OTT</a:t>
-            </a:r>
-            <a:r>
-              <a:rPr lang="ko-KR" altLang="en-US" sz="1200"/>
-              <a:t>기업인 </a:t>
-            </a:r>
-            <a:r>
-              <a:rPr lang="en-US" altLang="ko-KR" sz="1200"/>
-              <a:t>Netflix</a:t>
-            </a:r>
-            <a:r>
-              <a:rPr lang="ko-KR" altLang="en-US" sz="1200"/>
-              <a:t>의 디자인을 차용하여</a:t>
-            </a:r>
-            <a:endParaRPr lang="ko-KR" altLang="en-US" sz="1200"/>
-          </a:p>
-          <a:p>
-            <a:pPr lvl="0">
-              <a:defRPr/>
-            </a:pPr>
-            <a:r>
-              <a:rPr lang="ko-KR" altLang="en-US" sz="1200"/>
-              <a:t>앱을 개발하였습니다</a:t>
-            </a:r>
-            <a:r>
-              <a:rPr lang="en-US" altLang="ko-KR" sz="1200"/>
-              <a:t>.</a:t>
-            </a:r>
-            <a:r>
-              <a:rPr lang="ko-KR" altLang="en-US" sz="1200"/>
-              <a:t> </a:t>
-            </a:r>
-            <a:r>
-              <a:rPr lang="en-US" altLang="ko-KR" sz="1200"/>
-              <a:t>Hoseo</a:t>
-            </a:r>
-            <a:r>
-              <a:rPr lang="ko-KR" altLang="en-US" sz="1200"/>
-              <a:t>와 </a:t>
-            </a:r>
-            <a:r>
-              <a:rPr lang="en-US" altLang="ko-KR" sz="1200"/>
-              <a:t>Netflix</a:t>
-            </a:r>
-            <a:r>
-              <a:rPr lang="ko-KR" altLang="en-US" sz="1200"/>
-              <a:t>를 더하여 </a:t>
-            </a:r>
-            <a:r>
-              <a:rPr lang="en-US" altLang="ko-KR" sz="1200"/>
-              <a:t>Hoflix</a:t>
-            </a:r>
-            <a:r>
-              <a:rPr lang="ko-KR" altLang="en-US" sz="1200"/>
-              <a:t>라고 네이밍을 하였습니다</a:t>
-            </a:r>
-            <a:r>
-              <a:rPr lang="en-US" altLang="ko-KR" sz="1200"/>
-              <a:t>.</a:t>
-            </a:r>
-            <a:endParaRPr lang="en-US" altLang="ko-KR" sz="1200"/>
           </a:p>
         </p:txBody>
       </p:sp>
@@ -2649,9 +1441,6 @@
       </p:sp>
     </p:spTree>
   </p:cSld>
-  <p:clrMapOvr>
-    <a:masterClrMapping/>
-  </p:clrMapOvr>
 </p:notes>
 </file>
 
@@ -9882,14 +8671,13 @@
 </file>
 
 <file path=ppt/slides/slide1.xml><?xml version="1.0" encoding="utf-8"?>
-<p:sld xmlns:a="http://schemas.openxmlformats.org/drawingml/2006/main" xmlns:r="http://schemas.openxmlformats.org/officeDocument/2006/relationships" xmlns:p="http://schemas.openxmlformats.org/presentationml/2006/main">
+<p:sld xmlns:r="http://schemas.openxmlformats.org/officeDocument/2006/relationships" xmlns:c="http://schemas.openxmlformats.org/drawingml/2006/chart" xmlns:a="http://schemas.openxmlformats.org/drawingml/2006/main" xmlns:dgm="http://schemas.openxmlformats.org/drawingml/2006/diagram" xmlns:dsp="http://schemas.microsoft.com/office/drawing/2008/diagram" xmlns:p="http://schemas.openxmlformats.org/presentationml/2006/main">
   <p:cSld>
     <p:bg>
-      <p:bgPr>
+      <p:bgPr shadeToTitle="0">
         <a:solidFill>
           <a:schemeClr val="bg1"/>
         </a:solidFill>
-        <a:effectLst/>
       </p:bgPr>
     </p:bg>
     <p:spTree>
@@ -9909,9 +8697,7 @@
       <p:sp>
         <p:nvSpPr>
           <p:cNvPr id="2" name="텍스트 상자 89"/>
-          <p:cNvSpPr txBox="1">
-            <a:spLocks/>
-          </p:cNvSpPr>
+          <p:cNvSpPr txBox="1"/>
           <p:nvPr/>
         </p:nvSpPr>
         <p:spPr>
@@ -9925,7 +8711,6 @@
           <a:noFill/>
           <a:ln w="0">
             <a:noFill/>
-            <a:prstDash/>
           </a:ln>
         </p:spPr>
         <p:txBody>
@@ -9934,38 +8719,26 @@
           </a:bodyPr>
           <a:lstStyle/>
           <a:p>
-            <a:pPr marL="0" indent="0" algn="l" hangingPunct="1"/>
-            <a:r>
-              <a:rPr sz="4400" b="1" dirty="0" err="1">
-                <a:latin typeface="맑은 고딕" charset="0"/>
-                <a:ea typeface="맑은 고딕" charset="0"/>
+            <a:pPr marL="0" indent="0" algn="l" hangingPunct="1">
+              <a:defRPr/>
+            </a:pPr>
+            <a:r>
+              <a:rPr sz="4400" b="1">
+                <a:latin typeface="맑은 고딕"/>
+                <a:ea typeface="맑은 고딕"/>
               </a:rPr>
-              <a:t>Lotto번호</a:t>
-            </a:r>
-            <a:r>
-              <a:rPr sz="4400" b="1" dirty="0">
-                <a:latin typeface="맑은 고딕" charset="0"/>
-                <a:ea typeface="맑은 고딕" charset="0"/>
+              <a:t>Lotto번호 추첨기</a:t>
+            </a:r>
+            <a:r>
+              <a:rPr sz="3600" b="1">
+                <a:latin typeface="맑은 고딕"/>
+                <a:ea typeface="맑은 고딕"/>
               </a:rPr>
               <a:t> </a:t>
             </a:r>
-            <a:r>
-              <a:rPr sz="4400" b="1" dirty="0" err="1">
-                <a:latin typeface="맑은 고딕" charset="0"/>
-                <a:ea typeface="맑은 고딕" charset="0"/>
-              </a:rPr>
-              <a:t>추첨기</a:t>
-            </a:r>
-            <a:r>
-              <a:rPr sz="3600" b="1" dirty="0">
-                <a:latin typeface="맑은 고딕" charset="0"/>
-                <a:ea typeface="맑은 고딕" charset="0"/>
-              </a:rPr>
-              <a:t> </a:t>
-            </a:r>
-            <a:endParaRPr lang="ko-KR" altLang="en-US" sz="3600" b="1" dirty="0">
-              <a:latin typeface="맑은 고딕" charset="0"/>
-              <a:ea typeface="맑은 고딕" charset="0"/>
+            <a:endParaRPr lang="ko-KR" altLang="en-US" sz="3600" b="1">
+              <a:latin typeface="맑은 고딕"/>
+              <a:ea typeface="맑은 고딕"/>
             </a:endParaRPr>
           </a:p>
         </p:txBody>
@@ -9973,15 +8746,13 @@
       <p:sp>
         <p:nvSpPr>
           <p:cNvPr id="4" name="텍스트 상자 91"/>
-          <p:cNvSpPr txBox="1">
-            <a:spLocks/>
-          </p:cNvSpPr>
+          <p:cNvSpPr txBox="1"/>
           <p:nvPr/>
         </p:nvSpPr>
         <p:spPr>
           <a:xfrm>
-            <a:off x="7134225" y="4490085"/>
-            <a:ext cx="4594860" cy="2055243"/>
+            <a:off x="7160683" y="5497195"/>
+            <a:ext cx="4594860" cy="1083310"/>
           </a:xfrm>
           <a:prstGeom prst="rect">
             <a:avLst/>
@@ -9989,7 +8760,6 @@
           <a:noFill/>
           <a:ln w="0">
             <a:noFill/>
-            <a:prstDash/>
           </a:ln>
         </p:spPr>
         <p:txBody>
@@ -10002,10 +8772,18 @@
               <a:lnSpc>
                 <a:spcPct val="120000"/>
               </a:lnSpc>
+              <a:defRPr/>
             </a:pPr>
-            <a:endParaRPr lang="ko-KR" altLang="en-US" sz="1800" b="1" dirty="0">
-              <a:latin typeface="맑은 고딕" charset="0"/>
-              <a:ea typeface="맑은 고딕" charset="0"/>
+            <a:r>
+              <a:rPr lang="ko-KR" altLang="en-US" sz="1800" b="1">
+                <a:latin typeface="맑은 고딕"/>
+                <a:ea typeface="맑은 고딕"/>
+              </a:rPr>
+              <a:t>손우영</a:t>
+            </a:r>
+            <a:endParaRPr lang="ko-KR" altLang="en-US" sz="1800" b="1">
+              <a:latin typeface="맑은 고딕"/>
+              <a:ea typeface="맑은 고딕"/>
             </a:endParaRPr>
           </a:p>
           <a:p>
@@ -10013,45 +8791,18 @@
               <a:lnSpc>
                 <a:spcPct val="120000"/>
               </a:lnSpc>
+              <a:defRPr/>
             </a:pPr>
             <a:r>
-              <a:rPr sz="1800" b="1" dirty="0" err="1">
-                <a:latin typeface="맑은 고딕" charset="0"/>
-                <a:ea typeface="맑은 고딕" charset="0"/>
-              </a:rPr>
-              <a:t>조장</a:t>
-            </a:r>
-            <a:r>
-              <a:rPr sz="1800" b="1" dirty="0">
-                <a:latin typeface="맑은 고딕" charset="0"/>
-                <a:ea typeface="맑은 고딕" charset="0"/>
-              </a:rPr>
-              <a:t> </a:t>
-            </a:r>
-            <a:r>
-              <a:rPr sz="1800" b="1" dirty="0" smtClean="0">
-                <a:latin typeface="맑은 고딕" charset="0"/>
-                <a:ea typeface="맑은 고딕" charset="0"/>
+              <a:rPr sz="1800" b="1">
+                <a:latin typeface="맑은 고딕"/>
+                <a:ea typeface="맑은 고딕"/>
               </a:rPr>
               <a:t>20171182</a:t>
             </a:r>
-            <a:r>
-              <a:rPr lang="en-US" sz="1800" b="1" dirty="0" smtClean="0">
-                <a:latin typeface="맑은 고딕" charset="0"/>
-                <a:ea typeface="맑은 고딕" charset="0"/>
-              </a:rPr>
-              <a:t> </a:t>
-            </a:r>
-            <a:r>
-              <a:rPr sz="1800" b="1" dirty="0" err="1" smtClean="0">
-                <a:latin typeface="맑은 고딕" charset="0"/>
-                <a:ea typeface="맑은 고딕" charset="0"/>
-              </a:rPr>
-              <a:t>손우영</a:t>
-            </a:r>
-            <a:endParaRPr lang="ko-KR" altLang="en-US" sz="1800" b="1" dirty="0">
-              <a:latin typeface="맑은 고딕" charset="0"/>
-              <a:ea typeface="맑은 고딕" charset="0"/>
+            <a:endParaRPr lang="en-US" sz="1800" b="1">
+              <a:latin typeface="맑은 고딕"/>
+              <a:ea typeface="맑은 고딕"/>
             </a:endParaRPr>
           </a:p>
           <a:p>
@@ -10059,183 +8810,18 @@
               <a:lnSpc>
                 <a:spcPct val="120000"/>
               </a:lnSpc>
+              <a:defRPr/>
             </a:pPr>
             <a:r>
-              <a:rPr sz="1800" b="1" dirty="0" err="1">
-                <a:latin typeface="맑은 고딕" charset="0"/>
-                <a:ea typeface="맑은 고딕" charset="0"/>
+              <a:rPr lang="en-US" altLang="ko-KR" sz="1800" b="1">
+                <a:latin typeface="맑은 고딕"/>
+                <a:ea typeface="맑은 고딕"/>
               </a:rPr>
-              <a:t>조원</a:t>
-            </a:r>
-            <a:r>
-              <a:rPr sz="1800" b="1" dirty="0">
-                <a:latin typeface="맑은 고딕" charset="0"/>
-                <a:ea typeface="맑은 고딕" charset="0"/>
-              </a:rPr>
-              <a:t> </a:t>
-            </a:r>
-            <a:r>
-              <a:rPr sz="1800" b="1" dirty="0" smtClean="0">
-                <a:latin typeface="맑은 고딕" charset="0"/>
-                <a:ea typeface="맑은 고딕" charset="0"/>
-              </a:rPr>
-              <a:t>20192072</a:t>
-            </a:r>
-            <a:r>
-              <a:rPr lang="en-US" sz="1800" b="1" dirty="0" smtClean="0">
-                <a:latin typeface="맑은 고딕" charset="0"/>
-                <a:ea typeface="맑은 고딕" charset="0"/>
-              </a:rPr>
-              <a:t> </a:t>
-            </a:r>
-            <a:r>
-              <a:rPr sz="1800" b="1" dirty="0" err="1" smtClean="0">
-                <a:latin typeface="맑은 고딕" charset="0"/>
-                <a:ea typeface="맑은 고딕" charset="0"/>
-              </a:rPr>
-              <a:t>최병혁</a:t>
-            </a:r>
-            <a:endParaRPr lang="ko-KR" altLang="en-US" sz="1800" b="1" dirty="0">
-              <a:latin typeface="맑은 고딕" charset="0"/>
-              <a:ea typeface="맑은 고딕" charset="0"/>
-            </a:endParaRPr>
-          </a:p>
-          <a:p>
-            <a:pPr marL="0" indent="0" algn="r" hangingPunct="1">
-              <a:lnSpc>
-                <a:spcPct val="120000"/>
-              </a:lnSpc>
-            </a:pPr>
-            <a:r>
-              <a:rPr sz="1800" b="1" dirty="0" err="1">
-                <a:latin typeface="맑은 고딕" charset="0"/>
-                <a:ea typeface="맑은 고딕" charset="0"/>
-              </a:rPr>
-              <a:t>조원</a:t>
-            </a:r>
-            <a:r>
-              <a:rPr sz="1800" b="1" dirty="0">
-                <a:latin typeface="맑은 고딕" charset="0"/>
-                <a:ea typeface="맑은 고딕" charset="0"/>
-              </a:rPr>
-              <a:t> </a:t>
-            </a:r>
-            <a:r>
-              <a:rPr sz="1800" b="1" dirty="0" smtClean="0">
-                <a:latin typeface="맑은 고딕" charset="0"/>
-                <a:ea typeface="맑은 고딕" charset="0"/>
-              </a:rPr>
-              <a:t>20211098</a:t>
-            </a:r>
-            <a:r>
-              <a:rPr lang="en-US" sz="1800" b="1" dirty="0" smtClean="0">
-                <a:latin typeface="맑은 고딕" charset="0"/>
-                <a:ea typeface="맑은 고딕" charset="0"/>
-              </a:rPr>
-              <a:t> </a:t>
-            </a:r>
-            <a:r>
-              <a:rPr sz="1800" b="1" dirty="0" err="1" smtClean="0">
-                <a:latin typeface="맑은 고딕" charset="0"/>
-                <a:ea typeface="맑은 고딕" charset="0"/>
-              </a:rPr>
-              <a:t>최윤정</a:t>
-            </a:r>
-            <a:endParaRPr lang="ko-KR" altLang="en-US" sz="1800" b="1" dirty="0">
-              <a:latin typeface="맑은 고딕" charset="0"/>
-              <a:ea typeface="맑은 고딕" charset="0"/>
-            </a:endParaRPr>
-          </a:p>
-          <a:p>
-            <a:pPr marL="0" indent="0" algn="r" hangingPunct="1">
-              <a:lnSpc>
-                <a:spcPct val="120000"/>
-              </a:lnSpc>
-            </a:pPr>
-            <a:r>
-              <a:rPr sz="1800" b="1" dirty="0" err="1">
-                <a:latin typeface="맑은 고딕" charset="0"/>
-                <a:ea typeface="맑은 고딕" charset="0"/>
-              </a:rPr>
-              <a:t>조원</a:t>
-            </a:r>
-            <a:r>
-              <a:rPr sz="1800" b="1" dirty="0">
-                <a:latin typeface="맑은 고딕" charset="0"/>
-                <a:ea typeface="맑은 고딕" charset="0"/>
-              </a:rPr>
-              <a:t> </a:t>
-            </a:r>
-            <a:r>
-              <a:rPr sz="1800" b="1" dirty="0" smtClean="0">
-                <a:latin typeface="맑은 고딕" charset="0"/>
-                <a:ea typeface="맑은 고딕" charset="0"/>
-              </a:rPr>
-              <a:t>20190713</a:t>
-            </a:r>
-            <a:r>
-              <a:rPr lang="en-US" sz="1800" b="1" dirty="0" smtClean="0">
-                <a:latin typeface="맑은 고딕" charset="0"/>
-                <a:ea typeface="맑은 고딕" charset="0"/>
-              </a:rPr>
-              <a:t> </a:t>
-            </a:r>
-            <a:r>
-              <a:rPr sz="1800" b="1" dirty="0" err="1" smtClean="0">
-                <a:latin typeface="맑은 고딕" charset="0"/>
-                <a:ea typeface="맑은 고딕" charset="0"/>
-              </a:rPr>
-              <a:t>인혜린</a:t>
-            </a:r>
-            <a:endParaRPr lang="ko-KR" altLang="en-US" sz="1800" b="1" dirty="0">
-              <a:latin typeface="맑은 고딕" charset="0"/>
-              <a:ea typeface="맑은 고딕" charset="0"/>
-            </a:endParaRPr>
-          </a:p>
-          <a:p>
-            <a:pPr marL="0" indent="0" algn="r" hangingPunct="1">
-              <a:lnSpc>
-                <a:spcPct val="120000"/>
-              </a:lnSpc>
-            </a:pPr>
-            <a:r>
-              <a:rPr sz="1800" b="1" dirty="0" err="1">
-                <a:latin typeface="맑은 고딕" charset="0"/>
-                <a:ea typeface="맑은 고딕" charset="0"/>
-              </a:rPr>
-              <a:t>조원</a:t>
-            </a:r>
-            <a:r>
-              <a:rPr sz="1800" b="1" dirty="0">
-                <a:latin typeface="맑은 고딕" charset="0"/>
-                <a:ea typeface="맑은 고딕" charset="0"/>
-              </a:rPr>
-              <a:t> </a:t>
-            </a:r>
-            <a:r>
-              <a:rPr sz="1800" b="1" dirty="0" smtClean="0">
-                <a:latin typeface="맑은 고딕" charset="0"/>
-                <a:ea typeface="맑은 고딕" charset="0"/>
-              </a:rPr>
-              <a:t>20211098</a:t>
-            </a:r>
-            <a:r>
-              <a:rPr lang="en-US" sz="1800" b="1" dirty="0" smtClean="0">
-                <a:latin typeface="맑은 고딕" charset="0"/>
-                <a:ea typeface="맑은 고딕" charset="0"/>
-              </a:rPr>
-              <a:t> </a:t>
-            </a:r>
-            <a:r>
-              <a:rPr sz="1800" b="1" dirty="0" err="1" smtClean="0">
-                <a:latin typeface="맑은 고딕" charset="0"/>
-                <a:ea typeface="맑은 고딕" charset="0"/>
-              </a:rPr>
-              <a:t>김동건</a:t>
-            </a:r>
-            <a:endParaRPr lang="ko-KR" altLang="en-US" sz="1800" b="1" dirty="0">
-              <a:latin typeface="맑은 고딕" charset="0"/>
-              <a:ea typeface="맑은 고딕" charset="0"/>
+              <a:t>thsdndud121@naver.com</a:t>
+            </a:r>
+            <a:endParaRPr lang="en-US" sz="1800" b="1">
+              <a:latin typeface="맑은 고딕"/>
+              <a:ea typeface="맑은 고딕"/>
             </a:endParaRPr>
           </a:p>
         </p:txBody>
@@ -10249,13 +8835,7 @@
           <p:nvPr/>
         </p:nvPicPr>
         <p:blipFill rotWithShape="1">
-          <a:blip r:embed="rId3" cstate="print">
-            <a:extLst>
-              <a:ext uri="{28A0092B-C50C-407E-A947-70E740481C1C}">
-                <a14:useLocalDpi xmlns:a14="http://schemas.microsoft.com/office/drawing/2010/main" val="0"/>
-              </a:ext>
-            </a:extLst>
-          </a:blip>
+          <a:blip r:embed="rId3"/>
           <a:stretch>
             <a:fillRect/>
           </a:stretch>
@@ -10271,126 +8851,24 @@
           <a:noFill/>
           <a:ln w="12700" cap="flat" cmpd="sng">
             <a:solidFill>
-              <a:srgbClr val="FFFFFF">
+              <a:srgbClr val="ffffff">
                 <a:alpha val="100000"/>
               </a:srgbClr>
             </a:solidFill>
             <a:prstDash val="solid"/>
-            <a:miter lim="800000"/>
+            <a:miter/>
           </a:ln>
         </p:spPr>
       </p:pic>
-      <p:sp>
-        <p:nvSpPr>
-          <p:cNvPr id="3" name="직사각형 2">
-            <a:extLst>
-              <a:ext uri="{FF2B5EF4-FFF2-40B4-BE49-F238E27FC236}">
-                <a16:creationId xmlns:a16="http://schemas.microsoft.com/office/drawing/2014/main" id="{49292170-3C78-4AC6-95C7-2CADC09CB9C1}"/>
-              </a:ext>
-            </a:extLst>
-          </p:cNvPr>
-          <p:cNvSpPr/>
-          <p:nvPr/>
-        </p:nvSpPr>
-        <p:spPr>
-          <a:xfrm>
-            <a:off x="3678729" y="1897246"/>
-            <a:ext cx="4894118" cy="770255"/>
-          </a:xfrm>
-          <a:prstGeom prst="rect">
-            <a:avLst/>
-          </a:prstGeom>
-          <a:ln>
-            <a:solidFill>
-              <a:schemeClr val="bg1"/>
-            </a:solidFill>
-          </a:ln>
-        </p:spPr>
-        <p:style>
-          <a:lnRef idx="2">
-            <a:schemeClr val="accent6"/>
-          </a:lnRef>
-          <a:fillRef idx="1">
-            <a:schemeClr val="lt1"/>
-          </a:fillRef>
-          <a:effectRef idx="0">
-            <a:schemeClr val="accent6"/>
-          </a:effectRef>
-          <a:fontRef idx="minor">
-            <a:schemeClr val="dk1"/>
-          </a:fontRef>
-        </p:style>
-        <p:txBody>
-          <a:bodyPr rtlCol="0" anchor="ctr"/>
-          <a:lstStyle/>
-          <a:p>
-            <a:pPr algn="ctr"/>
-            <a:r>
-              <a:rPr lang="ko-KR" altLang="en-US" dirty="0">
-                <a:ln w="0"/>
-                <a:solidFill>
-                  <a:schemeClr val="tx1"/>
-                </a:solidFill>
-                <a:effectLst>
-                  <a:outerShdw blurRad="38100" dist="19050" dir="2700000" algn="tl" rotWithShape="0">
-                    <a:schemeClr val="dk1">
-                      <a:alpha val="40000"/>
-                    </a:schemeClr>
-                  </a:outerShdw>
-                </a:effectLst>
-              </a:rPr>
-              <a:t>객체지향설계 </a:t>
-            </a:r>
-            <a:r>
-              <a:rPr lang="en-US" altLang="ko-KR" dirty="0">
-                <a:ln w="0"/>
-                <a:solidFill>
-                  <a:schemeClr val="tx1"/>
-                </a:solidFill>
-                <a:effectLst>
-                  <a:outerShdw blurRad="38100" dist="19050" dir="2700000" algn="tl" rotWithShape="0">
-                    <a:schemeClr val="dk1">
-                      <a:alpha val="40000"/>
-                    </a:schemeClr>
-                  </a:outerShdw>
-                </a:effectLst>
-              </a:rPr>
-              <a:t>2</a:t>
-            </a:r>
-            <a:r>
-              <a:rPr lang="ko-KR" altLang="en-US" dirty="0">
-                <a:ln w="0"/>
-                <a:solidFill>
-                  <a:schemeClr val="tx1"/>
-                </a:solidFill>
-                <a:effectLst>
-                  <a:outerShdw blurRad="38100" dist="19050" dir="2700000" algn="tl" rotWithShape="0">
-                    <a:schemeClr val="dk1">
-                      <a:alpha val="40000"/>
-                    </a:schemeClr>
-                  </a:outerShdw>
-                </a:effectLst>
-              </a:rPr>
-              <a:t>조 기말프로젝트</a:t>
-            </a:r>
-          </a:p>
-        </p:txBody>
-      </p:sp>
       <p:pic>
         <p:nvPicPr>
-          <p:cNvPr id="6" name="그림 5">
-            <a:extLst>
-              <a:ext uri="{FF2B5EF4-FFF2-40B4-BE49-F238E27FC236}">
-                <a16:creationId xmlns:a16="http://schemas.microsoft.com/office/drawing/2014/main" id="{CAF4358C-D41B-25B9-C98D-6DDB1696A1A6}"/>
-              </a:ext>
-            </a:extLst>
-          </p:cNvPr>
+          <p:cNvPr id="6" name="그림 5"/>
           <p:cNvPicPr>
             <a:picLocks noChangeAspect="1"/>
           </p:cNvPicPr>
           <p:nvPr/>
         </p:nvPicPr>
-        <p:blipFill>
+        <p:blipFill rotWithShape="1">
           <a:blip r:embed="rId4"/>
           <a:stretch>
             <a:fillRect/>
@@ -10408,32 +8886,20 @@
       </p:pic>
       <p:pic>
         <p:nvPicPr>
-          <p:cNvPr id="8" name="_x302986392">
-            <a:extLst>
-              <a:ext uri="{FF2B5EF4-FFF2-40B4-BE49-F238E27FC236}">
-                <a16:creationId xmlns:a16="http://schemas.microsoft.com/office/drawing/2014/main" id="{6E640D89-AB7E-B9B2-D121-A1A6D404EF62}"/>
-              </a:ext>
-            </a:extLst>
-          </p:cNvPr>
+          <p:cNvPr id="8" name="_x302986392"/>
           <p:cNvPicPr>
             <a:picLocks noChangeAspect="1" noChangeArrowheads="1"/>
           </p:cNvPicPr>
           <p:nvPr/>
         </p:nvPicPr>
-        <p:blipFill>
-          <a:blip r:embed="rId5">
-            <a:extLst>
-              <a:ext uri="{28A0092B-C50C-407E-A947-70E740481C1C}">
-                <a14:useLocalDpi xmlns:a14="http://schemas.microsoft.com/office/drawing/2010/main" val="0"/>
-              </a:ext>
-            </a:extLst>
-          </a:blip>
+        <p:blipFill rotWithShape="1">
+          <a:blip r:embed="rId5"/>
           <a:srcRect/>
           <a:stretch>
             <a:fillRect/>
           </a:stretch>
         </p:blipFill>
-        <p:spPr bwMode="auto">
+        <p:spPr>
           <a:xfrm>
             <a:off x="4367745" y="3577590"/>
             <a:ext cx="3306763" cy="2667000"/>
@@ -10442,45 +8908,24 @@
             <a:avLst/>
           </a:prstGeom>
           <a:noFill/>
-          <a:extLst>
-            <a:ext uri="{909E8E84-426E-40DD-AFC4-6F175D3DCCD1}">
-              <a14:hiddenFill xmlns:a14="http://schemas.microsoft.com/office/drawing/2010/main">
-                <a:solidFill>
-                  <a:srgbClr val="FFFFFF"/>
-                </a:solidFill>
-              </a14:hiddenFill>
-            </a:ext>
-          </a:extLst>
         </p:spPr>
       </p:pic>
       <p:pic>
         <p:nvPicPr>
-          <p:cNvPr id="9" name="_x297860808">
-            <a:extLst>
-              <a:ext uri="{FF2B5EF4-FFF2-40B4-BE49-F238E27FC236}">
-                <a16:creationId xmlns:a16="http://schemas.microsoft.com/office/drawing/2014/main" id="{B7CDC5E6-11D5-9D8E-9408-EAAAFB5374DF}"/>
-              </a:ext>
-            </a:extLst>
-          </p:cNvPr>
+          <p:cNvPr id="9" name="_x297860808"/>
           <p:cNvPicPr>
             <a:picLocks noChangeAspect="1" noChangeArrowheads="1"/>
           </p:cNvPicPr>
           <p:nvPr/>
         </p:nvPicPr>
-        <p:blipFill>
-          <a:blip r:embed="rId6" cstate="print">
-            <a:extLst>
-              <a:ext uri="{28A0092B-C50C-407E-A947-70E740481C1C}">
-                <a14:useLocalDpi xmlns:a14="http://schemas.microsoft.com/office/drawing/2010/main" val="0"/>
-              </a:ext>
-            </a:extLst>
-          </a:blip>
+        <p:blipFill rotWithShape="1">
+          <a:blip r:embed="rId6"/>
           <a:srcRect/>
           <a:stretch>
             <a:fillRect/>
           </a:stretch>
         </p:blipFill>
-        <p:spPr bwMode="auto">
+        <p:spPr>
           <a:xfrm>
             <a:off x="0" y="0"/>
             <a:ext cx="3215147" cy="2322916"/>
@@ -10492,15 +8937,6 @@
           <a:effectLst>
             <a:softEdge rad="190500"/>
           </a:effectLst>
-          <a:extLst>
-            <a:ext uri="{909E8E84-426E-40DD-AFC4-6F175D3DCCD1}">
-              <a14:hiddenFill xmlns:a14="http://schemas.microsoft.com/office/drawing/2010/main">
-                <a:solidFill>
-                  <a:srgbClr val="FFFFFF"/>
-                </a:solidFill>
-              </a14:hiddenFill>
-            </a:ext>
-          </a:extLst>
         </p:spPr>
       </p:pic>
     </p:spTree>
@@ -10508,15 +8944,15 @@
   <p:clrMapOvr>
     <a:masterClrMapping/>
   </p:clrMapOvr>
-  <mc:AlternateContent xmlns:mc="http://schemas.openxmlformats.org/markup-compatibility/2006" xmlns:p14="http://schemas.microsoft.com/office/powerpoint/2010/main">
-    <mc:Choice Requires="p14">
-      <p:transition spd="slow">
+  <mc:AlternateContent xmlns:mc="http://schemas.openxmlformats.org/markup-compatibility/2006">
+    <mc:Choice xmlns:p14="http://schemas.microsoft.com/office/powerpoint/2010/main" Requires="p14">
+      <p:transition xmlns:mc="http://schemas.openxmlformats.org/markup-compatibility/2006" xmlns:p14="http://schemas.microsoft.com/office/powerpoint/2010/main" spd="med" mc:Ignorable="p14" p14:dur="1000">
         <p:wipe/>
       </p:transition>
     </mc:Choice>
-    <mc:Fallback xmlns="">
-      <p:transition spd="slow">
-        <p:wipe dir="l"/>
+    <mc:Fallback>
+      <p:transition xmlns:mc="http://schemas.openxmlformats.org/markup-compatibility/2006" xmlns:hp="http://schemas.haansoft.com/office/presentation/8.0" spd="med" mc:Ignorable="hp" hp:hslDur="1000">
+        <p:wipe/>
       </p:transition>
     </mc:Fallback>
   </mc:AlternateContent>
@@ -23224,1153 +21660,6 @@
   <p:cSld>
     <p:bg>
       <p:bgPr>
-        <a:solidFill>
-          <a:schemeClr val="bg2">
-            <a:lumMod val="25000"/>
-          </a:schemeClr>
-        </a:solidFill>
-        <a:effectLst/>
-      </p:bgPr>
-    </p:bg>
-    <p:spTree>
-      <p:nvGrpSpPr>
-        <p:cNvPr id="1" name=""/>
-        <p:cNvGrpSpPr/>
-        <p:nvPr/>
-      </p:nvGrpSpPr>
-      <p:grpSpPr>
-        <a:xfrm>
-          <a:off x="0" y="0"/>
-          <a:ext cx="0" cy="0"/>
-          <a:chOff x="0" y="0"/>
-          <a:chExt cx="0" cy="0"/>
-        </a:xfrm>
-      </p:grpSpPr>
-      <p:grpSp>
-        <p:nvGrpSpPr>
-          <p:cNvPr id="25" name="그룹 24"/>
-          <p:cNvGrpSpPr/>
-          <p:nvPr/>
-        </p:nvGrpSpPr>
-        <p:grpSpPr>
-          <a:xfrm>
-            <a:off x="334645" y="283845"/>
-            <a:ext cx="4782820" cy="583565"/>
-            <a:chOff x="334645" y="283845"/>
-            <a:chExt cx="4782820" cy="583565"/>
-          </a:xfrm>
-        </p:grpSpPr>
-        <p:sp>
-          <p:nvSpPr>
-            <p:cNvPr id="26" name="직사각형 25"/>
-            <p:cNvSpPr>
-              <a:spLocks/>
-            </p:cNvSpPr>
-            <p:nvPr/>
-          </p:nvSpPr>
-          <p:spPr>
-            <a:xfrm>
-              <a:off x="334645" y="340360"/>
-              <a:ext cx="431800" cy="461645"/>
-            </a:xfrm>
-            <a:prstGeom prst="rect">
-              <a:avLst/>
-            </a:prstGeom>
-            <a:solidFill>
-              <a:srgbClr val="D1D1D1"/>
-            </a:solidFill>
-            <a:ln w="0">
-              <a:noFill/>
-              <a:prstDash/>
-            </a:ln>
-          </p:spPr>
-          <p:txBody>
-            <a:bodyPr vert="horz" wrap="square" lIns="91440" tIns="45720" rIns="91440" bIns="45720" numCol="1" anchor="ctr">
-              <a:noAutofit/>
-            </a:bodyPr>
-            <a:lstStyle/>
-            <a:p>
-              <a:pPr marL="0" indent="0" algn="ctr" defTabSz="914400" rtl="0" eaLnBrk="1" latinLnBrk="1" hangingPunct="1">
-                <a:lnSpc>
-                  <a:spcPct val="100000"/>
-                </a:lnSpc>
-                <a:spcBef>
-                  <a:spcPct val="0"/>
-                </a:spcBef>
-                <a:spcAft>
-                  <a:spcPts val="0"/>
-                </a:spcAft>
-                <a:buFontTx/>
-                <a:buNone/>
-                <a:defRPr/>
-              </a:pPr>
-              <a:endParaRPr lang="ko-KR" altLang="en-US" sz="1800" b="0" i="0" strike="noStrike" cap="none">
-                <a:solidFill>
-                  <a:srgbClr val="FFFFFF"/>
-                </a:solidFill>
-                <a:latin typeface="맑은 고딕" charset="0"/>
-                <a:ea typeface="맑은 고딕" charset="0"/>
-                <a:cs typeface="맑은 고딕" charset="0"/>
-              </a:endParaRPr>
-            </a:p>
-          </p:txBody>
-        </p:sp>
-        <p:sp>
-          <p:nvSpPr>
-            <p:cNvPr id="27" name="TextBox 26"/>
-            <p:cNvSpPr txBox="1">
-              <a:spLocks/>
-            </p:cNvSpPr>
-            <p:nvPr/>
-          </p:nvSpPr>
-          <p:spPr>
-            <a:xfrm>
-              <a:off x="659130" y="344170"/>
-              <a:ext cx="1815465" cy="323850"/>
-            </a:xfrm>
-            <a:prstGeom prst="rect">
-              <a:avLst/>
-            </a:prstGeom>
-          </p:spPr>
-          <p:txBody>
-            <a:bodyPr vert="horz" wrap="square" lIns="91440" tIns="45720" rIns="91440" bIns="45720" numCol="1" anchor="t">
-              <a:spAutoFit/>
-            </a:bodyPr>
-            <a:lstStyle/>
-            <a:p>
-              <a:pPr marL="0" indent="0" algn="l" defTabSz="914400" rtl="0" eaLnBrk="1" latinLnBrk="1" hangingPunct="1">
-                <a:lnSpc>
-                  <a:spcPct val="100000"/>
-                </a:lnSpc>
-                <a:spcBef>
-                  <a:spcPct val="0"/>
-                </a:spcBef>
-                <a:spcAft>
-                  <a:spcPts val="0"/>
-                </a:spcAft>
-                <a:buFontTx/>
-                <a:buNone/>
-                <a:defRPr/>
-              </a:pPr>
-              <a:endParaRPr lang="ko-KR" altLang="en-US" sz="1500" b="0" i="0" strike="noStrike" cap="none">
-                <a:solidFill>
-                  <a:srgbClr val="000000"/>
-                </a:solidFill>
-                <a:latin typeface="맑은 고딕" charset="0"/>
-                <a:ea typeface="맑은 고딕" charset="0"/>
-                <a:cs typeface="맑은 고딕" charset="0"/>
-              </a:endParaRPr>
-            </a:p>
-          </p:txBody>
-        </p:sp>
-        <p:sp>
-          <p:nvSpPr>
-            <p:cNvPr id="28" name="TextBox 27"/>
-            <p:cNvSpPr txBox="1">
-              <a:spLocks/>
-            </p:cNvSpPr>
-            <p:nvPr/>
-          </p:nvSpPr>
-          <p:spPr>
-            <a:xfrm>
-              <a:off x="794385" y="283845"/>
-              <a:ext cx="4323715" cy="584200"/>
-            </a:xfrm>
-            <a:prstGeom prst="rect">
-              <a:avLst/>
-            </a:prstGeom>
-          </p:spPr>
-          <p:txBody>
-            <a:bodyPr vert="horz" wrap="square" lIns="91440" tIns="45720" rIns="91440" bIns="45720" numCol="1" anchor="t">
-              <a:spAutoFit/>
-            </a:bodyPr>
-            <a:lstStyle/>
-            <a:p>
-              <a:pPr marL="0" indent="0" latinLnBrk="0">
-                <a:spcBef>
-                  <a:spcPct val="0"/>
-                </a:spcBef>
-                <a:buFontTx/>
-                <a:buNone/>
-                <a:defRPr/>
-              </a:pPr>
-              <a:r>
-                <a:rPr lang="ko-KR" altLang="en-US" sz="3200" b="1" dirty="0" smtClean="0">
-                  <a:solidFill>
-                    <a:srgbClr val="000000"/>
-                  </a:solidFill>
-                  <a:latin typeface="맑은 고딕" charset="0"/>
-                  <a:ea typeface="맑은 고딕" charset="0"/>
-                </a:rPr>
-                <a:t>역할 분담</a:t>
-              </a:r>
-              <a:endParaRPr lang="ko-KR" altLang="en-US" sz="3200" b="1" dirty="0">
-                <a:solidFill>
-                  <a:srgbClr val="000000"/>
-                </a:solidFill>
-                <a:latin typeface="맑은 고딕" charset="0"/>
-                <a:ea typeface="맑은 고딕" charset="0"/>
-              </a:endParaRPr>
-            </a:p>
-          </p:txBody>
-        </p:sp>
-      </p:grpSp>
-      <p:sp>
-        <p:nvSpPr>
-          <p:cNvPr id="33" name="도형 37"/>
-          <p:cNvSpPr>
-            <a:spLocks/>
-          </p:cNvSpPr>
-          <p:nvPr/>
-        </p:nvSpPr>
-        <p:spPr>
-          <a:xfrm>
-            <a:off x="-19050" y="19050"/>
-            <a:ext cx="12223750" cy="228600"/>
-          </a:xfrm>
-          <a:prstGeom prst="rect">
-            <a:avLst/>
-          </a:prstGeom>
-          <a:solidFill>
-            <a:schemeClr val="bg1"/>
-          </a:solidFill>
-          <a:ln w="12700" cap="flat" cmpd="sng">
-            <a:solidFill>
-              <a:schemeClr val="bg1">
-                <a:alpha val="100000"/>
-              </a:schemeClr>
-            </a:solidFill>
-            <a:prstDash val="solid"/>
-          </a:ln>
-        </p:spPr>
-        <p:style>
-          <a:lnRef idx="2">
-            <a:schemeClr val="accent1">
-              <a:shade val="50000"/>
-            </a:schemeClr>
-          </a:lnRef>
-          <a:fillRef idx="1">
-            <a:schemeClr val="accent1"/>
-          </a:fillRef>
-          <a:effectRef idx="0">
-            <a:schemeClr val="accent1"/>
-          </a:effectRef>
-          <a:fontRef idx="minor">
-            <a:schemeClr val="lt1"/>
-          </a:fontRef>
-        </p:style>
-        <p:txBody>
-          <a:bodyPr vert="horz" wrap="square" lIns="91440" tIns="45720" rIns="91440" bIns="45720" anchor="ctr">
-            <a:noAutofit/>
-          </a:bodyPr>
-          <a:lstStyle/>
-          <a:p>
-            <a:pPr marL="0" indent="0" algn="ctr" hangingPunct="1"/>
-            <a:endParaRPr lang="ko-KR" altLang="en-US" sz="1800">
-              <a:solidFill>
-                <a:schemeClr val="bg1"/>
-              </a:solidFill>
-              <a:latin typeface="맑은 고딕" charset="0"/>
-              <a:ea typeface="맑은 고딕" charset="0"/>
-            </a:endParaRPr>
-          </a:p>
-        </p:txBody>
-      </p:sp>
-      <p:sp>
-        <p:nvSpPr>
-          <p:cNvPr id="34" name="도형 41"/>
-          <p:cNvSpPr>
-            <a:spLocks/>
-          </p:cNvSpPr>
-          <p:nvPr/>
-        </p:nvSpPr>
-        <p:spPr>
-          <a:xfrm>
-            <a:off x="-38100" y="133350"/>
-            <a:ext cx="257810" cy="6858635"/>
-          </a:xfrm>
-          <a:prstGeom prst="rect">
-            <a:avLst/>
-          </a:prstGeom>
-          <a:solidFill>
-            <a:schemeClr val="bg1"/>
-          </a:solidFill>
-          <a:ln w="12700" cap="flat" cmpd="sng">
-            <a:solidFill>
-              <a:schemeClr val="bg1">
-                <a:alpha val="100000"/>
-              </a:schemeClr>
-            </a:solidFill>
-            <a:prstDash val="solid"/>
-          </a:ln>
-        </p:spPr>
-        <p:style>
-          <a:lnRef idx="2">
-            <a:schemeClr val="accent1">
-              <a:shade val="50000"/>
-            </a:schemeClr>
-          </a:lnRef>
-          <a:fillRef idx="1">
-            <a:schemeClr val="accent1"/>
-          </a:fillRef>
-          <a:effectRef idx="0">
-            <a:schemeClr val="accent1"/>
-          </a:effectRef>
-          <a:fontRef idx="minor">
-            <a:schemeClr val="lt1"/>
-          </a:fontRef>
-        </p:style>
-        <p:txBody>
-          <a:bodyPr vert="horz" wrap="square" lIns="91440" tIns="45720" rIns="91440" bIns="45720" anchor="ctr">
-            <a:noAutofit/>
-          </a:bodyPr>
-          <a:lstStyle/>
-          <a:p>
-            <a:pPr marL="0" indent="0" algn="ctr" hangingPunct="1"/>
-            <a:endParaRPr lang="ko-KR" altLang="en-US" sz="1800">
-              <a:latin typeface="맑은 고딕" charset="0"/>
-              <a:ea typeface="맑은 고딕" charset="0"/>
-            </a:endParaRPr>
-          </a:p>
-        </p:txBody>
-      </p:sp>
-      <p:sp>
-        <p:nvSpPr>
-          <p:cNvPr id="35" name="도형 46"/>
-          <p:cNvSpPr>
-            <a:spLocks/>
-          </p:cNvSpPr>
-          <p:nvPr/>
-        </p:nvSpPr>
-        <p:spPr>
-          <a:xfrm>
-            <a:off x="11776075" y="152400"/>
-            <a:ext cx="428625" cy="6696710"/>
-          </a:xfrm>
-          <a:prstGeom prst="rect">
-            <a:avLst/>
-          </a:prstGeom>
-          <a:solidFill>
-            <a:schemeClr val="bg1"/>
-          </a:solidFill>
-          <a:ln w="12700" cap="flat" cmpd="sng">
-            <a:solidFill>
-              <a:schemeClr val="bg1">
-                <a:alpha val="100000"/>
-              </a:schemeClr>
-            </a:solidFill>
-            <a:prstDash val="solid"/>
-          </a:ln>
-        </p:spPr>
-        <p:style>
-          <a:lnRef idx="2">
-            <a:schemeClr val="accent1">
-              <a:shade val="50000"/>
-            </a:schemeClr>
-          </a:lnRef>
-          <a:fillRef idx="1">
-            <a:schemeClr val="accent1"/>
-          </a:fillRef>
-          <a:effectRef idx="0">
-            <a:schemeClr val="accent1"/>
-          </a:effectRef>
-          <a:fontRef idx="minor">
-            <a:schemeClr val="lt1"/>
-          </a:fontRef>
-        </p:style>
-        <p:txBody>
-          <a:bodyPr vert="horz" wrap="square" lIns="91440" tIns="45720" rIns="91440" bIns="45720" anchor="ctr">
-            <a:noAutofit/>
-          </a:bodyPr>
-          <a:lstStyle/>
-          <a:p>
-            <a:pPr marL="0" indent="0" algn="ctr" hangingPunct="1"/>
-            <a:endParaRPr lang="ko-KR" altLang="en-US" sz="1800">
-              <a:latin typeface="맑은 고딕" charset="0"/>
-              <a:ea typeface="맑은 고딕" charset="0"/>
-            </a:endParaRPr>
-          </a:p>
-        </p:txBody>
-      </p:sp>
-      <p:sp>
-        <p:nvSpPr>
-          <p:cNvPr id="36" name="도형 49"/>
-          <p:cNvSpPr>
-            <a:spLocks/>
-          </p:cNvSpPr>
-          <p:nvPr/>
-        </p:nvSpPr>
-        <p:spPr>
-          <a:xfrm>
-            <a:off x="-85725" y="6325235"/>
-            <a:ext cx="12376150" cy="561975"/>
-          </a:xfrm>
-          <a:prstGeom prst="rect">
-            <a:avLst/>
-          </a:prstGeom>
-          <a:solidFill>
-            <a:schemeClr val="bg1"/>
-          </a:solidFill>
-          <a:ln w="12700" cap="flat" cmpd="sng">
-            <a:solidFill>
-              <a:schemeClr val="bg1">
-                <a:alpha val="100000"/>
-              </a:schemeClr>
-            </a:solidFill>
-            <a:prstDash val="solid"/>
-          </a:ln>
-        </p:spPr>
-        <p:style>
-          <a:lnRef idx="2">
-            <a:schemeClr val="accent1">
-              <a:shade val="50000"/>
-            </a:schemeClr>
-          </a:lnRef>
-          <a:fillRef idx="1">
-            <a:schemeClr val="accent1"/>
-          </a:fillRef>
-          <a:effectRef idx="0">
-            <a:schemeClr val="accent1"/>
-          </a:effectRef>
-          <a:fontRef idx="minor">
-            <a:schemeClr val="lt1"/>
-          </a:fontRef>
-        </p:style>
-        <p:txBody>
-          <a:bodyPr vert="horz" wrap="square" lIns="91440" tIns="45720" rIns="91440" bIns="45720" anchor="ctr">
-            <a:noAutofit/>
-          </a:bodyPr>
-          <a:lstStyle/>
-          <a:p>
-            <a:pPr marL="0" indent="0" algn="ctr" hangingPunct="1"/>
-            <a:endParaRPr lang="ko-KR" altLang="en-US" sz="1800">
-              <a:latin typeface="맑은 고딕" charset="0"/>
-              <a:ea typeface="맑은 고딕" charset="0"/>
-            </a:endParaRPr>
-          </a:p>
-        </p:txBody>
-      </p:sp>
-      <p:grpSp>
-        <p:nvGrpSpPr>
-          <p:cNvPr id="6" name="그룹 5"/>
-          <p:cNvGrpSpPr/>
-          <p:nvPr/>
-        </p:nvGrpSpPr>
-        <p:grpSpPr>
-          <a:xfrm>
-            <a:off x="1415391" y="1535149"/>
-            <a:ext cx="1337641" cy="4244974"/>
-            <a:chOff x="1415391" y="1535149"/>
-            <a:chExt cx="1142343" cy="4244974"/>
-          </a:xfrm>
-        </p:grpSpPr>
-        <p:sp>
-          <p:nvSpPr>
-            <p:cNvPr id="16" name="TextBox 10"/>
-            <p:cNvSpPr txBox="1">
-              <a:spLocks/>
-            </p:cNvSpPr>
-            <p:nvPr/>
-          </p:nvSpPr>
-          <p:spPr>
-            <a:xfrm>
-              <a:off x="1415391" y="1535149"/>
-              <a:ext cx="1142343" cy="407804"/>
-            </a:xfrm>
-            <a:prstGeom prst="rect">
-              <a:avLst/>
-            </a:prstGeom>
-            <a:solidFill>
-              <a:srgbClr val="404040">
-                <a:alpha val="100000"/>
-              </a:srgbClr>
-            </a:solidFill>
-          </p:spPr>
-          <p:txBody>
-            <a:bodyPr wrap="square" lIns="68580" tIns="34290" rIns="68580" bIns="34290">
-              <a:spAutoFit/>
-            </a:bodyPr>
-            <a:lstStyle/>
-            <a:p>
-              <a:pPr marL="0" indent="0" algn="ctr" defTabSz="914400" rtl="0" eaLnBrk="1" latinLnBrk="1" hangingPunct="1">
-                <a:lnSpc>
-                  <a:spcPct val="100000"/>
-                </a:lnSpc>
-                <a:spcBef>
-                  <a:spcPct val="0"/>
-                </a:spcBef>
-                <a:spcAft>
-                  <a:spcPts val="0"/>
-                </a:spcAft>
-                <a:buNone/>
-                <a:defRPr/>
-              </a:pPr>
-              <a:r>
-                <a:rPr kumimoji="0" lang="ko-KR" altLang="en-US" sz="2200" b="1" i="0" u="none" strike="noStrike" kern="1200" cap="none" spc="0" normalizeH="0" baseline="0" dirty="0" err="1" smtClean="0">
-                  <a:solidFill>
-                    <a:srgbClr val="FFFFFF"/>
-                  </a:solidFill>
-                  <a:latin typeface="맑은 고딕"/>
-                  <a:ea typeface="맑은 고딕"/>
-                  <a:cs typeface="맑은 고딕"/>
-                </a:rPr>
-                <a:t>손우영</a:t>
-              </a:r>
-              <a:endParaRPr kumimoji="0" lang="en-US" altLang="ko-KR" sz="2200" b="1" i="0" u="none" strike="noStrike" kern="1200" cap="none" spc="0" normalizeH="0" baseline="0" dirty="0" smtClean="0">
-                <a:solidFill>
-                  <a:srgbClr val="FFFFFF"/>
-                </a:solidFill>
-                <a:latin typeface="맑은 고딕"/>
-                <a:ea typeface="맑은 고딕"/>
-                <a:cs typeface="맑은 고딕"/>
-              </a:endParaRPr>
-            </a:p>
-          </p:txBody>
-        </p:sp>
-        <p:sp>
-          <p:nvSpPr>
-            <p:cNvPr id="17" name="TextBox 10"/>
-            <p:cNvSpPr txBox="1">
-              <a:spLocks/>
-            </p:cNvSpPr>
-            <p:nvPr/>
-          </p:nvSpPr>
-          <p:spPr>
-            <a:xfrm>
-              <a:off x="1415391" y="5372319"/>
-              <a:ext cx="1142343" cy="407804"/>
-            </a:xfrm>
-            <a:prstGeom prst="rect">
-              <a:avLst/>
-            </a:prstGeom>
-            <a:solidFill>
-              <a:srgbClr val="404040">
-                <a:alpha val="100000"/>
-              </a:srgbClr>
-            </a:solidFill>
-          </p:spPr>
-          <p:txBody>
-            <a:bodyPr wrap="square" lIns="68580" tIns="34290" rIns="68580" bIns="34290">
-              <a:spAutoFit/>
-            </a:bodyPr>
-            <a:lstStyle/>
-            <a:p>
-              <a:pPr marL="0" indent="0" algn="ctr" defTabSz="914400" rtl="0" eaLnBrk="1" latinLnBrk="1" hangingPunct="1">
-                <a:lnSpc>
-                  <a:spcPct val="100000"/>
-                </a:lnSpc>
-                <a:spcBef>
-                  <a:spcPct val="0"/>
-                </a:spcBef>
-                <a:spcAft>
-                  <a:spcPts val="0"/>
-                </a:spcAft>
-                <a:buNone/>
-                <a:defRPr/>
-              </a:pPr>
-              <a:r>
-                <a:rPr lang="ko-KR" altLang="en-US" sz="2200" b="1" dirty="0" err="1" smtClean="0">
-                  <a:solidFill>
-                    <a:srgbClr val="FFFFFF"/>
-                  </a:solidFill>
-                  <a:latin typeface="맑은 고딕"/>
-                  <a:ea typeface="맑은 고딕"/>
-                  <a:cs typeface="맑은 고딕"/>
-                </a:rPr>
-                <a:t>인혜린</a:t>
-              </a:r>
-              <a:endParaRPr kumimoji="0" lang="en-US" altLang="ko-KR" sz="2200" b="1" i="0" u="none" strike="noStrike" kern="1200" cap="none" spc="0" normalizeH="0" baseline="0" dirty="0" smtClean="0">
-                <a:solidFill>
-                  <a:srgbClr val="FFFFFF"/>
-                </a:solidFill>
-                <a:latin typeface="맑은 고딕"/>
-                <a:ea typeface="맑은 고딕"/>
-                <a:cs typeface="맑은 고딕"/>
-              </a:endParaRPr>
-            </a:p>
-          </p:txBody>
-        </p:sp>
-        <p:sp>
-          <p:nvSpPr>
-            <p:cNvPr id="18" name="TextBox 10"/>
-            <p:cNvSpPr txBox="1">
-              <a:spLocks/>
-            </p:cNvSpPr>
-            <p:nvPr/>
-          </p:nvSpPr>
-          <p:spPr>
-            <a:xfrm>
-              <a:off x="1415391" y="2494441"/>
-              <a:ext cx="1142343" cy="407804"/>
-            </a:xfrm>
-            <a:prstGeom prst="rect">
-              <a:avLst/>
-            </a:prstGeom>
-            <a:solidFill>
-              <a:srgbClr val="404040">
-                <a:alpha val="100000"/>
-              </a:srgbClr>
-            </a:solidFill>
-          </p:spPr>
-          <p:txBody>
-            <a:bodyPr wrap="square" lIns="68580" tIns="34290" rIns="68580" bIns="34290">
-              <a:spAutoFit/>
-            </a:bodyPr>
-            <a:lstStyle/>
-            <a:p>
-              <a:pPr marL="0" indent="0" algn="ctr" defTabSz="914400" rtl="0" eaLnBrk="1" latinLnBrk="1" hangingPunct="1">
-                <a:lnSpc>
-                  <a:spcPct val="100000"/>
-                </a:lnSpc>
-                <a:spcBef>
-                  <a:spcPct val="0"/>
-                </a:spcBef>
-                <a:spcAft>
-                  <a:spcPts val="0"/>
-                </a:spcAft>
-                <a:buNone/>
-                <a:defRPr/>
-              </a:pPr>
-              <a:r>
-                <a:rPr lang="ko-KR" altLang="en-US" sz="2200" b="1" dirty="0" smtClean="0">
-                  <a:solidFill>
-                    <a:srgbClr val="FFFFFF"/>
-                  </a:solidFill>
-                  <a:latin typeface="맑은 고딕"/>
-                  <a:ea typeface="맑은 고딕"/>
-                  <a:cs typeface="맑은 고딕"/>
-                </a:rPr>
-                <a:t>최윤정</a:t>
-              </a:r>
-              <a:endParaRPr kumimoji="0" lang="en-US" altLang="ko-KR" sz="2200" b="1" i="0" u="none" strike="noStrike" kern="1200" cap="none" spc="0" normalizeH="0" baseline="0" dirty="0" smtClean="0">
-                <a:solidFill>
-                  <a:srgbClr val="FFFFFF"/>
-                </a:solidFill>
-                <a:latin typeface="맑은 고딕"/>
-                <a:ea typeface="맑은 고딕"/>
-                <a:cs typeface="맑은 고딕"/>
-              </a:endParaRPr>
-            </a:p>
-          </p:txBody>
-        </p:sp>
-        <p:sp>
-          <p:nvSpPr>
-            <p:cNvPr id="19" name="TextBox 10"/>
-            <p:cNvSpPr txBox="1">
-              <a:spLocks/>
-            </p:cNvSpPr>
-            <p:nvPr/>
-          </p:nvSpPr>
-          <p:spPr>
-            <a:xfrm>
-              <a:off x="1415391" y="3453733"/>
-              <a:ext cx="1142343" cy="407804"/>
-            </a:xfrm>
-            <a:prstGeom prst="rect">
-              <a:avLst/>
-            </a:prstGeom>
-            <a:solidFill>
-              <a:srgbClr val="404040">
-                <a:alpha val="100000"/>
-              </a:srgbClr>
-            </a:solidFill>
-          </p:spPr>
-          <p:txBody>
-            <a:bodyPr wrap="square" lIns="68580" tIns="34290" rIns="68580" bIns="34290">
-              <a:spAutoFit/>
-            </a:bodyPr>
-            <a:lstStyle/>
-            <a:p>
-              <a:pPr marL="0" indent="0" algn="ctr" defTabSz="914400" rtl="0" eaLnBrk="1" latinLnBrk="1" hangingPunct="1">
-                <a:lnSpc>
-                  <a:spcPct val="100000"/>
-                </a:lnSpc>
-                <a:spcBef>
-                  <a:spcPct val="0"/>
-                </a:spcBef>
-                <a:spcAft>
-                  <a:spcPts val="0"/>
-                </a:spcAft>
-                <a:buNone/>
-                <a:defRPr/>
-              </a:pPr>
-              <a:r>
-                <a:rPr lang="ko-KR" altLang="en-US" sz="2200" b="1" dirty="0" err="1" smtClean="0">
-                  <a:solidFill>
-                    <a:srgbClr val="FFFFFF"/>
-                  </a:solidFill>
-                  <a:latin typeface="맑은 고딕"/>
-                  <a:ea typeface="맑은 고딕"/>
-                  <a:cs typeface="맑은 고딕"/>
-                </a:rPr>
-                <a:t>최병혁</a:t>
-              </a:r>
-              <a:endParaRPr kumimoji="0" lang="en-US" altLang="ko-KR" sz="2200" b="1" i="0" u="none" strike="noStrike" kern="1200" cap="none" spc="0" normalizeH="0" baseline="0" dirty="0" smtClean="0">
-                <a:solidFill>
-                  <a:srgbClr val="FFFFFF"/>
-                </a:solidFill>
-                <a:latin typeface="맑은 고딕"/>
-                <a:ea typeface="맑은 고딕"/>
-                <a:cs typeface="맑은 고딕"/>
-              </a:endParaRPr>
-            </a:p>
-          </p:txBody>
-        </p:sp>
-        <p:sp>
-          <p:nvSpPr>
-            <p:cNvPr id="20" name="TextBox 10"/>
-            <p:cNvSpPr txBox="1">
-              <a:spLocks/>
-            </p:cNvSpPr>
-            <p:nvPr/>
-          </p:nvSpPr>
-          <p:spPr>
-            <a:xfrm>
-              <a:off x="1415391" y="4413025"/>
-              <a:ext cx="1142343" cy="407804"/>
-            </a:xfrm>
-            <a:prstGeom prst="rect">
-              <a:avLst/>
-            </a:prstGeom>
-            <a:solidFill>
-              <a:srgbClr val="404040">
-                <a:alpha val="100000"/>
-              </a:srgbClr>
-            </a:solidFill>
-          </p:spPr>
-          <p:txBody>
-            <a:bodyPr wrap="square" lIns="68580" tIns="34290" rIns="68580" bIns="34290">
-              <a:spAutoFit/>
-            </a:bodyPr>
-            <a:lstStyle/>
-            <a:p>
-              <a:pPr marL="0" indent="0" algn="ctr" defTabSz="914400" rtl="0" eaLnBrk="1" latinLnBrk="1" hangingPunct="1">
-                <a:lnSpc>
-                  <a:spcPct val="100000"/>
-                </a:lnSpc>
-                <a:spcBef>
-                  <a:spcPct val="0"/>
-                </a:spcBef>
-                <a:spcAft>
-                  <a:spcPts val="0"/>
-                </a:spcAft>
-                <a:buNone/>
-                <a:defRPr/>
-              </a:pPr>
-              <a:r>
-                <a:rPr lang="ko-KR" altLang="en-US" sz="2200" b="1" dirty="0" smtClean="0">
-                  <a:solidFill>
-                    <a:srgbClr val="FFFFFF"/>
-                  </a:solidFill>
-                  <a:latin typeface="맑은 고딕"/>
-                  <a:ea typeface="맑은 고딕"/>
-                  <a:cs typeface="맑은 고딕"/>
-                </a:rPr>
-                <a:t>김동건</a:t>
-              </a:r>
-              <a:endParaRPr kumimoji="0" lang="en-US" altLang="ko-KR" sz="2200" b="1" i="0" u="none" strike="noStrike" kern="1200" cap="none" spc="0" normalizeH="0" baseline="0" dirty="0" smtClean="0">
-                <a:solidFill>
-                  <a:srgbClr val="FFFFFF"/>
-                </a:solidFill>
-                <a:latin typeface="맑은 고딕"/>
-                <a:ea typeface="맑은 고딕"/>
-                <a:cs typeface="맑은 고딕"/>
-              </a:endParaRPr>
-            </a:p>
-          </p:txBody>
-        </p:sp>
-      </p:grpSp>
-      <p:grpSp>
-        <p:nvGrpSpPr>
-          <p:cNvPr id="5" name="그룹 4"/>
-          <p:cNvGrpSpPr/>
-          <p:nvPr/>
-        </p:nvGrpSpPr>
-        <p:grpSpPr>
-          <a:xfrm>
-            <a:off x="3312553" y="1206309"/>
-            <a:ext cx="7306286" cy="4780661"/>
-            <a:chOff x="3312553" y="1206309"/>
-            <a:chExt cx="6037008" cy="4780661"/>
-          </a:xfrm>
-        </p:grpSpPr>
-        <p:sp>
-          <p:nvSpPr>
-            <p:cNvPr id="4" name="모서리가 둥근 직사각형 3"/>
-            <p:cNvSpPr/>
-            <p:nvPr/>
-          </p:nvSpPr>
-          <p:spPr>
-            <a:xfrm>
-              <a:off x="3312554" y="1206309"/>
-              <a:ext cx="6037007" cy="934065"/>
-            </a:xfrm>
-            <a:prstGeom prst="roundRect">
-              <a:avLst/>
-            </a:prstGeom>
-            <a:solidFill>
-              <a:schemeClr val="bg2"/>
-            </a:solidFill>
-          </p:spPr>
-          <p:style>
-            <a:lnRef idx="2">
-              <a:schemeClr val="accent3">
-                <a:shade val="50000"/>
-              </a:schemeClr>
-            </a:lnRef>
-            <a:fillRef idx="1">
-              <a:schemeClr val="accent3"/>
-            </a:fillRef>
-            <a:effectRef idx="0">
-              <a:schemeClr val="accent3"/>
-            </a:effectRef>
-            <a:fontRef idx="minor">
-              <a:schemeClr val="lt1"/>
-            </a:fontRef>
-          </p:style>
-          <p:txBody>
-            <a:bodyPr rtlCol="0" anchor="ctr"/>
-            <a:lstStyle/>
-            <a:p>
-              <a:pPr algn="ctr"/>
-              <a:r>
-                <a:rPr lang="ko-KR" altLang="en-US" dirty="0" smtClean="0">
-                  <a:solidFill>
-                    <a:schemeClr val="tx1"/>
-                  </a:solidFill>
-                </a:rPr>
-                <a:t>프로젝트 개발 총괄</a:t>
-              </a:r>
-              <a:r>
-                <a:rPr lang="en-US" altLang="ko-KR" dirty="0" smtClean="0">
-                  <a:solidFill>
-                    <a:schemeClr val="tx1"/>
-                  </a:solidFill>
-                </a:rPr>
-                <a:t>, </a:t>
-              </a:r>
-              <a:r>
-                <a:rPr lang="ko-KR" altLang="en-US" dirty="0" smtClean="0">
-                  <a:solidFill>
-                    <a:schemeClr val="tx1"/>
-                  </a:solidFill>
-                </a:rPr>
-                <a:t>최종 발표</a:t>
-              </a:r>
-              <a:endParaRPr lang="ko-KR" altLang="en-US" dirty="0">
-                <a:solidFill>
-                  <a:schemeClr val="tx1"/>
-                </a:solidFill>
-              </a:endParaRPr>
-            </a:p>
-          </p:txBody>
-        </p:sp>
-        <p:sp>
-          <p:nvSpPr>
-            <p:cNvPr id="24" name="모서리가 둥근 직사각형 23"/>
-            <p:cNvSpPr/>
-            <p:nvPr/>
-          </p:nvSpPr>
-          <p:spPr>
-            <a:xfrm>
-              <a:off x="3312553" y="3119478"/>
-              <a:ext cx="6037007" cy="934065"/>
-            </a:xfrm>
-            <a:prstGeom prst="roundRect">
-              <a:avLst/>
-            </a:prstGeom>
-            <a:solidFill>
-              <a:schemeClr val="bg2"/>
-            </a:solidFill>
-          </p:spPr>
-          <p:style>
-            <a:lnRef idx="2">
-              <a:schemeClr val="accent3">
-                <a:shade val="50000"/>
-              </a:schemeClr>
-            </a:lnRef>
-            <a:fillRef idx="1">
-              <a:schemeClr val="accent3"/>
-            </a:fillRef>
-            <a:effectRef idx="0">
-              <a:schemeClr val="accent3"/>
-            </a:effectRef>
-            <a:fontRef idx="minor">
-              <a:schemeClr val="lt1"/>
-            </a:fontRef>
-          </p:style>
-          <p:txBody>
-            <a:bodyPr rtlCol="0" anchor="ctr"/>
-            <a:lstStyle/>
-            <a:p>
-              <a:pPr algn="ctr"/>
-              <a:r>
-                <a:rPr lang="ko-KR" altLang="en-US" dirty="0" smtClean="0">
-                  <a:solidFill>
-                    <a:schemeClr val="tx1"/>
-                  </a:solidFill>
-                </a:rPr>
-                <a:t>회의록 작성 및 제안서 정리</a:t>
-              </a:r>
-              <a:endParaRPr lang="ko-KR" altLang="en-US" dirty="0">
-                <a:solidFill>
-                  <a:schemeClr val="tx1"/>
-                </a:solidFill>
-              </a:endParaRPr>
-            </a:p>
-          </p:txBody>
-        </p:sp>
-        <p:sp>
-          <p:nvSpPr>
-            <p:cNvPr id="37" name="모서리가 둥근 직사각형 36"/>
-            <p:cNvSpPr/>
-            <p:nvPr/>
-          </p:nvSpPr>
-          <p:spPr>
-            <a:xfrm>
-              <a:off x="3312554" y="4080999"/>
-              <a:ext cx="6037007" cy="934065"/>
-            </a:xfrm>
-            <a:prstGeom prst="roundRect">
-              <a:avLst/>
-            </a:prstGeom>
-            <a:solidFill>
-              <a:schemeClr val="bg2"/>
-            </a:solidFill>
-          </p:spPr>
-          <p:style>
-            <a:lnRef idx="2">
-              <a:schemeClr val="accent3">
-                <a:shade val="50000"/>
-              </a:schemeClr>
-            </a:lnRef>
-            <a:fillRef idx="1">
-              <a:schemeClr val="accent3"/>
-            </a:fillRef>
-            <a:effectRef idx="0">
-              <a:schemeClr val="accent3"/>
-            </a:effectRef>
-            <a:fontRef idx="minor">
-              <a:schemeClr val="lt1"/>
-            </a:fontRef>
-          </p:style>
-          <p:txBody>
-            <a:bodyPr rtlCol="0" anchor="ctr"/>
-            <a:lstStyle/>
-            <a:p>
-              <a:pPr algn="ctr"/>
-              <a:r>
-                <a:rPr lang="ko-KR" altLang="en-US" dirty="0" err="1" smtClean="0">
-                  <a:solidFill>
-                    <a:schemeClr val="tx1"/>
-                  </a:solidFill>
-                </a:rPr>
-                <a:t>로또추첨</a:t>
-              </a:r>
-              <a:r>
-                <a:rPr lang="ko-KR" altLang="en-US" dirty="0" smtClean="0">
-                  <a:solidFill>
-                    <a:schemeClr val="tx1"/>
-                  </a:solidFill>
-                </a:rPr>
-                <a:t> 알고리즘 구현</a:t>
-              </a:r>
-              <a:endParaRPr lang="ko-KR" altLang="en-US" dirty="0">
-                <a:solidFill>
-                  <a:schemeClr val="tx1"/>
-                </a:solidFill>
-              </a:endParaRPr>
-            </a:p>
-          </p:txBody>
-        </p:sp>
-        <p:sp>
-          <p:nvSpPr>
-            <p:cNvPr id="38" name="모서리가 둥근 직사각형 37"/>
-            <p:cNvSpPr/>
-            <p:nvPr/>
-          </p:nvSpPr>
-          <p:spPr>
-            <a:xfrm>
-              <a:off x="3312554" y="5052905"/>
-              <a:ext cx="6037007" cy="934065"/>
-            </a:xfrm>
-            <a:prstGeom prst="roundRect">
-              <a:avLst/>
-            </a:prstGeom>
-            <a:solidFill>
-              <a:schemeClr val="bg2"/>
-            </a:solidFill>
-          </p:spPr>
-          <p:style>
-            <a:lnRef idx="2">
-              <a:schemeClr val="accent3">
-                <a:shade val="50000"/>
-              </a:schemeClr>
-            </a:lnRef>
-            <a:fillRef idx="1">
-              <a:schemeClr val="accent3"/>
-            </a:fillRef>
-            <a:effectRef idx="0">
-              <a:schemeClr val="accent3"/>
-            </a:effectRef>
-            <a:fontRef idx="minor">
-              <a:schemeClr val="lt1"/>
-            </a:fontRef>
-          </p:style>
-          <p:txBody>
-            <a:bodyPr rtlCol="0" anchor="ctr"/>
-            <a:lstStyle/>
-            <a:p>
-              <a:pPr algn="ctr"/>
-              <a:r>
-                <a:rPr lang="en-US" altLang="ko-KR" dirty="0" smtClean="0">
-                  <a:solidFill>
-                    <a:schemeClr val="tx1"/>
-                  </a:solidFill>
-                </a:rPr>
-                <a:t>PPT </a:t>
-              </a:r>
-              <a:r>
-                <a:rPr lang="ko-KR" altLang="en-US" dirty="0" smtClean="0">
-                  <a:solidFill>
-                    <a:schemeClr val="tx1"/>
-                  </a:solidFill>
-                </a:rPr>
-                <a:t>제작</a:t>
-              </a:r>
-              <a:endParaRPr lang="ko-KR" altLang="en-US" dirty="0">
-                <a:solidFill>
-                  <a:schemeClr val="tx1"/>
-                </a:solidFill>
-              </a:endParaRPr>
-            </a:p>
-          </p:txBody>
-        </p:sp>
-        <p:sp>
-          <p:nvSpPr>
-            <p:cNvPr id="39" name="모서리가 둥근 직사각형 38"/>
-            <p:cNvSpPr/>
-            <p:nvPr/>
-          </p:nvSpPr>
-          <p:spPr>
-            <a:xfrm>
-              <a:off x="3312554" y="2162893"/>
-              <a:ext cx="6037007" cy="934065"/>
-            </a:xfrm>
-            <a:prstGeom prst="roundRect">
-              <a:avLst/>
-            </a:prstGeom>
-            <a:solidFill>
-              <a:schemeClr val="bg2"/>
-            </a:solidFill>
-          </p:spPr>
-          <p:style>
-            <a:lnRef idx="2">
-              <a:schemeClr val="accent3">
-                <a:shade val="50000"/>
-              </a:schemeClr>
-            </a:lnRef>
-            <a:fillRef idx="1">
-              <a:schemeClr val="accent3"/>
-            </a:fillRef>
-            <a:effectRef idx="0">
-              <a:schemeClr val="accent3"/>
-            </a:effectRef>
-            <a:fontRef idx="minor">
-              <a:schemeClr val="lt1"/>
-            </a:fontRef>
-          </p:style>
-          <p:txBody>
-            <a:bodyPr rtlCol="0" anchor="ctr"/>
-            <a:lstStyle/>
-            <a:p>
-              <a:pPr algn="ctr"/>
-              <a:r>
-                <a:rPr lang="ko-KR" altLang="en-US" dirty="0" smtClean="0">
-                  <a:solidFill>
-                    <a:schemeClr val="tx1"/>
-                  </a:solidFill>
-                </a:rPr>
-                <a:t>프로젝트 </a:t>
-              </a:r>
-              <a:r>
-                <a:rPr lang="en-US" altLang="ko-KR" dirty="0" smtClean="0">
-                  <a:solidFill>
-                    <a:schemeClr val="tx1"/>
-                  </a:solidFill>
-                </a:rPr>
-                <a:t>UI</a:t>
-              </a:r>
-              <a:r>
-                <a:rPr lang="ko-KR" altLang="en-US" dirty="0" smtClean="0">
-                  <a:solidFill>
-                    <a:schemeClr val="tx1"/>
-                  </a:solidFill>
-                </a:rPr>
-                <a:t>구성</a:t>
-              </a:r>
-              <a:r>
-                <a:rPr lang="en-US" altLang="ko-KR" dirty="0" smtClean="0">
-                  <a:solidFill>
-                    <a:schemeClr val="tx1"/>
-                  </a:solidFill>
-                </a:rPr>
-                <a:t>, </a:t>
-              </a:r>
-              <a:r>
-                <a:rPr lang="ko-KR" altLang="en-US" dirty="0" smtClean="0">
-                  <a:solidFill>
-                    <a:schemeClr val="tx1"/>
-                  </a:solidFill>
-                </a:rPr>
-                <a:t>구조도 설계</a:t>
-              </a:r>
-              <a:endParaRPr lang="ko-KR" altLang="en-US" dirty="0">
-                <a:solidFill>
-                  <a:schemeClr val="tx1"/>
-                </a:solidFill>
-              </a:endParaRPr>
-            </a:p>
-          </p:txBody>
-        </p:sp>
-      </p:grpSp>
-    </p:spTree>
-    <p:extLst>
-      <p:ext uri="{BB962C8B-B14F-4D97-AF65-F5344CB8AC3E}">
-        <p14:creationId xmlns:p14="http://schemas.microsoft.com/office/powerpoint/2010/main" val="1133198223"/>
-      </p:ext>
-    </p:extLst>
-  </p:cSld>
-  <p:clrMapOvr>
-    <a:masterClrMapping/>
-  </p:clrMapOvr>
-  <mc:AlternateContent xmlns:mc="http://schemas.openxmlformats.org/markup-compatibility/2006" xmlns:p14="http://schemas.microsoft.com/office/powerpoint/2010/main">
-    <mc:Choice Requires="p14">
-      <p:transition spd="med" p14:dur="700">
-        <p:fade/>
-      </p:transition>
-    </mc:Choice>
-    <mc:Fallback xmlns="">
-      <p:transition spd="slow">
-        <p:fade/>
-      </p:transition>
-    </mc:Fallback>
-  </mc:AlternateContent>
-  <p:timing>
-    <p:tnLst>
-      <p:par>
-        <p:cTn id="1" dur="indefinite" restart="never" nodeType="tmRoot"/>
-      </p:par>
-    </p:tnLst>
-  </p:timing>
-</p:sld>
-</file>
-
-<file path=ppt/slides/slide19.xml><?xml version="1.0" encoding="utf-8"?>
-<p:sld xmlns:a="http://schemas.openxmlformats.org/drawingml/2006/main" xmlns:r="http://schemas.openxmlformats.org/officeDocument/2006/relationships" xmlns:p="http://schemas.openxmlformats.org/presentationml/2006/main">
-  <p:cSld>
-    <p:bg>
-      <p:bgPr>
         <a:blipFill rotWithShape="1">
           <a:blip r:embed="rId3" cstate="hqprint">
             <a:extLst>
@@ -24410,7 +21699,7 @@
         </p:nvSpPr>
         <p:spPr>
           <a:xfrm>
-            <a:off x="0" y="9832"/>
+            <a:off x="0" y="0"/>
             <a:ext cx="12192635" cy="6858635"/>
           </a:xfrm>
           <a:prstGeom prst="rect">
@@ -24457,86 +21746,155 @@
           </a:p>
         </p:txBody>
       </p:sp>
-      <p:sp>
-        <p:nvSpPr>
-          <p:cNvPr id="10" name="TextBox 2"/>
-          <p:cNvSpPr txBox="1"/>
+      <p:grpSp>
+        <p:nvGrpSpPr>
+          <p:cNvPr id="7" name="그룹 5"/>
+          <p:cNvGrpSpPr/>
           <p:nvPr/>
-        </p:nvSpPr>
-        <p:spPr>
+        </p:nvGrpSpPr>
+        <p:grpSpPr>
           <a:xfrm>
-            <a:off x="2945842" y="2828836"/>
-            <a:ext cx="6300317" cy="1200329"/>
+            <a:off x="3943350" y="2644140"/>
+            <a:ext cx="4305300" cy="1569720"/>
+            <a:chOff x="3943350" y="2644140"/>
+            <a:chExt cx="4305300" cy="1569720"/>
           </a:xfrm>
-          <a:prstGeom prst="rect">
-            <a:avLst/>
-          </a:prstGeom>
-          <a:noFill/>
-          <a:scene3d>
-            <a:camera prst="obliqueTopLeft"/>
-            <a:lightRig rig="threePt" dir="t"/>
-          </a:scene3d>
-        </p:spPr>
-        <p:txBody>
-          <a:bodyPr wrap="square">
-            <a:spAutoFit/>
-          </a:bodyPr>
-          <a:lstStyle/>
-          <a:p>
-            <a:pPr marL="0" indent="0" algn="ctr" defTabSz="914400" rtl="0" eaLnBrk="1" latinLnBrk="1" hangingPunct="1">
-              <a:lnSpc>
-                <a:spcPct val="100000"/>
-              </a:lnSpc>
-              <a:spcBef>
-                <a:spcPct val="0"/>
-              </a:spcBef>
-              <a:spcAft>
-                <a:spcPts val="0"/>
-              </a:spcAft>
-              <a:buNone/>
-              <a:defRPr/>
-            </a:pPr>
-            <a:r>
-              <a:rPr kumimoji="0" lang="ko-KR" altLang="en-US" sz="7200" b="1" i="0" u="none" strike="noStrike" kern="1200" cap="none" spc="-150" normalizeH="0" baseline="0" dirty="0" smtClean="0">
+        </p:grpSpPr>
+        <p:sp>
+          <p:nvSpPr>
+            <p:cNvPr id="8" name="TextBox 2"/>
+            <p:cNvSpPr txBox="1"/>
+            <p:nvPr/>
+          </p:nvSpPr>
+          <p:spPr>
+            <a:xfrm>
+              <a:off x="4514850" y="3567430"/>
+              <a:ext cx="3162300" cy="646430"/>
+            </a:xfrm>
+            <a:prstGeom prst="rect">
+              <a:avLst/>
+            </a:prstGeom>
+            <a:noFill/>
+            <a:scene3d>
+              <a:camera prst="obliqueTopLeft"/>
+              <a:lightRig rig="threePt" dir="t"/>
+            </a:scene3d>
+          </p:spPr>
+          <p:txBody>
+            <a:bodyPr wrap="square">
+              <a:spAutoFit/>
+            </a:bodyPr>
+            <a:lstStyle/>
+            <a:p>
+              <a:pPr marL="0" indent="0" algn="ctr" defTabSz="914400" rtl="0" eaLnBrk="1" latinLnBrk="1" hangingPunct="1">
+                <a:lnSpc>
+                  <a:spcPct val="100000"/>
+                </a:lnSpc>
+                <a:spcBef>
+                  <a:spcPct val="0"/>
+                </a:spcBef>
+                <a:spcAft>
+                  <a:spcPts val="0"/>
+                </a:spcAft>
+                <a:buNone/>
+                <a:defRPr/>
+              </a:pPr>
+              <a:r>
+                <a:rPr kumimoji="0" lang="ko-KR" altLang="en-US" sz="3600" b="1" i="0" u="none" strike="noStrike" kern="1200" cap="none" spc="-150" normalizeH="0" baseline="0" dirty="0">
+                  <a:solidFill>
+                    <a:srgbClr val="FFFFFF"/>
+                  </a:solidFill>
+                  <a:latin typeface="-윤디자인웹돋움"/>
+                  <a:ea typeface="-윤디자인웹돋움"/>
+                </a:rPr>
+                <a:t>감사합니다 </a:t>
+              </a:r>
+              <a:r>
+                <a:rPr kumimoji="0" lang="en-US" altLang="ko-KR" sz="3600" b="1" i="0" u="none" strike="noStrike" kern="1200" cap="none" spc="-150" normalizeH="0" baseline="0" dirty="0">
+                  <a:solidFill>
+                    <a:srgbClr val="FFFFFF"/>
+                  </a:solidFill>
+                  <a:latin typeface="-윤디자인웹돋움"/>
+                  <a:ea typeface="-윤디자인웹돋움"/>
+                </a:rPr>
+                <a:t> </a:t>
+              </a:r>
+              <a:endParaRPr kumimoji="0" lang="ko-KR" altLang="en-US" sz="3600" b="1" i="0" u="none" strike="noStrike" kern="1200" cap="none" spc="-150" normalizeH="0" baseline="0" dirty="0">
                 <a:solidFill>
                   <a:srgbClr val="FFFFFF"/>
                 </a:solidFill>
                 <a:latin typeface="-윤디자인웹돋움"/>
                 <a:ea typeface="-윤디자인웹돋움"/>
-              </a:rPr>
-              <a:t>프로젝트 시연</a:t>
-            </a:r>
-            <a:r>
-              <a:rPr kumimoji="0" lang="ko-KR" altLang="en-US" sz="3600" b="1" i="0" u="none" strike="noStrike" kern="1200" cap="none" spc="-150" normalizeH="0" baseline="0" dirty="0" smtClean="0">
+              </a:endParaRPr>
+            </a:p>
+          </p:txBody>
+        </p:sp>
+        <p:sp>
+          <p:nvSpPr>
+            <p:cNvPr id="9" name="TextBox 4"/>
+            <p:cNvSpPr txBox="1"/>
+            <p:nvPr/>
+          </p:nvSpPr>
+          <p:spPr>
+            <a:xfrm>
+              <a:off x="3943350" y="2644140"/>
+              <a:ext cx="4305300" cy="923290"/>
+            </a:xfrm>
+            <a:prstGeom prst="rect">
+              <a:avLst/>
+            </a:prstGeom>
+            <a:noFill/>
+            <a:scene3d>
+              <a:camera prst="obliqueTopLeft"/>
+              <a:lightRig rig="threePt" dir="t"/>
+            </a:scene3d>
+          </p:spPr>
+          <p:txBody>
+            <a:bodyPr wrap="square">
+              <a:spAutoFit/>
+            </a:bodyPr>
+            <a:lstStyle/>
+            <a:p>
+              <a:pPr marL="0" indent="0" algn="ctr" defTabSz="914400" rtl="0" eaLnBrk="1" latinLnBrk="1" hangingPunct="1">
+                <a:lnSpc>
+                  <a:spcPct val="100000"/>
+                </a:lnSpc>
+                <a:spcBef>
+                  <a:spcPct val="0"/>
+                </a:spcBef>
+                <a:spcAft>
+                  <a:spcPts val="0"/>
+                </a:spcAft>
+                <a:buNone/>
+                <a:defRPr/>
+              </a:pPr>
+              <a:r>
+                <a:rPr kumimoji="0" lang="en-US" altLang="ko-KR" sz="5400" b="1" i="0" u="none" strike="noStrike" kern="1200" cap="none" spc="0" normalizeH="0" baseline="0">
+                  <a:solidFill>
+                    <a:srgbClr val="FFC000"/>
+                  </a:solidFill>
+                  <a:latin typeface="-윤고딕360"/>
+                  <a:ea typeface="-윤고딕360"/>
+                </a:rPr>
+                <a:t>Thank You </a:t>
+              </a:r>
+              <a:endParaRPr kumimoji="0" lang="ko-KR" altLang="en-US" sz="5400" b="1" i="0" u="none" strike="noStrike" kern="1200" cap="none" spc="0" normalizeH="0" baseline="0">
                 <a:solidFill>
-                  <a:srgbClr val="FFFFFF"/>
+                  <a:srgbClr val="FFC000"/>
                 </a:solidFill>
-                <a:latin typeface="-윤디자인웹돋움"/>
-                <a:ea typeface="-윤디자인웹돋움"/>
-              </a:rPr>
-              <a:t> </a:t>
-            </a:r>
-            <a:r>
-              <a:rPr kumimoji="0" lang="en-US" altLang="ko-KR" sz="3600" b="1" i="0" u="none" strike="noStrike" kern="1200" cap="none" spc="-150" normalizeH="0" baseline="0" dirty="0" smtClean="0">
-                <a:solidFill>
-                  <a:srgbClr val="FFFFFF"/>
-                </a:solidFill>
-                <a:latin typeface="-윤디자인웹돋움"/>
-                <a:ea typeface="-윤디자인웹돋움"/>
-              </a:rPr>
-              <a:t> </a:t>
-            </a:r>
-            <a:endParaRPr kumimoji="0" lang="ko-KR" altLang="en-US" sz="3600" b="1" i="0" u="none" strike="noStrike" kern="1200" cap="none" spc="-150" normalizeH="0" baseline="0" dirty="0">
-              <a:solidFill>
-                <a:srgbClr val="FFFFFF"/>
-              </a:solidFill>
-              <a:latin typeface="-윤디자인웹돋움"/>
-              <a:ea typeface="-윤디자인웹돋움"/>
-            </a:endParaRPr>
-          </a:p>
-        </p:txBody>
-      </p:sp>
+                <a:latin typeface="-윤고딕360"/>
+                <a:ea typeface="-윤고딕360"/>
+              </a:endParaRPr>
+            </a:p>
+          </p:txBody>
+        </p:sp>
+      </p:grpSp>
     </p:spTree>
+    <p:extLst>
+      <p:ext uri="{BB962C8B-B14F-4D97-AF65-F5344CB8AC3E}">
+        <p14:creationId xmlns:p14="http://schemas.microsoft.com/office/powerpoint/2010/main" val="2189074628"/>
+      </p:ext>
+    </p:extLst>
   </p:cSld>
   <p:clrMapOvr>
     <a:masterClrMapping/>
@@ -25180,272 +22538,6 @@
     <mc:Fallback xmlns="">
       <p:transition spd="slow">
         <p:wipe dir="l"/>
-      </p:transition>
-    </mc:Fallback>
-  </mc:AlternateContent>
-  <p:timing>
-    <p:tnLst>
-      <p:par>
-        <p:cTn id="1" dur="indefinite" restart="never" nodeType="tmRoot"/>
-      </p:par>
-    </p:tnLst>
-  </p:timing>
-</p:sld>
-</file>
-
-<file path=ppt/slides/slide20.xml><?xml version="1.0" encoding="utf-8"?>
-<p:sld xmlns:a="http://schemas.openxmlformats.org/drawingml/2006/main" xmlns:r="http://schemas.openxmlformats.org/officeDocument/2006/relationships" xmlns:p="http://schemas.openxmlformats.org/presentationml/2006/main">
-  <p:cSld>
-    <p:bg>
-      <p:bgPr>
-        <a:blipFill rotWithShape="1">
-          <a:blip r:embed="rId3" cstate="hqprint">
-            <a:extLst>
-              <a:ext uri="{28A0092B-C50C-407E-A947-70E740481C1C}">
-                <a14:useLocalDpi xmlns:a14="http://schemas.microsoft.com/office/drawing/2010/main"/>
-              </a:ext>
-            </a:extLst>
-          </a:blip>
-          <a:stretch>
-            <a:fillRect t="-9000" b="-9000"/>
-          </a:stretch>
-        </a:blipFill>
-        <a:effectLst/>
-      </p:bgPr>
-    </p:bg>
-    <p:spTree>
-      <p:nvGrpSpPr>
-        <p:cNvPr id="1" name=""/>
-        <p:cNvGrpSpPr/>
-        <p:nvPr/>
-      </p:nvGrpSpPr>
-      <p:grpSpPr>
-        <a:xfrm>
-          <a:off x="0" y="0"/>
-          <a:ext cx="0" cy="0"/>
-          <a:chOff x="0" y="0"/>
-          <a:chExt cx="0" cy="0"/>
-        </a:xfrm>
-      </p:grpSpPr>
-      <p:sp>
-        <p:nvSpPr>
-          <p:cNvPr id="2" name="직사각형 1"/>
-          <p:cNvSpPr>
-            <a:spLocks/>
-          </p:cNvSpPr>
-          <p:nvPr/>
-        </p:nvSpPr>
-        <p:spPr>
-          <a:xfrm>
-            <a:off x="0" y="0"/>
-            <a:ext cx="12192635" cy="6858635"/>
-          </a:xfrm>
-          <a:prstGeom prst="rect">
-            <a:avLst/>
-          </a:prstGeom>
-          <a:solidFill>
-            <a:schemeClr val="dk1">
-              <a:alpha val="80070"/>
-            </a:schemeClr>
-          </a:solidFill>
-          <a:ln w="0">
-            <a:noFill/>
-            <a:prstDash/>
-          </a:ln>
-        </p:spPr>
-        <p:style>
-          <a:lnRef idx="2">
-            <a:schemeClr val="accent1">
-              <a:shade val="50000"/>
-            </a:schemeClr>
-          </a:lnRef>
-          <a:fillRef idx="1">
-            <a:schemeClr val="accent1"/>
-          </a:fillRef>
-          <a:effectRef idx="0">
-            <a:schemeClr val="accent1"/>
-          </a:effectRef>
-          <a:fontRef idx="minor">
-            <a:schemeClr val="lt1"/>
-          </a:fontRef>
-        </p:style>
-        <p:txBody>
-          <a:bodyPr vert="horz" wrap="square" lIns="91440" tIns="45720" rIns="91440" bIns="45720" numCol="1" anchor="ctr">
-            <a:noAutofit/>
-          </a:bodyPr>
-          <a:lstStyle/>
-          <a:p>
-            <a:pPr marL="0" indent="0" algn="ctr" latinLnBrk="0">
-              <a:buFontTx/>
-              <a:buNone/>
-              <a:defRPr/>
-            </a:pPr>
-            <a:endParaRPr lang="ko-KR" altLang="en-US"/>
-          </a:p>
-        </p:txBody>
-      </p:sp>
-      <p:grpSp>
-        <p:nvGrpSpPr>
-          <p:cNvPr id="7" name="그룹 5"/>
-          <p:cNvGrpSpPr/>
-          <p:nvPr/>
-        </p:nvGrpSpPr>
-        <p:grpSpPr>
-          <a:xfrm>
-            <a:off x="3943350" y="2644140"/>
-            <a:ext cx="4305300" cy="1569720"/>
-            <a:chOff x="3943350" y="2644140"/>
-            <a:chExt cx="4305300" cy="1569720"/>
-          </a:xfrm>
-        </p:grpSpPr>
-        <p:sp>
-          <p:nvSpPr>
-            <p:cNvPr id="8" name="TextBox 2"/>
-            <p:cNvSpPr txBox="1"/>
-            <p:nvPr/>
-          </p:nvSpPr>
-          <p:spPr>
-            <a:xfrm>
-              <a:off x="4514850" y="3567430"/>
-              <a:ext cx="3162300" cy="646430"/>
-            </a:xfrm>
-            <a:prstGeom prst="rect">
-              <a:avLst/>
-            </a:prstGeom>
-            <a:noFill/>
-            <a:scene3d>
-              <a:camera prst="obliqueTopLeft"/>
-              <a:lightRig rig="threePt" dir="t"/>
-            </a:scene3d>
-          </p:spPr>
-          <p:txBody>
-            <a:bodyPr wrap="square">
-              <a:spAutoFit/>
-            </a:bodyPr>
-            <a:lstStyle/>
-            <a:p>
-              <a:pPr marL="0" indent="0" algn="ctr" defTabSz="914400" rtl="0" eaLnBrk="1" latinLnBrk="1" hangingPunct="1">
-                <a:lnSpc>
-                  <a:spcPct val="100000"/>
-                </a:lnSpc>
-                <a:spcBef>
-                  <a:spcPct val="0"/>
-                </a:spcBef>
-                <a:spcAft>
-                  <a:spcPts val="0"/>
-                </a:spcAft>
-                <a:buNone/>
-                <a:defRPr/>
-              </a:pPr>
-              <a:r>
-                <a:rPr kumimoji="0" lang="ko-KR" altLang="en-US" sz="3600" b="1" i="0" u="none" strike="noStrike" kern="1200" cap="none" spc="-150" normalizeH="0" baseline="0" dirty="0">
-                  <a:solidFill>
-                    <a:srgbClr val="FFFFFF"/>
-                  </a:solidFill>
-                  <a:latin typeface="-윤디자인웹돋움"/>
-                  <a:ea typeface="-윤디자인웹돋움"/>
-                </a:rPr>
-                <a:t>감사합니다 </a:t>
-              </a:r>
-              <a:r>
-                <a:rPr kumimoji="0" lang="en-US" altLang="ko-KR" sz="3600" b="1" i="0" u="none" strike="noStrike" kern="1200" cap="none" spc="-150" normalizeH="0" baseline="0" dirty="0">
-                  <a:solidFill>
-                    <a:srgbClr val="FFFFFF"/>
-                  </a:solidFill>
-                  <a:latin typeface="-윤디자인웹돋움"/>
-                  <a:ea typeface="-윤디자인웹돋움"/>
-                </a:rPr>
-                <a:t> </a:t>
-              </a:r>
-              <a:endParaRPr kumimoji="0" lang="ko-KR" altLang="en-US" sz="3600" b="1" i="0" u="none" strike="noStrike" kern="1200" cap="none" spc="-150" normalizeH="0" baseline="0" dirty="0">
-                <a:solidFill>
-                  <a:srgbClr val="FFFFFF"/>
-                </a:solidFill>
-                <a:latin typeface="-윤디자인웹돋움"/>
-                <a:ea typeface="-윤디자인웹돋움"/>
-              </a:endParaRPr>
-            </a:p>
-          </p:txBody>
-        </p:sp>
-        <p:sp>
-          <p:nvSpPr>
-            <p:cNvPr id="9" name="TextBox 4"/>
-            <p:cNvSpPr txBox="1"/>
-            <p:nvPr/>
-          </p:nvSpPr>
-          <p:spPr>
-            <a:xfrm>
-              <a:off x="3943350" y="2644140"/>
-              <a:ext cx="4305300" cy="923290"/>
-            </a:xfrm>
-            <a:prstGeom prst="rect">
-              <a:avLst/>
-            </a:prstGeom>
-            <a:noFill/>
-            <a:scene3d>
-              <a:camera prst="obliqueTopLeft"/>
-              <a:lightRig rig="threePt" dir="t"/>
-            </a:scene3d>
-          </p:spPr>
-          <p:txBody>
-            <a:bodyPr wrap="square">
-              <a:spAutoFit/>
-            </a:bodyPr>
-            <a:lstStyle/>
-            <a:p>
-              <a:pPr marL="0" indent="0" algn="ctr" defTabSz="914400" rtl="0" eaLnBrk="1" latinLnBrk="1" hangingPunct="1">
-                <a:lnSpc>
-                  <a:spcPct val="100000"/>
-                </a:lnSpc>
-                <a:spcBef>
-                  <a:spcPct val="0"/>
-                </a:spcBef>
-                <a:spcAft>
-                  <a:spcPts val="0"/>
-                </a:spcAft>
-                <a:buNone/>
-                <a:defRPr/>
-              </a:pPr>
-              <a:r>
-                <a:rPr kumimoji="0" lang="en-US" altLang="ko-KR" sz="5400" b="1" i="0" u="none" strike="noStrike" kern="1200" cap="none" spc="0" normalizeH="0" baseline="0">
-                  <a:solidFill>
-                    <a:srgbClr val="FFC000"/>
-                  </a:solidFill>
-                  <a:latin typeface="-윤고딕360"/>
-                  <a:ea typeface="-윤고딕360"/>
-                </a:rPr>
-                <a:t>Thank You </a:t>
-              </a:r>
-              <a:endParaRPr kumimoji="0" lang="ko-KR" altLang="en-US" sz="5400" b="1" i="0" u="none" strike="noStrike" kern="1200" cap="none" spc="0" normalizeH="0" baseline="0">
-                <a:solidFill>
-                  <a:srgbClr val="FFC000"/>
-                </a:solidFill>
-                <a:latin typeface="-윤고딕360"/>
-                <a:ea typeface="-윤고딕360"/>
-              </a:endParaRPr>
-            </a:p>
-          </p:txBody>
-        </p:sp>
-      </p:grpSp>
-    </p:spTree>
-    <p:extLst>
-      <p:ext uri="{BB962C8B-B14F-4D97-AF65-F5344CB8AC3E}">
-        <p14:creationId xmlns:p14="http://schemas.microsoft.com/office/powerpoint/2010/main" val="2189074628"/>
-      </p:ext>
-    </p:extLst>
-  </p:cSld>
-  <p:clrMapOvr>
-    <a:masterClrMapping/>
-  </p:clrMapOvr>
-  <mc:AlternateContent xmlns:mc="http://schemas.openxmlformats.org/markup-compatibility/2006" xmlns:p14="http://schemas.microsoft.com/office/powerpoint/2010/main">
-    <mc:Choice Requires="p14">
-      <p:transition spd="med" p14:dur="700">
-        <p:fade/>
-      </p:transition>
-    </mc:Choice>
-    <mc:Fallback xmlns="">
-      <p:transition spd="slow">
-        <p:fade/>
       </p:transition>
     </mc:Fallback>
   </mc:AlternateContent>
@@ -27263,16 +24355,15 @@
 </file>
 
 <file path=ppt/slides/slide5.xml><?xml version="1.0" encoding="utf-8"?>
-<p:sld xmlns:a="http://schemas.openxmlformats.org/drawingml/2006/main" xmlns:r="http://schemas.openxmlformats.org/officeDocument/2006/relationships" xmlns:p="http://schemas.openxmlformats.org/presentationml/2006/main">
+<p:sld xmlns:r="http://schemas.openxmlformats.org/officeDocument/2006/relationships" xmlns:c="http://schemas.openxmlformats.org/drawingml/2006/chart" xmlns:a="http://schemas.openxmlformats.org/drawingml/2006/main" xmlns:dgm="http://schemas.openxmlformats.org/drawingml/2006/diagram" xmlns:dsp="http://schemas.microsoft.com/office/drawing/2008/diagram" xmlns:p="http://schemas.openxmlformats.org/presentationml/2006/main">
   <p:cSld>
     <p:bg>
-      <p:bgPr>
+      <p:bgPr shadeToTitle="0">
         <a:solidFill>
           <a:schemeClr val="bg2">
             <a:lumMod val="25000"/>
           </a:schemeClr>
         </a:solidFill>
-        <a:effectLst/>
       </p:bgPr>
     </p:bg>
     <p:spTree>
@@ -27296,7 +24387,7 @@
           <p:nvPr/>
         </p:nvGrpSpPr>
         <p:grpSpPr>
-          <a:xfrm>
+          <a:xfrm rot="0">
             <a:off x="334645" y="283845"/>
             <a:ext cx="4782820" cy="583565"/>
             <a:chOff x="334645" y="283845"/>
@@ -27306,9 +24397,7 @@
         <p:sp>
           <p:nvSpPr>
             <p:cNvPr id="26" name="직사각형 25"/>
-            <p:cNvSpPr>
-              <a:spLocks/>
-            </p:cNvSpPr>
+            <p:cNvSpPr/>
             <p:nvPr/>
           </p:nvSpPr>
           <p:spPr>
@@ -27320,15 +24409,14 @@
               <a:avLst/>
             </a:prstGeom>
             <a:solidFill>
-              <a:srgbClr val="D1D1D1"/>
+              <a:srgbClr val="d1d1d1"/>
             </a:solidFill>
             <a:ln w="0">
               <a:noFill/>
-              <a:prstDash/>
             </a:ln>
           </p:spPr>
           <p:txBody>
-            <a:bodyPr vert="horz" wrap="square" lIns="91440" tIns="45720" rIns="91440" bIns="45720" numCol="1" anchor="ctr">
+            <a:bodyPr vert="horz" wrap="square" lIns="91440" tIns="45720" rIns="91440" bIns="45720" anchor="ctr">
               <a:noAutofit/>
             </a:bodyPr>
             <a:lstStyle/>
@@ -27349,11 +24437,11 @@
               </a:pPr>
               <a:endParaRPr lang="ko-KR" altLang="en-US" sz="1800" b="0" i="0" strike="noStrike" cap="none">
                 <a:solidFill>
-                  <a:srgbClr val="FFFFFF"/>
+                  <a:srgbClr val="ffffff"/>
                 </a:solidFill>
-                <a:latin typeface="맑은 고딕" charset="0"/>
-                <a:ea typeface="맑은 고딕" charset="0"/>
-                <a:cs typeface="맑은 고딕" charset="0"/>
+                <a:latin typeface="맑은 고딕"/>
+                <a:ea typeface="맑은 고딕"/>
+                <a:cs typeface="맑은 고딕"/>
               </a:endParaRPr>
             </a:p>
           </p:txBody>
@@ -27361,9 +24449,7 @@
         <p:sp>
           <p:nvSpPr>
             <p:cNvPr id="27" name="TextBox 26"/>
-            <p:cNvSpPr txBox="1">
-              <a:spLocks/>
-            </p:cNvSpPr>
+            <p:cNvSpPr txBox="1"/>
             <p:nvPr/>
           </p:nvSpPr>
           <p:spPr>
@@ -27376,7 +24462,7 @@
             </a:prstGeom>
           </p:spPr>
           <p:txBody>
-            <a:bodyPr vert="horz" wrap="square" lIns="91440" tIns="45720" rIns="91440" bIns="45720" numCol="1" anchor="t">
+            <a:bodyPr vert="horz" wrap="square" lIns="91440" tIns="45720" rIns="91440" bIns="45720" anchor="t">
               <a:spAutoFit/>
             </a:bodyPr>
             <a:lstStyle/>
@@ -27399,9 +24485,9 @@
                 <a:solidFill>
                   <a:srgbClr val="000000"/>
                 </a:solidFill>
-                <a:latin typeface="맑은 고딕" charset="0"/>
-                <a:ea typeface="맑은 고딕" charset="0"/>
-                <a:cs typeface="맑은 고딕" charset="0"/>
+                <a:latin typeface="맑은 고딕"/>
+                <a:ea typeface="맑은 고딕"/>
+                <a:cs typeface="맑은 고딕"/>
               </a:endParaRPr>
             </a:p>
           </p:txBody>
@@ -27409,9 +24495,7 @@
         <p:sp>
           <p:nvSpPr>
             <p:cNvPr id="28" name="TextBox 27"/>
-            <p:cNvSpPr txBox="1">
-              <a:spLocks/>
-            </p:cNvSpPr>
+            <p:cNvSpPr txBox="1"/>
             <p:nvPr/>
           </p:nvSpPr>
           <p:spPr>
@@ -27424,7 +24508,7 @@
             </a:prstGeom>
           </p:spPr>
           <p:txBody>
-            <a:bodyPr vert="horz" wrap="square" lIns="91440" tIns="45720" rIns="91440" bIns="45720" numCol="1" anchor="t">
+            <a:bodyPr vert="horz" wrap="square" lIns="91440" tIns="45720" rIns="91440" bIns="45720" anchor="t">
               <a:spAutoFit/>
             </a:bodyPr>
             <a:lstStyle/>
@@ -27442,11 +24526,18 @@
                   <a:solidFill>
                     <a:srgbClr val="000000"/>
                   </a:solidFill>
-                  <a:latin typeface="맑은 고딕" charset="0"/>
-                  <a:ea typeface="맑은 고딕" charset="0"/>
+                  <a:latin typeface="맑은 고딕"/>
+                  <a:ea typeface="맑은 고딕"/>
                 </a:rPr>
                 <a:t>주요 기술요소</a:t>
               </a:r>
+              <a:endParaRPr lang="ko-KR" altLang="en-US" sz="3200" b="1">
+                <a:solidFill>
+                  <a:srgbClr val="000000"/>
+                </a:solidFill>
+                <a:latin typeface="맑은 고딕"/>
+                <a:ea typeface="맑은 고딕"/>
+              </a:endParaRPr>
             </a:p>
           </p:txBody>
         </p:sp>
@@ -27454,9 +24545,7 @@
       <p:sp>
         <p:nvSpPr>
           <p:cNvPr id="30" name="텍스트 상자 34"/>
-          <p:cNvSpPr txBox="1">
-            <a:spLocks/>
-          </p:cNvSpPr>
+          <p:cNvSpPr txBox="1"/>
           <p:nvPr/>
         </p:nvSpPr>
         <p:spPr>
@@ -27475,26 +24564,20 @@
           </a:bodyPr>
           <a:lstStyle/>
           <a:p>
-            <a:pPr marL="0" indent="0" algn="l" hangingPunct="1"/>
-            <a:r>
-              <a:rPr lang="en-US" sz="3200" b="1" dirty="0" smtClean="0"/>
+            <a:pPr marL="0" indent="0" algn="l" hangingPunct="1">
+              <a:defRPr/>
+            </a:pPr>
+            <a:r>
+              <a:rPr lang="en-US" sz="3200" b="1"/>
               <a:t>    </a:t>
             </a:r>
             <a:r>
-              <a:rPr sz="3200" b="1" dirty="0" smtClean="0"/>
-              <a:t>1</a:t>
-            </a:r>
-            <a:r>
-              <a:rPr sz="3200" b="1" dirty="0"/>
-              <a:t>) MVC </a:t>
-            </a:r>
-            <a:r>
-              <a:rPr sz="3200" b="1" dirty="0" err="1"/>
-              <a:t>패턴</a:t>
-            </a:r>
-            <a:endParaRPr lang="ko-KR" altLang="en-US" sz="3200" dirty="0">
-              <a:latin typeface="맑은 고딕" charset="0"/>
-              <a:ea typeface="맑은 고딕" charset="0"/>
+              <a:rPr sz="3200" b="1"/>
+              <a:t>1) MVC 패턴</a:t>
+            </a:r>
+            <a:endParaRPr lang="ko-KR" altLang="en-US" sz="3200">
+              <a:latin typeface="맑은 고딕"/>
+              <a:ea typeface="맑은 고딕"/>
             </a:endParaRPr>
           </a:p>
         </p:txBody>
@@ -27502,9 +24585,7 @@
       <p:sp>
         <p:nvSpPr>
           <p:cNvPr id="31" name="텍스트 상자 35"/>
-          <p:cNvSpPr txBox="1">
-            <a:spLocks/>
-          </p:cNvSpPr>
+          <p:cNvSpPr txBox="1"/>
           <p:nvPr/>
         </p:nvSpPr>
         <p:spPr>
@@ -27523,42 +24604,28 @@
           </a:bodyPr>
           <a:lstStyle/>
           <a:p>
-            <a:pPr marL="0" indent="0" algn="l" hangingPunct="1"/>
-            <a:r>
-              <a:rPr lang="en-US" sz="3200" b="1" dirty="0" smtClean="0"/>
+            <a:pPr marL="0" indent="0" algn="l" hangingPunct="1">
+              <a:defRPr/>
+            </a:pPr>
+            <a:r>
+              <a:rPr lang="en-US" sz="3200" b="1"/>
               <a:t>    </a:t>
             </a:r>
             <a:r>
-              <a:rPr sz="3200" b="1" dirty="0" smtClean="0"/>
-              <a:t>2</a:t>
-            </a:r>
-            <a:r>
-              <a:rPr sz="3200" b="1" dirty="0"/>
-              <a:t>) </a:t>
-            </a:r>
-            <a:r>
-              <a:rPr sz="3200" b="1" dirty="0" smtClean="0"/>
-              <a:t>O</a:t>
-            </a:r>
-            <a:r>
-              <a:rPr lang="en-US" sz="3200" b="1" dirty="0" smtClean="0"/>
+              <a:rPr sz="3200" b="1"/>
+              <a:t>2) O</a:t>
+            </a:r>
+            <a:r>
+              <a:rPr lang="en-US" sz="3200" b="1"/>
               <a:t>pen</a:t>
             </a:r>
             <a:r>
-              <a:rPr sz="3200" b="1" dirty="0" smtClean="0"/>
-              <a:t> </a:t>
-            </a:r>
-            <a:r>
-              <a:rPr sz="3200" b="1" dirty="0"/>
-              <a:t>API </a:t>
-            </a:r>
-            <a:r>
-              <a:rPr sz="3200" b="1" dirty="0" err="1"/>
-              <a:t>파싱</a:t>
-            </a:r>
-            <a:endParaRPr lang="ko-KR" altLang="en-US" sz="3200" dirty="0">
-              <a:latin typeface="맑은 고딕" charset="0"/>
-              <a:ea typeface="맑은 고딕" charset="0"/>
+              <a:rPr sz="3200" b="1"/>
+              <a:t> API 파싱</a:t>
+            </a:r>
+            <a:endParaRPr lang="ko-KR" altLang="en-US" sz="3200">
+              <a:latin typeface="맑은 고딕"/>
+              <a:ea typeface="맑은 고딕"/>
             </a:endParaRPr>
           </a:p>
         </p:txBody>
@@ -27566,9 +24633,7 @@
       <p:sp>
         <p:nvSpPr>
           <p:cNvPr id="32" name="텍스트 상자 36"/>
-          <p:cNvSpPr txBox="1">
-            <a:spLocks/>
-          </p:cNvSpPr>
+          <p:cNvSpPr txBox="1"/>
           <p:nvPr/>
         </p:nvSpPr>
         <p:spPr>
@@ -27587,34 +24652,20 @@
           </a:bodyPr>
           <a:lstStyle/>
           <a:p>
-            <a:pPr marL="0" indent="0" algn="l" hangingPunct="1"/>
-            <a:r>
-              <a:rPr lang="en-US" sz="3200" b="1" dirty="0" smtClean="0"/>
+            <a:pPr marL="0" indent="0" algn="l" hangingPunct="1">
+              <a:defRPr/>
+            </a:pPr>
+            <a:r>
+              <a:rPr lang="en-US" sz="3200" b="1"/>
               <a:t>    </a:t>
             </a:r>
             <a:r>
-              <a:rPr sz="3200" b="1" dirty="0" smtClean="0"/>
-              <a:t>3</a:t>
-            </a:r>
-            <a:r>
-              <a:rPr sz="3200" b="1" dirty="0"/>
-              <a:t>) </a:t>
-            </a:r>
-            <a:r>
-              <a:rPr sz="3200" b="1" dirty="0" err="1"/>
-              <a:t>로또추첨</a:t>
-            </a:r>
-            <a:r>
-              <a:rPr sz="3200" b="1" dirty="0"/>
-              <a:t> </a:t>
-            </a:r>
-            <a:r>
-              <a:rPr sz="3200" b="1" dirty="0" err="1"/>
-              <a:t>알고리즘</a:t>
-            </a:r>
-            <a:endParaRPr lang="ko-KR" altLang="en-US" sz="3200" dirty="0">
-              <a:latin typeface="맑은 고딕" charset="0"/>
-              <a:ea typeface="맑은 고딕" charset="0"/>
+              <a:rPr sz="3200" b="1"/>
+              <a:t>3) 로또추첨 알고리즘</a:t>
+            </a:r>
+            <a:endParaRPr lang="ko-KR" altLang="en-US" sz="3200">
+              <a:latin typeface="맑은 고딕"/>
+              <a:ea typeface="맑은 고딕"/>
             </a:endParaRPr>
           </a:p>
         </p:txBody>
@@ -27622,9 +24673,7 @@
       <p:sp>
         <p:nvSpPr>
           <p:cNvPr id="33" name="도형 37"/>
-          <p:cNvSpPr>
-            <a:spLocks/>
-          </p:cNvSpPr>
+          <p:cNvSpPr/>
           <p:nvPr/>
         </p:nvSpPr>
         <p:spPr>
@@ -27669,13 +24718,15 @@
           </a:bodyPr>
           <a:lstStyle/>
           <a:p>
-            <a:pPr marL="0" indent="0" algn="ctr" hangingPunct="1"/>
+            <a:pPr marL="0" indent="0" algn="ctr" hangingPunct="1">
+              <a:defRPr/>
+            </a:pPr>
             <a:endParaRPr lang="ko-KR" altLang="en-US" sz="1800">
               <a:solidFill>
                 <a:schemeClr val="bg1"/>
               </a:solidFill>
-              <a:latin typeface="맑은 고딕" charset="0"/>
-              <a:ea typeface="맑은 고딕" charset="0"/>
+              <a:latin typeface="맑은 고딕"/>
+              <a:ea typeface="맑은 고딕"/>
             </a:endParaRPr>
           </a:p>
         </p:txBody>
@@ -27683,9 +24734,7 @@
       <p:sp>
         <p:nvSpPr>
           <p:cNvPr id="34" name="도형 41"/>
-          <p:cNvSpPr>
-            <a:spLocks/>
-          </p:cNvSpPr>
+          <p:cNvSpPr/>
           <p:nvPr/>
         </p:nvSpPr>
         <p:spPr>
@@ -27730,10 +24779,12 @@
           </a:bodyPr>
           <a:lstStyle/>
           <a:p>
-            <a:pPr marL="0" indent="0" algn="ctr" hangingPunct="1"/>
+            <a:pPr marL="0" indent="0" algn="ctr" hangingPunct="1">
+              <a:defRPr/>
+            </a:pPr>
             <a:endParaRPr lang="ko-KR" altLang="en-US" sz="1800">
-              <a:latin typeface="맑은 고딕" charset="0"/>
-              <a:ea typeface="맑은 고딕" charset="0"/>
+              <a:latin typeface="맑은 고딕"/>
+              <a:ea typeface="맑은 고딕"/>
             </a:endParaRPr>
           </a:p>
         </p:txBody>
@@ -27741,9 +24792,7 @@
       <p:sp>
         <p:nvSpPr>
           <p:cNvPr id="35" name="도형 46"/>
-          <p:cNvSpPr>
-            <a:spLocks/>
-          </p:cNvSpPr>
+          <p:cNvSpPr/>
           <p:nvPr/>
         </p:nvSpPr>
         <p:spPr>
@@ -27788,10 +24837,12 @@
           </a:bodyPr>
           <a:lstStyle/>
           <a:p>
-            <a:pPr marL="0" indent="0" algn="ctr" hangingPunct="1"/>
+            <a:pPr marL="0" indent="0" algn="ctr" hangingPunct="1">
+              <a:defRPr/>
+            </a:pPr>
             <a:endParaRPr lang="ko-KR" altLang="en-US" sz="1800">
-              <a:latin typeface="맑은 고딕" charset="0"/>
-              <a:ea typeface="맑은 고딕" charset="0"/>
+              <a:latin typeface="맑은 고딕"/>
+              <a:ea typeface="맑은 고딕"/>
             </a:endParaRPr>
           </a:p>
         </p:txBody>
@@ -27799,9 +24850,7 @@
       <p:sp>
         <p:nvSpPr>
           <p:cNvPr id="36" name="도형 49"/>
-          <p:cNvSpPr>
-            <a:spLocks/>
-          </p:cNvSpPr>
+          <p:cNvSpPr/>
           <p:nvPr/>
         </p:nvSpPr>
         <p:spPr>
@@ -27846,36 +24895,26 @@
           </a:bodyPr>
           <a:lstStyle/>
           <a:p>
-            <a:pPr marL="0" indent="0" algn="ctr" hangingPunct="1"/>
+            <a:pPr marL="0" indent="0" algn="ctr" hangingPunct="1">
+              <a:defRPr/>
+            </a:pPr>
             <a:endParaRPr lang="ko-KR" altLang="en-US" sz="1800">
-              <a:latin typeface="맑은 고딕" charset="0"/>
-              <a:ea typeface="맑은 고딕" charset="0"/>
+              <a:latin typeface="맑은 고딕"/>
+              <a:ea typeface="맑은 고딕"/>
             </a:endParaRPr>
           </a:p>
         </p:txBody>
       </p:sp>
       <p:pic>
         <p:nvPicPr>
-          <p:cNvPr id="2" name="그림 97" descr="C:/Users/최병혁/AppData/Roaming/PolarisOffice/ETemp/10256_14592632/fImage21220549441.png">
-            <a:extLst>
-              <a:ext uri="{FF2B5EF4-FFF2-40B4-BE49-F238E27FC236}">
-                <a16:creationId xmlns:a16="http://schemas.microsoft.com/office/drawing/2014/main" id="{78BCFE05-EA53-0694-56C1-1E6394A266B4}"/>
-              </a:ext>
-            </a:extLst>
-          </p:cNvPr>
+          <p:cNvPr id="2" name="그림 97" descr="C:/Users/최병혁/AppData/Roaming/PolarisOffice/ETemp/10256_14592632/fImage21220549441.png"/>
           <p:cNvPicPr>
             <a:picLocks noChangeAspect="1"/>
           </p:cNvPicPr>
           <p:nvPr/>
         </p:nvPicPr>
         <p:blipFill rotWithShape="1">
-          <a:blip r:embed="rId3" cstate="print">
-            <a:extLst>
-              <a:ext uri="{28A0092B-C50C-407E-A947-70E740481C1C}">
-                <a14:useLocalDpi xmlns:a14="http://schemas.microsoft.com/office/drawing/2010/main" val="0"/>
-              </a:ext>
-            </a:extLst>
-          </a:blip>
+          <a:blip r:embed="rId3"/>
           <a:stretch>
             <a:fillRect/>
           </a:stretch>
@@ -27891,33 +24930,28 @@
           <a:noFill/>
           <a:ln w="12700" cap="flat" cmpd="sng">
             <a:solidFill>
-              <a:srgbClr val="FFFFFF">
+              <a:srgbClr val="ffffff">
                 <a:alpha val="100000"/>
               </a:srgbClr>
             </a:solidFill>
             <a:prstDash val="solid"/>
-            <a:miter lim="800000"/>
+            <a:miter/>
           </a:ln>
         </p:spPr>
       </p:pic>
     </p:spTree>
-    <p:extLst>
-      <p:ext uri="{BB962C8B-B14F-4D97-AF65-F5344CB8AC3E}">
-        <p14:creationId xmlns:p14="http://schemas.microsoft.com/office/powerpoint/2010/main" val="1011211189"/>
-      </p:ext>
-    </p:extLst>
   </p:cSld>
   <p:clrMapOvr>
     <a:masterClrMapping/>
   </p:clrMapOvr>
-  <mc:AlternateContent xmlns:mc="http://schemas.openxmlformats.org/markup-compatibility/2006" xmlns:p14="http://schemas.microsoft.com/office/powerpoint/2010/main">
-    <mc:Choice Requires="p14">
-      <p:transition spd="med" p14:dur="700">
+  <mc:AlternateContent xmlns:mc="http://schemas.openxmlformats.org/markup-compatibility/2006">
+    <mc:Choice xmlns:p14="http://schemas.microsoft.com/office/powerpoint/2010/main" Requires="p14">
+      <p:transition xmlns:mc="http://schemas.openxmlformats.org/markup-compatibility/2006" xmlns:p14="http://schemas.microsoft.com/office/powerpoint/2010/main" mc:Ignorable="p14" p14:dur="700">
         <p:fade/>
       </p:transition>
     </mc:Choice>
-    <mc:Fallback xmlns="">
-      <p:transition spd="slow">
+    <mc:Fallback>
+      <p:transition xmlns:mc="http://schemas.openxmlformats.org/markup-compatibility/2006" xmlns:hp="http://schemas.haansoft.com/office/presentation/8.0" mc:Ignorable="hp" hp:hslDur="700">
         <p:fade/>
       </p:transition>
     </mc:Fallback>
@@ -27933,7 +24967,7 @@
 </file>
 
 <file path=ppt/slides/slide6.xml><?xml version="1.0" encoding="utf-8"?>
-<p:sld xmlns:a="http://schemas.openxmlformats.org/drawingml/2006/main" xmlns:r="http://schemas.openxmlformats.org/officeDocument/2006/relationships" xmlns:p="http://schemas.openxmlformats.org/presentationml/2006/main">
+<p:sld xmlns:r="http://schemas.openxmlformats.org/officeDocument/2006/relationships" xmlns:c="http://schemas.openxmlformats.org/drawingml/2006/chart" xmlns:a="http://schemas.openxmlformats.org/drawingml/2006/main" xmlns:dgm="http://schemas.openxmlformats.org/drawingml/2006/diagram" xmlns:dsp="http://schemas.microsoft.com/office/drawing/2008/diagram" xmlns:p="http://schemas.openxmlformats.org/presentationml/2006/main">
   <p:cSld>
     <p:spTree>
       <p:nvGrpSpPr>
@@ -27956,7 +24990,7 @@
           <p:nvPr/>
         </p:nvGrpSpPr>
         <p:grpSpPr>
-          <a:xfrm>
+          <a:xfrm rot="0">
             <a:off x="201295" y="344170"/>
             <a:ext cx="3599180" cy="845314"/>
             <a:chOff x="201295" y="344170"/>
@@ -27978,7 +25012,7 @@
               <a:avLst/>
             </a:prstGeom>
             <a:solidFill>
-              <a:srgbClr val="D1D1D1">
+              <a:srgbClr val="d1d1d1">
                 <a:alpha val="100000"/>
               </a:srgbClr>
             </a:solidFill>
@@ -28007,7 +25041,7 @@
               </a:pPr>
               <a:endParaRPr kumimoji="0" lang="ko-KR" altLang="en-US" sz="1800" b="0" i="0" u="none" strike="noStrike" kern="1200" cap="none" spc="0" normalizeH="0" baseline="0">
                 <a:solidFill>
-                  <a:srgbClr val="FFFFFF"/>
+                  <a:srgbClr val="ffffff"/>
                 </a:solidFill>
                 <a:latin typeface="맑은 고딕"/>
                 <a:ea typeface="맑은 고딕"/>
@@ -28051,7 +25085,7 @@
                 <a:defRPr/>
               </a:pPr>
               <a:r>
-                <a:rPr lang="ko-KR" altLang="en-US" sz="1500" dirty="0" smtClean="0">
+                <a:rPr lang="ko-KR" altLang="en-US" sz="1500">
                   <a:solidFill>
                     <a:srgbClr val="000000"/>
                   </a:solidFill>
@@ -28061,7 +25095,7 @@
                 </a:rPr>
                 <a:t>주요 기술 요소</a:t>
               </a:r>
-              <a:endParaRPr kumimoji="0" lang="ko-KR" altLang="en-US" sz="1500" b="0" i="0" u="none" strike="noStrike" kern="1200" cap="none" spc="0" normalizeH="0" baseline="0" dirty="0">
+              <a:endParaRPr kumimoji="0" lang="ko-KR" altLang="en-US" sz="1500" b="0" i="0" u="none" strike="noStrike" kern="1200" cap="none" spc="0" normalizeH="0" baseline="0">
                 <a:solidFill>
                   <a:srgbClr val="000000"/>
                 </a:solidFill>
@@ -28107,7 +25141,7 @@
                 <a:defRPr/>
               </a:pPr>
               <a:r>
-                <a:rPr lang="ko-KR" altLang="en-US" sz="2900" b="1" dirty="0">
+                <a:rPr lang="ko-KR" altLang="en-US" sz="2900" b="1">
                   <a:solidFill>
                     <a:srgbClr val="000000"/>
                   </a:solidFill>
@@ -28118,7 +25152,7 @@
                 <a:t>전체</a:t>
               </a:r>
               <a:r>
-                <a:rPr kumimoji="0" lang="ko-KR" altLang="en-US" sz="2900" b="1" i="0" u="none" strike="noStrike" kern="1200" cap="none" spc="0" normalizeH="0" baseline="0" dirty="0">
+                <a:rPr kumimoji="0" lang="ko-KR" altLang="en-US" sz="2900" b="1" i="0" u="none" strike="noStrike" kern="1200" cap="none" spc="0" normalizeH="0" baseline="0">
                   <a:solidFill>
                     <a:srgbClr val="000000"/>
                   </a:solidFill>
@@ -28126,20 +25160,9 @@
                   <a:ea typeface="맑은 고딕"/>
                   <a:cs typeface="맑은 고딕"/>
                 </a:rPr>
-                <a:t> </a:t>
+                <a:t> 구조도</a:t>
               </a:r>
-              <a:r>
-                <a:rPr kumimoji="0" lang="ko-KR" altLang="en-US" sz="2900" b="1" i="0" u="none" strike="noStrike" kern="1200" cap="none" spc="0" normalizeH="0" baseline="0" dirty="0" smtClean="0">
-                  <a:solidFill>
-                    <a:srgbClr val="000000"/>
-                  </a:solidFill>
-                  <a:latin typeface="맑은 고딕"/>
-                  <a:ea typeface="맑은 고딕"/>
-                  <a:cs typeface="맑은 고딕"/>
-                </a:rPr>
-                <a:t>구조도</a:t>
-              </a:r>
-              <a:endParaRPr kumimoji="0" lang="ko-KR" altLang="en-US" sz="2900" b="1" i="0" u="none" strike="noStrike" kern="1200" cap="none" spc="0" normalizeH="0" baseline="0" dirty="0">
+              <a:endParaRPr kumimoji="0" lang="ko-KR" altLang="en-US" sz="2900" b="1" i="0" u="none" strike="noStrike" kern="1200" cap="none" spc="0" normalizeH="0" baseline="0">
                 <a:solidFill>
                   <a:srgbClr val="000000"/>
                 </a:solidFill>
@@ -28159,7 +25182,7 @@
         </p:nvCxnSpPr>
         <p:spPr>
           <a:xfrm flipV="1">
-            <a:off x="7237095" y="3579207"/>
+            <a:off x="7360920" y="3807807"/>
             <a:ext cx="1313744" cy="9781"/>
           </a:xfrm>
           <a:prstGeom prst="straightConnector1">
@@ -28199,7 +25222,7 @@
         </p:nvCxnSpPr>
         <p:spPr>
           <a:xfrm>
-            <a:off x="7237095" y="4071545"/>
+            <a:off x="7360920" y="4300145"/>
             <a:ext cx="1370965" cy="697100"/>
           </a:xfrm>
           <a:prstGeom prst="straightConnector1">
@@ -28234,14 +25257,12 @@
       <p:cxnSp>
         <p:nvCxnSpPr>
           <p:cNvPr id="130" name="직선 화살표 연결선 29"/>
-          <p:cNvCxnSpPr>
-            <a:cxnSpLocks/>
-          </p:cNvCxnSpPr>
+          <p:cNvCxnSpPr/>
           <p:nvPr/>
         </p:nvCxnSpPr>
         <p:spPr>
           <a:xfrm flipV="1">
-            <a:off x="7237095" y="2439016"/>
+            <a:off x="7360920" y="2667616"/>
             <a:ext cx="1370965" cy="683931"/>
           </a:xfrm>
           <a:prstGeom prst="straightConnector1">
@@ -28276,15 +25297,13 @@
       <p:sp>
         <p:nvSpPr>
           <p:cNvPr id="138" name="TextBox 30"/>
-          <p:cNvSpPr txBox="1">
-            <a:spLocks/>
-          </p:cNvSpPr>
+          <p:cNvSpPr txBox="1"/>
           <p:nvPr/>
         </p:nvSpPr>
         <p:spPr>
           <a:xfrm>
-            <a:off x="416877" y="2982614"/>
-            <a:ext cx="2564765" cy="1170305"/>
+            <a:off x="540702" y="3211214"/>
+            <a:ext cx="2564765" cy="1149331"/>
           </a:xfrm>
           <a:prstGeom prst="rect">
             <a:avLst/>
@@ -28308,7 +25327,7 @@
           <a:sp3d/>
         </p:spPr>
         <p:txBody>
-          <a:bodyPr vert="horz" wrap="square" lIns="91440" tIns="45720" rIns="91440" bIns="45720" numCol="1" anchor="t">
+          <a:bodyPr vert="horz" wrap="square" lIns="91440" tIns="45720" rIns="91440" bIns="45720" anchor="t">
             <a:spAutoFit/>
           </a:bodyPr>
           <a:lstStyle/>
@@ -28319,51 +25338,41 @@
               <a:defRPr/>
             </a:pPr>
             <a:r>
-              <a:rPr lang="en-US" altLang="ko-KR" sz="3500" dirty="0">
+              <a:rPr lang="en-US" altLang="ko-KR" sz="3500">
                 <a:solidFill>
-                  <a:srgbClr val="FFFFFF"/>
+                  <a:srgbClr val="ffffff"/>
                 </a:solidFill>
-                <a:latin typeface="MV Boli" charset="0"/>
-                <a:cs typeface="MV Boli" charset="0"/>
+                <a:latin typeface="MV Boli"/>
+                <a:cs typeface="MV Boli"/>
               </a:rPr>
               <a:t>Lotto</a:t>
             </a:r>
             <a:r>
-              <a:rPr lang="ko-KR" altLang="en-US" sz="3500" dirty="0">
+              <a:rPr lang="ko-KR" altLang="en-US" sz="3500">
                 <a:solidFill>
-                  <a:srgbClr val="FFFFFF"/>
+                  <a:srgbClr val="ffffff"/>
                 </a:solidFill>
-                <a:latin typeface="MV Boli" charset="0"/>
-                <a:cs typeface="MV Boli" charset="0"/>
+                <a:latin typeface="MV Boli"/>
+                <a:cs typeface="MV Boli"/>
               </a:rPr>
               <a:t> </a:t>
             </a:r>
             <a:r>
-              <a:rPr lang="en-US" altLang="ko-KR" sz="3500" dirty="0">
+              <a:rPr lang="en-US" altLang="ko-KR" sz="3500">
                 <a:solidFill>
-                  <a:srgbClr val="FFFFFF"/>
+                  <a:srgbClr val="ffffff"/>
                 </a:solidFill>
-                <a:latin typeface="MV Boli" charset="0"/>
-                <a:cs typeface="MV Boli" charset="0"/>
+                <a:latin typeface="MV Boli"/>
+                <a:cs typeface="MV Boli"/>
               </a:rPr>
-              <a:t>C</a:t>
-            </a:r>
-            <a:r>
-              <a:rPr lang="en-US" altLang="ko-KR" sz="3500" dirty="0" smtClean="0">
-                <a:solidFill>
-                  <a:srgbClr val="FFFFFF"/>
-                </a:solidFill>
-                <a:latin typeface="MV Boli" charset="0"/>
-                <a:cs typeface="MV Boli" charset="0"/>
-              </a:rPr>
-              <a:t>ontroller</a:t>
-            </a:r>
-            <a:endParaRPr lang="ko-KR" altLang="en-US" sz="3500" dirty="0">
+              <a:t>Controller</a:t>
+            </a:r>
+            <a:endParaRPr lang="ko-KR" altLang="en-US" sz="3500">
               <a:solidFill>
-                <a:srgbClr val="FFFFFF"/>
+                <a:srgbClr val="ffffff"/>
               </a:solidFill>
-              <a:latin typeface="MV Boli" charset="0"/>
-              <a:cs typeface="MV Boli" charset="0"/>
+              <a:latin typeface="MV Boli"/>
+              <a:cs typeface="MV Boli"/>
             </a:endParaRPr>
           </a:p>
         </p:txBody>
@@ -28371,15 +25380,13 @@
       <p:sp>
         <p:nvSpPr>
           <p:cNvPr id="139" name="TextBox 30"/>
-          <p:cNvSpPr txBox="1">
-            <a:spLocks/>
-          </p:cNvSpPr>
+          <p:cNvSpPr txBox="1"/>
           <p:nvPr/>
         </p:nvSpPr>
         <p:spPr>
           <a:xfrm>
-            <a:off x="5323205" y="2977514"/>
-            <a:ext cx="1530985" cy="1170305"/>
+            <a:off x="5447030" y="3206114"/>
+            <a:ext cx="1530985" cy="1154431"/>
           </a:xfrm>
           <a:prstGeom prst="rect">
             <a:avLst/>
@@ -28403,7 +25410,7 @@
           <a:sp3d/>
         </p:spPr>
         <p:txBody>
-          <a:bodyPr vert="horz" wrap="square" lIns="91440" tIns="45720" rIns="91440" bIns="45720" numCol="1" anchor="t">
+          <a:bodyPr vert="horz" wrap="square" lIns="91440" tIns="45720" rIns="91440" bIns="45720" anchor="t">
             <a:spAutoFit/>
           </a:bodyPr>
           <a:lstStyle/>
@@ -28414,31 +25421,21 @@
               <a:defRPr/>
             </a:pPr>
             <a:r>
-              <a:rPr lang="en-US" altLang="ko-KR" sz="3500" dirty="0">
+              <a:rPr lang="en-US" altLang="ko-KR" sz="3500">
                 <a:solidFill>
-                  <a:srgbClr val="FFFFFF"/>
+                  <a:srgbClr val="ffffff"/>
                 </a:solidFill>
-                <a:latin typeface="MV Boli" charset="0"/>
-                <a:cs typeface="MV Boli" charset="0"/>
+                <a:latin typeface="MV Boli"/>
+                <a:cs typeface="MV Boli"/>
               </a:rPr>
-              <a:t>Lotto </a:t>
-            </a:r>
-            <a:r>
-              <a:rPr lang="en-US" altLang="ko-KR" sz="3500" dirty="0" smtClean="0">
-                <a:solidFill>
-                  <a:srgbClr val="FFFFFF"/>
-                </a:solidFill>
-                <a:latin typeface="MV Boli" charset="0"/>
-                <a:cs typeface="MV Boli" charset="0"/>
-              </a:rPr>
-              <a:t>View</a:t>
-            </a:r>
-            <a:endParaRPr lang="ko-KR" altLang="en-US" sz="3500" dirty="0">
+              <a:t>Lotto View</a:t>
+            </a:r>
+            <a:endParaRPr lang="ko-KR" altLang="en-US" sz="3500">
               <a:solidFill>
-                <a:srgbClr val="FFFFFF"/>
+                <a:srgbClr val="ffffff"/>
               </a:solidFill>
-              <a:latin typeface="MV Boli" charset="0"/>
-              <a:cs typeface="MV Boli" charset="0"/>
+              <a:latin typeface="MV Boli"/>
+              <a:cs typeface="MV Boli"/>
             </a:endParaRPr>
           </a:p>
         </p:txBody>
@@ -28446,14 +25443,152 @@
       <p:sp>
         <p:nvSpPr>
           <p:cNvPr id="140" name="TextBox 51"/>
-          <p:cNvSpPr txBox="1">
-            <a:spLocks/>
-          </p:cNvSpPr>
+          <p:cNvSpPr txBox="1"/>
           <p:nvPr/>
         </p:nvSpPr>
         <p:spPr>
           <a:xfrm>
-            <a:off x="9034145" y="1733247"/>
+            <a:off x="9157970" y="1964055"/>
+            <a:ext cx="1791335" cy="952832"/>
+          </a:xfrm>
+          <a:prstGeom prst="rect">
+            <a:avLst/>
+          </a:prstGeom>
+          <a:solidFill>
+            <a:schemeClr val="tx1">
+              <a:lumMod val="85000"/>
+              <a:lumOff val="15000"/>
+            </a:schemeClr>
+          </a:solidFill>
+          <a:effectLst>
+            <a:outerShdw blurRad="50800" dist="38100" dir="2700000" algn="tl" rotWithShape="0">
+              <a:srgbClr val="000000">
+                <a:alpha val="40000"/>
+              </a:srgbClr>
+            </a:outerShdw>
+          </a:effectLst>
+          <a:scene3d>
+            <a:camera prst="obliqueTopLeft"/>
+            <a:lightRig rig="threePt" dir="t"/>
+          </a:scene3d>
+          <a:sp3d/>
+        </p:spPr>
+        <p:txBody>
+          <a:bodyPr vert="horz" wrap="square" lIns="91440" tIns="45720" rIns="91440" bIns="45720" anchor="ctr">
+            <a:spAutoFit/>
+          </a:bodyPr>
+          <a:lstStyle/>
+          <a:p>
+            <a:pPr marL="0" indent="0" algn="ctr" latinLnBrk="0">
+              <a:buFontTx/>
+              <a:buNone/>
+              <a:defRPr/>
+            </a:pPr>
+            <a:r>
+              <a:rPr lang="en-US" altLang="ko-KR" sz="2800" b="1">
+                <a:solidFill>
+                  <a:srgbClr val="ffc000">
+                    <a:lumMod val="60000"/>
+                    <a:lumOff val="40000"/>
+                  </a:srgbClr>
+                </a:solidFill>
+                <a:latin typeface="MV Boli"/>
+                <a:cs typeface="MV Boli"/>
+              </a:rPr>
+              <a:t>Lotto Winnum</a:t>
+            </a:r>
+            <a:endParaRPr lang="ko-KR" altLang="en-US" sz="2800" b="1">
+              <a:solidFill>
+                <a:srgbClr val="ffc000">
+                  <a:lumMod val="60000"/>
+                  <a:lumOff val="40000"/>
+                </a:srgbClr>
+              </a:solidFill>
+              <a:latin typeface="MV Boli"/>
+              <a:cs typeface="MV Boli"/>
+            </a:endParaRPr>
+          </a:p>
+        </p:txBody>
+      </p:sp>
+      <p:sp>
+        <p:nvSpPr>
+          <p:cNvPr id="141" name="TextBox 51"/>
+          <p:cNvSpPr txBox="1"/>
+          <p:nvPr/>
+        </p:nvSpPr>
+        <p:spPr>
+          <a:xfrm>
+            <a:off x="9157970" y="3316605"/>
+            <a:ext cx="1791335" cy="954389"/>
+          </a:xfrm>
+          <a:prstGeom prst="rect">
+            <a:avLst/>
+          </a:prstGeom>
+          <a:solidFill>
+            <a:schemeClr val="tx1">
+              <a:lumMod val="85000"/>
+              <a:lumOff val="15000"/>
+            </a:schemeClr>
+          </a:solidFill>
+          <a:effectLst>
+            <a:outerShdw blurRad="50800" dist="38100" dir="2700000" algn="tl" rotWithShape="0">
+              <a:srgbClr val="000000">
+                <a:alpha val="40000"/>
+              </a:srgbClr>
+            </a:outerShdw>
+          </a:effectLst>
+          <a:scene3d>
+            <a:camera prst="obliqueTopLeft"/>
+            <a:lightRig rig="threePt" dir="t"/>
+          </a:scene3d>
+          <a:sp3d/>
+        </p:spPr>
+        <p:txBody>
+          <a:bodyPr vert="horz" wrap="square" lIns="91440" tIns="45720" rIns="91440" bIns="45720" anchor="ctr">
+            <a:spAutoFit/>
+          </a:bodyPr>
+          <a:lstStyle/>
+          <a:p>
+            <a:pPr marL="0" indent="0" algn="ctr" latinLnBrk="0">
+              <a:buFontTx/>
+              <a:buNone/>
+              <a:defRPr/>
+            </a:pPr>
+            <a:r>
+              <a:rPr lang="en-US" altLang="ko-KR" sz="2800" b="1">
+                <a:solidFill>
+                  <a:srgbClr val="ffc000">
+                    <a:lumMod val="60000"/>
+                    <a:lumOff val="40000"/>
+                  </a:srgbClr>
+                </a:solidFill>
+                <a:latin typeface="MV Boli"/>
+                <a:cs typeface="MV Boli"/>
+              </a:rPr>
+              <a:t>Lotto Draw</a:t>
+            </a:r>
+            <a:endParaRPr lang="ko-KR" altLang="en-US" sz="2800" b="1">
+              <a:solidFill>
+                <a:srgbClr val="ffc000">
+                  <a:lumMod val="60000"/>
+                  <a:lumOff val="40000"/>
+                </a:srgbClr>
+              </a:solidFill>
+              <a:latin typeface="MV Boli"/>
+              <a:cs typeface="MV Boli"/>
+            </a:endParaRPr>
+          </a:p>
+        </p:txBody>
+      </p:sp>
+      <p:sp>
+        <p:nvSpPr>
+          <p:cNvPr id="143" name="TextBox 51"/>
+          <p:cNvSpPr txBox="1"/>
+          <p:nvPr/>
+        </p:nvSpPr>
+        <p:spPr>
+          <a:xfrm>
+            <a:off x="9157969" y="4774490"/>
             <a:ext cx="1791335" cy="955040"/>
           </a:xfrm>
           <a:prstGeom prst="rect">
@@ -28479,7 +25614,7 @@
           <a:sp3d/>
         </p:spPr>
         <p:txBody>
-          <a:bodyPr vert="horz" wrap="square" lIns="91440" tIns="45720" rIns="91440" bIns="45720" numCol="1" anchor="ctr">
+          <a:bodyPr vert="horz" wrap="square" lIns="91440" tIns="45720" rIns="91440" bIns="45720" anchor="ctr">
             <a:spAutoFit/>
           </a:bodyPr>
           <a:lstStyle/>
@@ -28490,275 +25625,77 @@
               <a:defRPr/>
             </a:pPr>
             <a:r>
-              <a:rPr lang="en-US" altLang="ko-KR" sz="2800" b="1" dirty="0">
+              <a:rPr lang="en-US" altLang="ko-KR" sz="2800" b="1">
                 <a:solidFill>
-                  <a:srgbClr val="FFC000">
+                  <a:srgbClr val="ffc000">
                     <a:lumMod val="60000"/>
                     <a:lumOff val="40000"/>
                   </a:srgbClr>
                 </a:solidFill>
-                <a:latin typeface="MV Boli" charset="0"/>
-                <a:cs typeface="MV Boli" charset="0"/>
+                <a:latin typeface="MV Boli"/>
+                <a:cs typeface="MV Boli"/>
               </a:rPr>
-              <a:t>Lotto </a:t>
-            </a:r>
-            <a:r>
-              <a:rPr lang="en-US" altLang="ko-KR" sz="2800" b="1" dirty="0" err="1">
+              <a:t>Lotto</a:t>
+            </a:r>
+            <a:endParaRPr lang="en-US" altLang="ko-KR" sz="2800" b="1">
+              <a:solidFill>
+                <a:srgbClr val="ffc000">
+                  <a:lumMod val="60000"/>
+                  <a:lumOff val="40000"/>
+                </a:srgbClr>
+              </a:solidFill>
+              <a:latin typeface="MV Boli"/>
+              <a:cs typeface="MV Boli"/>
+            </a:endParaRPr>
+          </a:p>
+          <a:p>
+            <a:pPr marL="0" indent="0" algn="ctr" latinLnBrk="0">
+              <a:buFontTx/>
+              <a:buNone/>
+              <a:defRPr/>
+            </a:pPr>
+            <a:r>
+              <a:rPr lang="en-US" altLang="ko-KR" sz="2800" b="1">
                 <a:solidFill>
-                  <a:srgbClr val="FFC000">
+                  <a:srgbClr val="ffc000">
                     <a:lumMod val="60000"/>
                     <a:lumOff val="40000"/>
                   </a:srgbClr>
                 </a:solidFill>
-                <a:latin typeface="MV Boli" charset="0"/>
-                <a:cs typeface="MV Boli" charset="0"/>
+                <a:latin typeface="MV Boli"/>
+                <a:cs typeface="MV Boli"/>
               </a:rPr>
-              <a:t>W</a:t>
-            </a:r>
-            <a:r>
-              <a:rPr lang="en-US" altLang="ko-KR" sz="2800" b="1" dirty="0" err="1" smtClean="0">
-                <a:solidFill>
-                  <a:srgbClr val="FFC000">
-                    <a:lumMod val="60000"/>
-                    <a:lumOff val="40000"/>
-                  </a:srgbClr>
-                </a:solidFill>
-                <a:latin typeface="MV Boli" charset="0"/>
-                <a:cs typeface="MV Boli" charset="0"/>
-              </a:rPr>
-              <a:t>innum</a:t>
-            </a:r>
-            <a:endParaRPr lang="ko-KR" altLang="en-US" sz="2800" b="1" dirty="0">
+              <a:t>Result</a:t>
+            </a:r>
+            <a:endParaRPr lang="ko-KR" altLang="en-US" sz="2800" b="1">
               <a:solidFill>
-                <a:srgbClr val="FFC000">
+                <a:srgbClr val="ffc000">
                   <a:lumMod val="60000"/>
                   <a:lumOff val="40000"/>
                 </a:srgbClr>
               </a:solidFill>
-              <a:latin typeface="MV Boli" charset="0"/>
-              <a:cs typeface="MV Boli" charset="0"/>
+              <a:latin typeface="MV Boli"/>
+              <a:cs typeface="MV Boli"/>
             </a:endParaRPr>
           </a:p>
         </p:txBody>
       </p:sp>
       <p:sp>
         <p:nvSpPr>
-          <p:cNvPr id="141" name="TextBox 51"/>
-          <p:cNvSpPr txBox="1">
-            <a:spLocks/>
-          </p:cNvSpPr>
+          <p:cNvPr id="146" name="TextBox 30"/>
+          <p:cNvSpPr txBox="1"/>
           <p:nvPr/>
         </p:nvSpPr>
         <p:spPr>
           <a:xfrm>
-            <a:off x="9034145" y="3087354"/>
-            <a:ext cx="1791335" cy="955040"/>
+            <a:off x="4835525" y="819961"/>
+            <a:ext cx="2564765" cy="1149809"/>
           </a:xfrm>
           <a:prstGeom prst="rect">
             <a:avLst/>
           </a:prstGeom>
           <a:solidFill>
-            <a:schemeClr val="tx1">
-              <a:lumMod val="85000"/>
-              <a:lumOff val="15000"/>
-            </a:schemeClr>
-          </a:solidFill>
-          <a:effectLst>
-            <a:outerShdw blurRad="50800" dist="38100" dir="2700000" algn="tl" rotWithShape="0">
-              <a:srgbClr val="000000">
-                <a:alpha val="40000"/>
-              </a:srgbClr>
-            </a:outerShdw>
-          </a:effectLst>
-          <a:scene3d>
-            <a:camera prst="obliqueTopLeft"/>
-            <a:lightRig rig="threePt" dir="t"/>
-          </a:scene3d>
-          <a:sp3d/>
-        </p:spPr>
-        <p:txBody>
-          <a:bodyPr vert="horz" wrap="square" lIns="91440" tIns="45720" rIns="91440" bIns="45720" numCol="1" anchor="ctr">
-            <a:spAutoFit/>
-          </a:bodyPr>
-          <a:lstStyle/>
-          <a:p>
-            <a:pPr marL="0" indent="0" algn="ctr" latinLnBrk="0">
-              <a:buFontTx/>
-              <a:buNone/>
-              <a:defRPr/>
-            </a:pPr>
-            <a:r>
-              <a:rPr lang="en-US" altLang="ko-KR" sz="2800" b="1" dirty="0">
-                <a:solidFill>
-                  <a:srgbClr val="FFC000">
-                    <a:lumMod val="60000"/>
-                    <a:lumOff val="40000"/>
-                  </a:srgbClr>
-                </a:solidFill>
-                <a:latin typeface="MV Boli" charset="0"/>
-                <a:cs typeface="MV Boli" charset="0"/>
-              </a:rPr>
-              <a:t>Lotto </a:t>
-            </a:r>
-            <a:r>
-              <a:rPr lang="en-US" altLang="ko-KR" sz="2800" b="1" dirty="0" smtClean="0">
-                <a:solidFill>
-                  <a:srgbClr val="FFC000">
-                    <a:lumMod val="60000"/>
-                    <a:lumOff val="40000"/>
-                  </a:srgbClr>
-                </a:solidFill>
-                <a:latin typeface="MV Boli" charset="0"/>
-                <a:cs typeface="MV Boli" charset="0"/>
-              </a:rPr>
-              <a:t>Draw</a:t>
-            </a:r>
-            <a:endParaRPr lang="ko-KR" altLang="en-US" sz="2800" b="1" dirty="0">
-              <a:solidFill>
-                <a:srgbClr val="FFC000">
-                  <a:lumMod val="60000"/>
-                  <a:lumOff val="40000"/>
-                </a:srgbClr>
-              </a:solidFill>
-              <a:latin typeface="MV Boli" charset="0"/>
-              <a:cs typeface="MV Boli" charset="0"/>
-            </a:endParaRPr>
-          </a:p>
-        </p:txBody>
-      </p:sp>
-      <p:sp>
-        <p:nvSpPr>
-          <p:cNvPr id="143" name="TextBox 51"/>
-          <p:cNvSpPr txBox="1">
-            <a:spLocks/>
-          </p:cNvSpPr>
-          <p:nvPr/>
-        </p:nvSpPr>
-        <p:spPr>
-          <a:xfrm>
-            <a:off x="9034144" y="4545890"/>
-            <a:ext cx="1791335" cy="955040"/>
-          </a:xfrm>
-          <a:prstGeom prst="rect">
-            <a:avLst/>
-          </a:prstGeom>
-          <a:solidFill>
-            <a:schemeClr val="tx1">
-              <a:lumMod val="85000"/>
-              <a:lumOff val="15000"/>
-            </a:schemeClr>
-          </a:solidFill>
-          <a:effectLst>
-            <a:outerShdw blurRad="50800" dist="38100" dir="2700000" algn="tl" rotWithShape="0">
-              <a:srgbClr val="000000">
-                <a:alpha val="40000"/>
-              </a:srgbClr>
-            </a:outerShdw>
-          </a:effectLst>
-          <a:scene3d>
-            <a:camera prst="obliqueTopLeft"/>
-            <a:lightRig rig="threePt" dir="t"/>
-          </a:scene3d>
-          <a:sp3d/>
-        </p:spPr>
-        <p:txBody>
-          <a:bodyPr vert="horz" wrap="square" lIns="91440" tIns="45720" rIns="91440" bIns="45720" numCol="1" anchor="ctr">
-            <a:spAutoFit/>
-          </a:bodyPr>
-          <a:lstStyle/>
-          <a:p>
-            <a:pPr marL="0" indent="0" algn="ctr" latinLnBrk="0">
-              <a:buFontTx/>
-              <a:buNone/>
-              <a:defRPr/>
-            </a:pPr>
-            <a:r>
-              <a:rPr lang="en-US" altLang="ko-KR" sz="2800" b="1" dirty="0">
-                <a:solidFill>
-                  <a:srgbClr val="FFC000">
-                    <a:lumMod val="60000"/>
-                    <a:lumOff val="40000"/>
-                  </a:srgbClr>
-                </a:solidFill>
-                <a:latin typeface="MV Boli" charset="0"/>
-                <a:cs typeface="MV Boli" charset="0"/>
-              </a:rPr>
-              <a:t>Lotto</a:t>
-            </a:r>
-            <a:endParaRPr lang="ko-KR" altLang="en-US" sz="2800" b="1" dirty="0">
-              <a:solidFill>
-                <a:srgbClr val="FFC000">
-                  <a:lumMod val="60000"/>
-                  <a:lumOff val="40000"/>
-                </a:srgbClr>
-              </a:solidFill>
-              <a:latin typeface="MV Boli" charset="0"/>
-              <a:cs typeface="MV Boli" charset="0"/>
-            </a:endParaRPr>
-          </a:p>
-          <a:p>
-            <a:pPr marL="0" indent="0" algn="ctr" latinLnBrk="0">
-              <a:buFontTx/>
-              <a:buNone/>
-              <a:defRPr/>
-            </a:pPr>
-            <a:r>
-              <a:rPr lang="en-US" altLang="ko-KR" sz="2800" b="1" dirty="0">
-                <a:solidFill>
-                  <a:srgbClr val="FFC000">
-                    <a:lumMod val="60000"/>
-                    <a:lumOff val="40000"/>
-                  </a:srgbClr>
-                </a:solidFill>
-                <a:latin typeface="MV Boli" charset="0"/>
-                <a:cs typeface="MV Boli" charset="0"/>
-              </a:rPr>
-              <a:t>R</a:t>
-            </a:r>
-            <a:r>
-              <a:rPr lang="en-US" altLang="ko-KR" sz="2800" b="1" dirty="0" smtClean="0">
-                <a:solidFill>
-                  <a:srgbClr val="FFC000">
-                    <a:lumMod val="60000"/>
-                    <a:lumOff val="40000"/>
-                  </a:srgbClr>
-                </a:solidFill>
-                <a:latin typeface="MV Boli" charset="0"/>
-                <a:cs typeface="MV Boli" charset="0"/>
-              </a:rPr>
-              <a:t>esult</a:t>
-            </a:r>
-            <a:endParaRPr lang="ko-KR" altLang="en-US" sz="2800" b="1" dirty="0">
-              <a:solidFill>
-                <a:srgbClr val="FFC000">
-                  <a:lumMod val="60000"/>
-                  <a:lumOff val="40000"/>
-                </a:srgbClr>
-              </a:solidFill>
-              <a:latin typeface="MV Boli" charset="0"/>
-              <a:cs typeface="MV Boli" charset="0"/>
-            </a:endParaRPr>
-          </a:p>
-        </p:txBody>
-      </p:sp>
-      <p:sp>
-        <p:nvSpPr>
-          <p:cNvPr id="146" name="TextBox 30"/>
-          <p:cNvSpPr txBox="1">
-            <a:spLocks/>
-          </p:cNvSpPr>
-          <p:nvPr/>
-        </p:nvSpPr>
-        <p:spPr>
-          <a:xfrm>
-            <a:off x="4711700" y="591361"/>
-            <a:ext cx="2564765" cy="1169551"/>
-          </a:xfrm>
-          <a:prstGeom prst="rect">
-            <a:avLst/>
-          </a:prstGeom>
-          <a:solidFill>
-            <a:srgbClr val="FF0000">
+            <a:srgbClr val="ff0000">
               <a:alpha val="80070"/>
             </a:srgbClr>
           </a:solidFill>
@@ -28776,7 +25713,7 @@
           <a:sp3d/>
         </p:spPr>
         <p:txBody>
-          <a:bodyPr vert="horz" wrap="square" lIns="91440" tIns="45720" rIns="91440" bIns="45720" numCol="1" anchor="t">
+          <a:bodyPr vert="horz" wrap="square" lIns="91440" tIns="45720" rIns="91440" bIns="45720" anchor="t">
             <a:spAutoFit/>
           </a:bodyPr>
           <a:lstStyle/>
@@ -28787,15 +25724,22 @@
               <a:defRPr/>
             </a:pPr>
             <a:r>
-              <a:rPr lang="en-US" altLang="ko-KR" sz="3500" dirty="0" smtClean="0">
+              <a:rPr lang="en-US" altLang="ko-KR" sz="3500">
                 <a:solidFill>
-                  <a:srgbClr val="FFFFFF"/>
+                  <a:srgbClr val="ffffff"/>
                 </a:solidFill>
-                <a:latin typeface="MV Boli" charset="0"/>
-                <a:cs typeface="MV Boli" charset="0"/>
+                <a:latin typeface="MV Boli"/>
+                <a:cs typeface="MV Boli"/>
               </a:rPr>
               <a:t>Lotto</a:t>
             </a:r>
+            <a:endParaRPr lang="en-US" altLang="ko-KR" sz="3500">
+              <a:solidFill>
+                <a:srgbClr val="ffffff"/>
+              </a:solidFill>
+              <a:latin typeface="MV Boli"/>
+              <a:cs typeface="MV Boli"/>
+            </a:endParaRPr>
           </a:p>
           <a:p>
             <a:pPr marL="0" indent="0" algn="ctr" latinLnBrk="0">
@@ -28804,21 +25748,21 @@
               <a:defRPr/>
             </a:pPr>
             <a:r>
-              <a:rPr lang="en-US" altLang="ko-KR" sz="3500" dirty="0" smtClean="0">
+              <a:rPr lang="en-US" altLang="ko-KR" sz="3500">
                 <a:solidFill>
-                  <a:srgbClr val="FFFFFF"/>
+                  <a:srgbClr val="ffffff"/>
                 </a:solidFill>
-                <a:latin typeface="MV Boli" charset="0"/>
-                <a:cs typeface="MV Boli" charset="0"/>
+                <a:latin typeface="MV Boli"/>
+                <a:cs typeface="MV Boli"/>
               </a:rPr>
               <a:t>(Model)</a:t>
             </a:r>
-            <a:endParaRPr lang="ko-KR" altLang="en-US" sz="3500" dirty="0">
+            <a:endParaRPr lang="ko-KR" altLang="en-US" sz="3500">
               <a:solidFill>
-                <a:srgbClr val="FFFFFF"/>
+                <a:srgbClr val="ffffff"/>
               </a:solidFill>
-              <a:latin typeface="MV Boli" charset="0"/>
-              <a:cs typeface="MV Boli" charset="0"/>
+              <a:latin typeface="MV Boli"/>
+              <a:cs typeface="MV Boli"/>
             </a:endParaRPr>
           </a:p>
         </p:txBody>
@@ -28831,7 +25775,7 @@
         </p:nvCxnSpPr>
         <p:spPr>
           <a:xfrm flipH="1">
-            <a:off x="3268346" y="3568791"/>
+            <a:off x="3392171" y="3797391"/>
             <a:ext cx="1756409" cy="20832"/>
           </a:xfrm>
           <a:prstGeom prst="straightConnector1">
@@ -28866,9 +25810,7 @@
       <p:sp>
         <p:nvSpPr>
           <p:cNvPr id="147" name="도형 98"/>
-          <p:cNvSpPr>
-            <a:spLocks/>
-          </p:cNvSpPr>
+          <p:cNvSpPr/>
           <p:nvPr/>
         </p:nvSpPr>
         <p:spPr>
@@ -28913,13 +25855,15 @@
           </a:bodyPr>
           <a:lstStyle/>
           <a:p>
-            <a:pPr marL="0" indent="0" algn="ctr" hangingPunct="1"/>
+            <a:pPr marL="0" indent="0" algn="ctr" hangingPunct="1">
+              <a:defRPr/>
+            </a:pPr>
             <a:endParaRPr lang="ko-KR" altLang="en-US" sz="1800">
               <a:solidFill>
                 <a:schemeClr val="bg1"/>
               </a:solidFill>
-              <a:latin typeface="맑은 고딕" charset="0"/>
-              <a:ea typeface="맑은 고딕" charset="0"/>
+              <a:latin typeface="맑은 고딕"/>
+              <a:ea typeface="맑은 고딕"/>
             </a:endParaRPr>
           </a:p>
         </p:txBody>
@@ -28927,15 +25871,13 @@
       <p:sp>
         <p:nvSpPr>
           <p:cNvPr id="148" name="도형 99"/>
-          <p:cNvSpPr>
-            <a:spLocks/>
-          </p:cNvSpPr>
+          <p:cNvSpPr/>
           <p:nvPr/>
         </p:nvSpPr>
         <p:spPr>
           <a:xfrm>
-            <a:off x="0" y="133350"/>
-            <a:ext cx="257810" cy="6858635"/>
+            <a:off x="0" y="247650"/>
+            <a:ext cx="257810" cy="6610350"/>
           </a:xfrm>
           <a:prstGeom prst="rect">
             <a:avLst/>
@@ -28974,10 +25916,12 @@
           </a:bodyPr>
           <a:lstStyle/>
           <a:p>
-            <a:pPr marL="0" indent="0" algn="ctr" hangingPunct="1"/>
+            <a:pPr marL="0" indent="0" algn="ctr" hangingPunct="1">
+              <a:defRPr/>
+            </a:pPr>
             <a:endParaRPr lang="ko-KR" altLang="en-US" sz="1800">
-              <a:latin typeface="맑은 고딕" charset="0"/>
-              <a:ea typeface="맑은 고딕" charset="0"/>
+              <a:latin typeface="맑은 고딕"/>
+              <a:ea typeface="맑은 고딕"/>
             </a:endParaRPr>
           </a:p>
         </p:txBody>
@@ -28985,9 +25929,7 @@
       <p:sp>
         <p:nvSpPr>
           <p:cNvPr id="149" name="도형 100"/>
-          <p:cNvSpPr>
-            <a:spLocks/>
-          </p:cNvSpPr>
+          <p:cNvSpPr/>
           <p:nvPr/>
         </p:nvSpPr>
         <p:spPr>
@@ -29032,10 +25974,12 @@
           </a:bodyPr>
           <a:lstStyle/>
           <a:p>
-            <a:pPr marL="0" indent="0" algn="ctr" hangingPunct="1"/>
+            <a:pPr marL="0" indent="0" algn="ctr" hangingPunct="1">
+              <a:defRPr/>
+            </a:pPr>
             <a:endParaRPr lang="ko-KR" altLang="en-US" sz="1800">
-              <a:latin typeface="맑은 고딕" charset="0"/>
-              <a:ea typeface="맑은 고딕" charset="0"/>
+              <a:latin typeface="맑은 고딕"/>
+              <a:ea typeface="맑은 고딕"/>
             </a:endParaRPr>
           </a:p>
         </p:txBody>
@@ -29043,15 +25987,13 @@
       <p:sp>
         <p:nvSpPr>
           <p:cNvPr id="150" name="도형 101"/>
-          <p:cNvSpPr>
-            <a:spLocks/>
-          </p:cNvSpPr>
+          <p:cNvSpPr/>
           <p:nvPr/>
         </p:nvSpPr>
         <p:spPr>
           <a:xfrm>
-            <a:off x="-85725" y="6344285"/>
-            <a:ext cx="12376150" cy="561975"/>
+            <a:off x="0" y="6344285"/>
+            <a:ext cx="12192000" cy="513715"/>
           </a:xfrm>
           <a:prstGeom prst="rect">
             <a:avLst/>
@@ -29090,10 +26032,12 @@
           </a:bodyPr>
           <a:lstStyle/>
           <a:p>
-            <a:pPr marL="0" indent="0" algn="ctr" hangingPunct="1"/>
+            <a:pPr marL="0" indent="0" algn="ctr" hangingPunct="1">
+              <a:defRPr/>
+            </a:pPr>
             <a:endParaRPr lang="ko-KR" altLang="en-US" sz="1800">
-              <a:latin typeface="맑은 고딕" charset="0"/>
-              <a:ea typeface="맑은 고딕" charset="0"/>
+              <a:latin typeface="맑은 고딕"/>
+              <a:ea typeface="맑은 고딕"/>
             </a:endParaRPr>
           </a:p>
         </p:txBody>
@@ -29106,7 +26050,7 @@
         </p:nvCxnSpPr>
         <p:spPr>
           <a:xfrm>
-            <a:off x="5954712" y="1938523"/>
+            <a:off x="6078537" y="2167123"/>
             <a:ext cx="0" cy="901236"/>
           </a:xfrm>
           <a:prstGeom prst="straightConnector1">
@@ -29146,7 +26090,7 @@
         </p:nvCxnSpPr>
         <p:spPr>
           <a:xfrm flipV="1">
-            <a:off x="2279648" y="1486535"/>
+            <a:off x="2403473" y="1715135"/>
             <a:ext cx="1939292" cy="1305945"/>
           </a:xfrm>
           <a:prstGeom prst="straightConnector1">
@@ -29186,7 +26130,7 @@
         </p:nvSpPr>
         <p:spPr>
           <a:xfrm>
-            <a:off x="1849753" y="1770175"/>
+            <a:off x="1973578" y="1998775"/>
             <a:ext cx="1681317" cy="369332"/>
           </a:xfrm>
           <a:prstGeom prst="rect">
@@ -29195,16 +26139,19 @@
           <a:noFill/>
         </p:spPr>
         <p:txBody>
-          <a:bodyPr wrap="square" rtlCol="0">
+          <a:bodyPr wrap="square">
             <a:spAutoFit/>
           </a:bodyPr>
           <a:lstStyle/>
           <a:p>
-            <a:r>
-              <a:rPr lang="en-US" altLang="ko-KR" b="1" dirty="0" smtClean="0"/>
+            <a:pPr lvl="0">
+              <a:defRPr/>
+            </a:pPr>
+            <a:r>
+              <a:rPr lang="en-US" altLang="ko-KR" b="1"/>
               <a:t>manipulates</a:t>
             </a:r>
-            <a:endParaRPr lang="ko-KR" altLang="en-US" b="1" dirty="0"/>
+            <a:endParaRPr lang="ko-KR" altLang="en-US" b="1"/>
           </a:p>
         </p:txBody>
       </p:sp>
@@ -29216,7 +26163,7 @@
         </p:nvSpPr>
         <p:spPr>
           <a:xfrm>
-            <a:off x="6012393" y="2130165"/>
+            <a:off x="6136218" y="2358765"/>
             <a:ext cx="1115686" cy="369332"/>
           </a:xfrm>
           <a:prstGeom prst="rect">
@@ -29225,16 +26172,19 @@
           <a:noFill/>
         </p:spPr>
         <p:txBody>
-          <a:bodyPr wrap="square" rtlCol="0">
+          <a:bodyPr wrap="square">
             <a:spAutoFit/>
           </a:bodyPr>
           <a:lstStyle/>
           <a:p>
-            <a:r>
-              <a:rPr lang="en-US" altLang="ko-KR" b="1" dirty="0" smtClean="0"/>
+            <a:pPr lvl="0">
+              <a:defRPr/>
+            </a:pPr>
+            <a:r>
+              <a:rPr lang="en-US" altLang="ko-KR" b="1"/>
               <a:t>updates</a:t>
             </a:r>
-            <a:endParaRPr lang="ko-KR" altLang="en-US" b="1" dirty="0"/>
+            <a:endParaRPr lang="ko-KR" altLang="en-US" b="1"/>
           </a:p>
         </p:txBody>
       </p:sp>
@@ -29246,8 +26196,8 @@
         </p:nvSpPr>
         <p:spPr>
           <a:xfrm>
-            <a:off x="3365356" y="3715147"/>
-            <a:ext cx="1369204" cy="369332"/>
+            <a:off x="3489181" y="3943747"/>
+            <a:ext cx="1369204" cy="359648"/>
           </a:xfrm>
           <a:prstGeom prst="rect">
             <a:avLst/>
@@ -29255,146 +26205,35 @@
           <a:noFill/>
         </p:spPr>
         <p:txBody>
-          <a:bodyPr wrap="square" rtlCol="0">
+          <a:bodyPr wrap="square">
             <a:spAutoFit/>
           </a:bodyPr>
           <a:lstStyle/>
           <a:p>
-            <a:r>
-              <a:rPr lang="en-US" altLang="ko-KR" b="1" dirty="0" smtClean="0"/>
+            <a:pPr lvl="0">
+              <a:defRPr/>
+            </a:pPr>
+            <a:r>
+              <a:rPr lang="en-US" altLang="ko-KR" b="1"/>
               <a:t>Transmit</a:t>
             </a:r>
+            <a:endParaRPr lang="en-US" altLang="ko-KR" b="1"/>
           </a:p>
         </p:txBody>
       </p:sp>
-      <p:pic>
-        <p:nvPicPr>
-          <p:cNvPr id="36" name="그림 35"/>
-          <p:cNvPicPr>
-            <a:picLocks noChangeAspect="1"/>
-          </p:cNvPicPr>
-          <p:nvPr/>
-        </p:nvPicPr>
-        <p:blipFill>
-          <a:blip r:embed="rId3" cstate="print">
-            <a:extLst>
-              <a:ext uri="{28A0092B-C50C-407E-A947-70E740481C1C}">
-                <a14:useLocalDpi xmlns:a14="http://schemas.microsoft.com/office/drawing/2010/main" val="0"/>
-              </a:ext>
-            </a:extLst>
-          </a:blip>
-          <a:stretch>
-            <a:fillRect/>
-          </a:stretch>
-        </p:blipFill>
-        <p:spPr>
-          <a:xfrm>
-            <a:off x="5245997" y="5416283"/>
-            <a:ext cx="1653016" cy="1322691"/>
-          </a:xfrm>
-          <a:prstGeom prst="rect">
-            <a:avLst/>
-          </a:prstGeom>
-        </p:spPr>
-      </p:pic>
-      <p:cxnSp>
-        <p:nvCxnSpPr>
-          <p:cNvPr id="37" name="직선 화살표 연결선 29"/>
-          <p:cNvCxnSpPr/>
-          <p:nvPr/>
-        </p:nvCxnSpPr>
-        <p:spPr>
-          <a:xfrm>
-            <a:off x="5907283" y="4322586"/>
-            <a:ext cx="0" cy="916086"/>
-          </a:xfrm>
-          <a:prstGeom prst="straightConnector1">
-            <a:avLst/>
-          </a:prstGeom>
-          <a:ln w="38100" cap="flat" cmpd="sng">
-            <a:solidFill>
-              <a:schemeClr val="bg2">
-                <a:lumMod val="25000"/>
-                <a:alpha val="100000"/>
-              </a:schemeClr>
-            </a:solidFill>
-            <a:prstDash val="solid"/>
-            <a:tailEnd type="triangle" w="med" len="med"/>
-          </a:ln>
-        </p:spPr>
-        <p:style>
-          <a:lnRef idx="1">
-            <a:schemeClr val="accent1"/>
-          </a:lnRef>
-          <a:fillRef idx="0">
-            <a:schemeClr val="accent1"/>
-          </a:fillRef>
-          <a:effectRef idx="0">
-            <a:schemeClr val="accent1"/>
-          </a:effectRef>
-          <a:fontRef idx="minor">
-            <a:schemeClr val="tx1"/>
-          </a:fontRef>
-        </p:style>
-      </p:cxnSp>
-      <p:cxnSp>
-        <p:nvCxnSpPr>
-          <p:cNvPr id="39" name="직선 화살표 연결선 29"/>
-          <p:cNvCxnSpPr/>
-          <p:nvPr/>
-        </p:nvCxnSpPr>
-        <p:spPr>
-          <a:xfrm flipH="1" flipV="1">
-            <a:off x="6229821" y="4322586"/>
-            <a:ext cx="8890" cy="870754"/>
-          </a:xfrm>
-          <a:prstGeom prst="straightConnector1">
-            <a:avLst/>
-          </a:prstGeom>
-          <a:ln w="38100" cap="flat" cmpd="sng">
-            <a:solidFill>
-              <a:schemeClr val="bg2">
-                <a:lumMod val="25000"/>
-                <a:alpha val="100000"/>
-              </a:schemeClr>
-            </a:solidFill>
-            <a:prstDash val="solid"/>
-            <a:tailEnd type="triangle" w="med" len="med"/>
-          </a:ln>
-        </p:spPr>
-        <p:style>
-          <a:lnRef idx="1">
-            <a:schemeClr val="accent1"/>
-          </a:lnRef>
-          <a:fillRef idx="0">
-            <a:schemeClr val="accent1"/>
-          </a:fillRef>
-          <a:effectRef idx="0">
-            <a:schemeClr val="accent1"/>
-          </a:effectRef>
-          <a:fontRef idx="minor">
-            <a:schemeClr val="tx1"/>
-          </a:fontRef>
-        </p:style>
-      </p:cxnSp>
     </p:spTree>
-    <p:extLst>
-      <p:ext uri="{BB962C8B-B14F-4D97-AF65-F5344CB8AC3E}">
-        <p14:creationId xmlns:p14="http://schemas.microsoft.com/office/powerpoint/2010/main" val="205576592"/>
-      </p:ext>
-    </p:extLst>
   </p:cSld>
   <p:clrMapOvr>
     <a:masterClrMapping/>
   </p:clrMapOvr>
-  <mc:AlternateContent xmlns:mc="http://schemas.openxmlformats.org/markup-compatibility/2006" xmlns:p14="http://schemas.microsoft.com/office/powerpoint/2010/main">
-    <mc:Choice Requires="p14">
-      <p:transition spd="med" p14:dur="700">
+  <mc:AlternateContent xmlns:mc="http://schemas.openxmlformats.org/markup-compatibility/2006">
+    <mc:Choice xmlns:p14="http://schemas.microsoft.com/office/powerpoint/2010/main" Requires="p14">
+      <p:transition xmlns:mc="http://schemas.openxmlformats.org/markup-compatibility/2006" xmlns:p14="http://schemas.microsoft.com/office/powerpoint/2010/main" mc:Ignorable="p14" p14:dur="700">
         <p:fade/>
       </p:transition>
     </mc:Choice>
-    <mc:Fallback xmlns="">
-      <p:transition spd="slow">
+    <mc:Fallback>
+      <p:transition xmlns:mc="http://schemas.openxmlformats.org/markup-compatibility/2006" xmlns:hp="http://schemas.haansoft.com/office/presentation/8.0" mc:Ignorable="hp" hp:hslDur="700">
         <p:fade/>
       </p:transition>
     </mc:Fallback>
@@ -32625,7 +29464,7 @@
 </file>
 
 <file path=ppt/theme/theme1.xml><?xml version="1.0" encoding="utf-8"?>
-<a:theme xmlns:r="http://schemas.openxmlformats.org/officeDocument/2006/relationships" xmlns:c="http://schemas.openxmlformats.org/drawingml/2006/chart" xmlns:dgm="http://schemas.openxmlformats.org/drawingml/2006/diagram" xmlns:dsp="http://schemas.microsoft.com/office/drawing/2008/diagram" xmlns:a="http://schemas.openxmlformats.org/drawingml/2006/main" xmlns:pic="http://schemas.openxmlformats.org/drawingml/2006/picture" xmlns:wp="http://schemas.openxmlformats.org/drawingml/2006/wordprocessingDrawing" xmlns:xdr="http://schemas.openxmlformats.org/drawingml/2006/spreadsheetDrawing" xmlns:lc="http://schemas.openxmlformats.org/drawingml/2006/lockedCanvas" xmlns:p="http://schemas.openxmlformats.org/presentationml/2006/main" name="Office 테마">
+<a:theme xmlns:r="http://schemas.openxmlformats.org/officeDocument/2006/relationships" xmlns:c="http://schemas.openxmlformats.org/drawingml/2006/chart" xmlns:dgm="http://schemas.openxmlformats.org/drawingml/2006/diagram" xmlns:dsp="http://schemas.microsoft.com/office/drawing/2008/diagram" xmlns:a="http://schemas.openxmlformats.org/drawingml/2006/main" xmlns:pic="http://schemas.openxmlformats.org/drawingml/2006/picture" xmlns:wp="http://schemas.openxmlformats.org/drawingml/2006/wordprocessingDrawing" xmlns:xdr="http://schemas.openxmlformats.org/drawingml/2006/spreadsheetDrawing" name="Office 테마">
   <a:themeElements>
     <a:clrScheme name="Office">
       <a:dk1>
@@ -32879,7 +29718,7 @@
 </file>
 
 <file path=ppt/theme/theme2.xml><?xml version="1.0" encoding="utf-8"?>
-<a:theme xmlns:r="http://schemas.openxmlformats.org/officeDocument/2006/relationships" xmlns:c="http://schemas.openxmlformats.org/drawingml/2006/chart" xmlns:dgm="http://schemas.openxmlformats.org/drawingml/2006/diagram" xmlns:dsp="http://schemas.microsoft.com/office/drawing/2008/diagram" xmlns:a="http://schemas.openxmlformats.org/drawingml/2006/main" xmlns:pic="http://schemas.openxmlformats.org/drawingml/2006/picture" xmlns:wp="http://schemas.openxmlformats.org/drawingml/2006/wordprocessingDrawing" xmlns:xdr="http://schemas.openxmlformats.org/drawingml/2006/spreadsheetDrawing" xmlns:lc="http://schemas.openxmlformats.org/drawingml/2006/lockedCanvas" xmlns:p="http://schemas.openxmlformats.org/presentationml/2006/main" name="1_Office 테마">
+<a:theme xmlns:r="http://schemas.openxmlformats.org/officeDocument/2006/relationships" xmlns:c="http://schemas.openxmlformats.org/drawingml/2006/chart" xmlns:dgm="http://schemas.openxmlformats.org/drawingml/2006/diagram" xmlns:dsp="http://schemas.microsoft.com/office/drawing/2008/diagram" xmlns:a="http://schemas.openxmlformats.org/drawingml/2006/main" xmlns:pic="http://schemas.openxmlformats.org/drawingml/2006/picture" xmlns:wp="http://schemas.openxmlformats.org/drawingml/2006/wordprocessingDrawing" xmlns:xdr="http://schemas.openxmlformats.org/drawingml/2006/spreadsheetDrawing" name="1_Office 테마">
   <a:themeElements>
     <a:clrScheme name="Paper">
       <a:dk1>
@@ -33133,7 +29972,7 @@
 </file>
 
 <file path=ppt/theme/theme3.xml><?xml version="1.0" encoding="utf-8"?>
-<a:theme xmlns:r="http://schemas.openxmlformats.org/officeDocument/2006/relationships" xmlns:c="http://schemas.openxmlformats.org/drawingml/2006/chart" xmlns:dgm="http://schemas.openxmlformats.org/drawingml/2006/diagram" xmlns:dsp="http://schemas.microsoft.com/office/drawing/2008/diagram" xmlns:a="http://schemas.openxmlformats.org/drawingml/2006/main" xmlns:pic="http://schemas.openxmlformats.org/drawingml/2006/picture" xmlns:wp="http://schemas.openxmlformats.org/drawingml/2006/wordprocessingDrawing" xmlns:xdr="http://schemas.openxmlformats.org/drawingml/2006/spreadsheetDrawing" xmlns:lc="http://schemas.openxmlformats.org/drawingml/2006/lockedCanvas" xmlns:p="http://schemas.openxmlformats.org/presentationml/2006/main" name="Office 테마">
+<a:theme xmlns:r="http://schemas.openxmlformats.org/officeDocument/2006/relationships" xmlns:c="http://schemas.openxmlformats.org/drawingml/2006/chart" xmlns:dgm="http://schemas.openxmlformats.org/drawingml/2006/diagram" xmlns:dsp="http://schemas.microsoft.com/office/drawing/2008/diagram" xmlns:a="http://schemas.openxmlformats.org/drawingml/2006/main" xmlns:pic="http://schemas.openxmlformats.org/drawingml/2006/picture" xmlns:wp="http://schemas.openxmlformats.org/drawingml/2006/wordprocessingDrawing" xmlns:xdr="http://schemas.openxmlformats.org/drawingml/2006/spreadsheetDrawing" name="Office 테마">
   <a:themeElements>
     <a:clrScheme name="Office">
       <a:dk1>
